--- a/notes/演示.pptx
+++ b/notes/演示.pptx
@@ -10,6 +10,7 @@
     <p:sldId id="258" r:id="rId4"/>
     <p:sldId id="259" r:id="rId5"/>
     <p:sldId id="260" r:id="rId6"/>
+    <p:sldId id="261" r:id="rId7"/>
   </p:sldIdLst>
   <p:sldSz cx="12192000" cy="6858000"/>
   <p:notesSz cx="6858000" cy="9144000"/>
@@ -263,7 +264,7 @@
           <a:p>
             <a:fld id="{1B839DDA-FDEA-D74D-B0E8-579EAEAB0023}" type="datetimeFigureOut">
               <a:rPr kumimoji="1" lang="zh-CN" altLang="en-US" smtClean="0"/>
-              <a:t>2021/5/15</a:t>
+              <a:t>2021/5/22</a:t>
             </a:fld>
             <a:endParaRPr kumimoji="1" lang="zh-CN" altLang="en-US"/>
           </a:p>
@@ -461,7 +462,7 @@
           <a:p>
             <a:fld id="{1B839DDA-FDEA-D74D-B0E8-579EAEAB0023}" type="datetimeFigureOut">
               <a:rPr kumimoji="1" lang="zh-CN" altLang="en-US" smtClean="0"/>
-              <a:t>2021/5/15</a:t>
+              <a:t>2021/5/22</a:t>
             </a:fld>
             <a:endParaRPr kumimoji="1" lang="zh-CN" altLang="en-US"/>
           </a:p>
@@ -669,7 +670,7 @@
           <a:p>
             <a:fld id="{1B839DDA-FDEA-D74D-B0E8-579EAEAB0023}" type="datetimeFigureOut">
               <a:rPr kumimoji="1" lang="zh-CN" altLang="en-US" smtClean="0"/>
-              <a:t>2021/5/15</a:t>
+              <a:t>2021/5/22</a:t>
             </a:fld>
             <a:endParaRPr kumimoji="1" lang="zh-CN" altLang="en-US"/>
           </a:p>
@@ -867,7 +868,7 @@
           <a:p>
             <a:fld id="{1B839DDA-FDEA-D74D-B0E8-579EAEAB0023}" type="datetimeFigureOut">
               <a:rPr kumimoji="1" lang="zh-CN" altLang="en-US" smtClean="0"/>
-              <a:t>2021/5/15</a:t>
+              <a:t>2021/5/22</a:t>
             </a:fld>
             <a:endParaRPr kumimoji="1" lang="zh-CN" altLang="en-US"/>
           </a:p>
@@ -1142,7 +1143,7 @@
           <a:p>
             <a:fld id="{1B839DDA-FDEA-D74D-B0E8-579EAEAB0023}" type="datetimeFigureOut">
               <a:rPr kumimoji="1" lang="zh-CN" altLang="en-US" smtClean="0"/>
-              <a:t>2021/5/15</a:t>
+              <a:t>2021/5/22</a:t>
             </a:fld>
             <a:endParaRPr kumimoji="1" lang="zh-CN" altLang="en-US"/>
           </a:p>
@@ -1407,7 +1408,7 @@
           <a:p>
             <a:fld id="{1B839DDA-FDEA-D74D-B0E8-579EAEAB0023}" type="datetimeFigureOut">
               <a:rPr kumimoji="1" lang="zh-CN" altLang="en-US" smtClean="0"/>
-              <a:t>2021/5/15</a:t>
+              <a:t>2021/5/22</a:t>
             </a:fld>
             <a:endParaRPr kumimoji="1" lang="zh-CN" altLang="en-US"/>
           </a:p>
@@ -1819,7 +1820,7 @@
           <a:p>
             <a:fld id="{1B839DDA-FDEA-D74D-B0E8-579EAEAB0023}" type="datetimeFigureOut">
               <a:rPr kumimoji="1" lang="zh-CN" altLang="en-US" smtClean="0"/>
-              <a:t>2021/5/15</a:t>
+              <a:t>2021/5/22</a:t>
             </a:fld>
             <a:endParaRPr kumimoji="1" lang="zh-CN" altLang="en-US"/>
           </a:p>
@@ -1960,7 +1961,7 @@
           <a:p>
             <a:fld id="{1B839DDA-FDEA-D74D-B0E8-579EAEAB0023}" type="datetimeFigureOut">
               <a:rPr kumimoji="1" lang="zh-CN" altLang="en-US" smtClean="0"/>
-              <a:t>2021/5/15</a:t>
+              <a:t>2021/5/22</a:t>
             </a:fld>
             <a:endParaRPr kumimoji="1" lang="zh-CN" altLang="en-US"/>
           </a:p>
@@ -2073,7 +2074,7 @@
           <a:p>
             <a:fld id="{1B839DDA-FDEA-D74D-B0E8-579EAEAB0023}" type="datetimeFigureOut">
               <a:rPr kumimoji="1" lang="zh-CN" altLang="en-US" smtClean="0"/>
-              <a:t>2021/5/15</a:t>
+              <a:t>2021/5/22</a:t>
             </a:fld>
             <a:endParaRPr kumimoji="1" lang="zh-CN" altLang="en-US"/>
           </a:p>
@@ -2384,7 +2385,7 @@
           <a:p>
             <a:fld id="{1B839DDA-FDEA-D74D-B0E8-579EAEAB0023}" type="datetimeFigureOut">
               <a:rPr kumimoji="1" lang="zh-CN" altLang="en-US" smtClean="0"/>
-              <a:t>2021/5/15</a:t>
+              <a:t>2021/5/22</a:t>
             </a:fld>
             <a:endParaRPr kumimoji="1" lang="zh-CN" altLang="en-US"/>
           </a:p>
@@ -2672,7 +2673,7 @@
           <a:p>
             <a:fld id="{1B839DDA-FDEA-D74D-B0E8-579EAEAB0023}" type="datetimeFigureOut">
               <a:rPr kumimoji="1" lang="zh-CN" altLang="en-US" smtClean="0"/>
-              <a:t>2021/5/15</a:t>
+              <a:t>2021/5/22</a:t>
             </a:fld>
             <a:endParaRPr kumimoji="1" lang="zh-CN" altLang="en-US"/>
           </a:p>
@@ -2913,7 +2914,7 @@
           <a:p>
             <a:fld id="{1B839DDA-FDEA-D74D-B0E8-579EAEAB0023}" type="datetimeFigureOut">
               <a:rPr kumimoji="1" lang="zh-CN" altLang="en-US" smtClean="0"/>
-              <a:t>2021/5/15</a:t>
+              <a:t>2021/5/22</a:t>
             </a:fld>
             <a:endParaRPr kumimoji="1" lang="zh-CN" altLang="en-US"/>
           </a:p>
@@ -7274,6 +7275,41 @@
           </a:p>
         </p:txBody>
       </p:sp>
+      <p:sp>
+        <p:nvSpPr>
+          <p:cNvPr id="3" name="文本框 2">
+            <a:extLst>
+              <a:ext uri="{FF2B5EF4-FFF2-40B4-BE49-F238E27FC236}">
+                <a16:creationId xmlns:a16="http://schemas.microsoft.com/office/drawing/2014/main" id="{594908C8-BBE9-DF4A-BC51-EA6F94CB79B7}"/>
+              </a:ext>
+            </a:extLst>
+          </p:cNvPr>
+          <p:cNvSpPr txBox="1"/>
+          <p:nvPr/>
+        </p:nvSpPr>
+        <p:spPr>
+          <a:xfrm>
+            <a:off x="4767309" y="213064"/>
+            <a:ext cx="3157491" cy="369332"/>
+          </a:xfrm>
+          <a:prstGeom prst="rect">
+            <a:avLst/>
+          </a:prstGeom>
+          <a:noFill/>
+        </p:spPr>
+        <p:txBody>
+          <a:bodyPr wrap="square" rtlCol="0">
+            <a:spAutoFit/>
+          </a:bodyPr>
+          <a:lstStyle/>
+          <a:p>
+            <a:r>
+              <a:rPr kumimoji="1" lang="zh-CN" altLang="en-US" dirty="0"/>
+              <a:t>卷积操作</a:t>
+            </a:r>
+          </a:p>
+        </p:txBody>
+      </p:sp>
     </p:spTree>
     <p:extLst>
       <p:ext uri="{BB962C8B-B14F-4D97-AF65-F5344CB8AC3E}">
@@ -15537,6 +15573,2803 @@
     <p:extLst>
       <p:ext uri="{BB962C8B-B14F-4D97-AF65-F5344CB8AC3E}">
         <p14:creationId xmlns:p14="http://schemas.microsoft.com/office/powerpoint/2010/main" val="3452007687"/>
+      </p:ext>
+    </p:extLst>
+  </p:cSld>
+  <p:clrMapOvr>
+    <a:masterClrMapping/>
+  </p:clrMapOvr>
+</p:sld>
+</file>
+
+<file path=ppt/slides/slide6.xml><?xml version="1.0" encoding="utf-8"?>
+<p:sld xmlns:a="http://schemas.openxmlformats.org/drawingml/2006/main" xmlns:r="http://schemas.openxmlformats.org/officeDocument/2006/relationships" xmlns:p="http://schemas.openxmlformats.org/presentationml/2006/main">
+  <p:cSld>
+    <p:spTree>
+      <p:nvGrpSpPr>
+        <p:cNvPr id="1" name=""/>
+        <p:cNvGrpSpPr/>
+        <p:nvPr/>
+      </p:nvGrpSpPr>
+      <p:grpSpPr>
+        <a:xfrm>
+          <a:off x="0" y="0"/>
+          <a:ext cx="0" cy="0"/>
+          <a:chOff x="0" y="0"/>
+          <a:chExt cx="0" cy="0"/>
+        </a:xfrm>
+      </p:grpSpPr>
+      <p:graphicFrame>
+        <p:nvGraphicFramePr>
+          <p:cNvPr id="2" name="表格 1">
+            <a:extLst>
+              <a:ext uri="{FF2B5EF4-FFF2-40B4-BE49-F238E27FC236}">
+                <a16:creationId xmlns:a16="http://schemas.microsoft.com/office/drawing/2014/main" id="{87031707-2D30-E54C-A5FE-0E6003E99A2C}"/>
+              </a:ext>
+            </a:extLst>
+          </p:cNvPr>
+          <p:cNvGraphicFramePr>
+            <a:graphicFrameLocks noGrp="1"/>
+          </p:cNvGraphicFramePr>
+          <p:nvPr/>
+        </p:nvGraphicFramePr>
+        <p:xfrm>
+          <a:off x="479227" y="486886"/>
+          <a:ext cx="2695773" cy="2942114"/>
+        </p:xfrm>
+        <a:graphic>
+          <a:graphicData uri="http://schemas.openxmlformats.org/drawingml/2006/table">
+            <a:tbl>
+              <a:tblPr/>
+              <a:tblGrid>
+                <a:gridCol w="526518">
+                  <a:extLst>
+                    <a:ext uri="{9D8B030D-6E8A-4147-A177-3AD203B41FA5}">
+                      <a16:colId xmlns:a16="http://schemas.microsoft.com/office/drawing/2014/main" val="2264575779"/>
+                    </a:ext>
+                  </a:extLst>
+                </a:gridCol>
+                <a:gridCol w="547579">
+                  <a:extLst>
+                    <a:ext uri="{9D8B030D-6E8A-4147-A177-3AD203B41FA5}">
+                      <a16:colId xmlns:a16="http://schemas.microsoft.com/office/drawing/2014/main" val="1283912556"/>
+                    </a:ext>
+                  </a:extLst>
+                </a:gridCol>
+                <a:gridCol w="526518">
+                  <a:extLst>
+                    <a:ext uri="{9D8B030D-6E8A-4147-A177-3AD203B41FA5}">
+                      <a16:colId xmlns:a16="http://schemas.microsoft.com/office/drawing/2014/main" val="409442440"/>
+                    </a:ext>
+                  </a:extLst>
+                </a:gridCol>
+                <a:gridCol w="547579">
+                  <a:extLst>
+                    <a:ext uri="{9D8B030D-6E8A-4147-A177-3AD203B41FA5}">
+                      <a16:colId xmlns:a16="http://schemas.microsoft.com/office/drawing/2014/main" val="3207998226"/>
+                    </a:ext>
+                  </a:extLst>
+                </a:gridCol>
+                <a:gridCol w="547579">
+                  <a:extLst>
+                    <a:ext uri="{9D8B030D-6E8A-4147-A177-3AD203B41FA5}">
+                      <a16:colId xmlns:a16="http://schemas.microsoft.com/office/drawing/2014/main" val="3868209946"/>
+                    </a:ext>
+                  </a:extLst>
+                </a:gridCol>
+              </a:tblGrid>
+              <a:tr h="629966">
+                <a:tc>
+                  <a:txBody>
+                    <a:bodyPr/>
+                    <a:lstStyle/>
+                    <a:p>
+                      <a:pPr algn="ctr"/>
+                      <a:r>
+                        <a:rPr lang="en-US" altLang="zh-CN" b="1" dirty="0">
+                          <a:solidFill>
+                            <a:schemeClr val="bg1"/>
+                          </a:solidFill>
+                          <a:effectLst/>
+                          <a:latin typeface="Helvetica" pitchFamily="2" charset="0"/>
+                        </a:rPr>
+                        <a:t>1</a:t>
+                      </a:r>
+                      <a:endParaRPr lang="zh-CN" altLang="en-US" b="1" dirty="0">
+                        <a:solidFill>
+                          <a:schemeClr val="bg1"/>
+                        </a:solidFill>
+                        <a:effectLst/>
+                        <a:latin typeface="Helvetica" pitchFamily="2" charset="0"/>
+                      </a:endParaRPr>
+                    </a:p>
+                  </a:txBody>
+                  <a:tcPr marL="38100" marR="38100" marT="38100" marB="38100" anchor="ctr">
+                    <a:lnL w="9525" cap="flat" cmpd="sng" algn="ctr">
+                      <a:solidFill>
+                        <a:srgbClr val="FFFFFF"/>
+                      </a:solidFill>
+                      <a:prstDash val="solid"/>
+                      <a:round/>
+                      <a:headEnd type="none" w="med" len="med"/>
+                      <a:tailEnd type="none" w="med" len="med"/>
+                    </a:lnL>
+                    <a:lnR w="9525" cap="flat" cmpd="sng" algn="ctr">
+                      <a:solidFill>
+                        <a:srgbClr val="FFFFFF"/>
+                      </a:solidFill>
+                      <a:prstDash val="solid"/>
+                      <a:round/>
+                      <a:headEnd type="none" w="med" len="med"/>
+                      <a:tailEnd type="none" w="med" len="med"/>
+                    </a:lnR>
+                    <a:lnT w="9525" cap="flat" cmpd="sng" algn="ctr">
+                      <a:solidFill>
+                        <a:srgbClr val="FFFFFF"/>
+                      </a:solidFill>
+                      <a:prstDash val="solid"/>
+                      <a:round/>
+                      <a:headEnd type="none" w="med" len="med"/>
+                      <a:tailEnd type="none" w="med" len="med"/>
+                    </a:lnT>
+                    <a:lnB w="9525" cap="flat" cmpd="sng" algn="ctr">
+                      <a:solidFill>
+                        <a:srgbClr val="FFFFFF"/>
+                      </a:solidFill>
+                      <a:prstDash val="solid"/>
+                      <a:round/>
+                      <a:headEnd type="none" w="med" len="med"/>
+                      <a:tailEnd type="none" w="med" len="med"/>
+                    </a:lnB>
+                    <a:solidFill>
+                      <a:srgbClr val="2174C7"/>
+                    </a:solidFill>
+                  </a:tcPr>
+                </a:tc>
+                <a:tc>
+                  <a:txBody>
+                    <a:bodyPr/>
+                    <a:lstStyle/>
+                    <a:p>
+                      <a:pPr algn="ctr"/>
+                      <a:r>
+                        <a:rPr lang="en-US" altLang="zh-CN" b="1" dirty="0">
+                          <a:solidFill>
+                            <a:schemeClr val="bg1"/>
+                          </a:solidFill>
+                          <a:effectLst/>
+                          <a:latin typeface="Helvetica" pitchFamily="2" charset="0"/>
+                        </a:rPr>
+                        <a:t>2</a:t>
+                      </a:r>
+                      <a:endParaRPr lang="zh-CN" altLang="en-US" b="1" dirty="0">
+                        <a:solidFill>
+                          <a:schemeClr val="bg1"/>
+                        </a:solidFill>
+                        <a:effectLst/>
+                        <a:latin typeface="Helvetica" pitchFamily="2" charset="0"/>
+                      </a:endParaRPr>
+                    </a:p>
+                  </a:txBody>
+                  <a:tcPr marL="38100" marR="38100" marT="38100" marB="38100" anchor="ctr">
+                    <a:lnL w="9525" cap="flat" cmpd="sng" algn="ctr">
+                      <a:solidFill>
+                        <a:srgbClr val="FFFFFF"/>
+                      </a:solidFill>
+                      <a:prstDash val="solid"/>
+                      <a:round/>
+                      <a:headEnd type="none" w="med" len="med"/>
+                      <a:tailEnd type="none" w="med" len="med"/>
+                    </a:lnL>
+                    <a:lnR w="9525" cap="flat" cmpd="sng" algn="ctr">
+                      <a:solidFill>
+                        <a:srgbClr val="FFFFFF"/>
+                      </a:solidFill>
+                      <a:prstDash val="solid"/>
+                      <a:round/>
+                      <a:headEnd type="none" w="med" len="med"/>
+                      <a:tailEnd type="none" w="med" len="med"/>
+                    </a:lnR>
+                    <a:lnT w="9525" cap="flat" cmpd="sng" algn="ctr">
+                      <a:solidFill>
+                        <a:srgbClr val="FFFFFF"/>
+                      </a:solidFill>
+                      <a:prstDash val="solid"/>
+                      <a:round/>
+                      <a:headEnd type="none" w="med" len="med"/>
+                      <a:tailEnd type="none" w="med" len="med"/>
+                    </a:lnT>
+                    <a:lnB w="9525" cap="flat" cmpd="sng" algn="ctr">
+                      <a:solidFill>
+                        <a:srgbClr val="FFFFFF"/>
+                      </a:solidFill>
+                      <a:prstDash val="solid"/>
+                      <a:round/>
+                      <a:headEnd type="none" w="med" len="med"/>
+                      <a:tailEnd type="none" w="med" len="med"/>
+                    </a:lnB>
+                    <a:solidFill>
+                      <a:srgbClr val="2174C7"/>
+                    </a:solidFill>
+                  </a:tcPr>
+                </a:tc>
+                <a:tc>
+                  <a:txBody>
+                    <a:bodyPr/>
+                    <a:lstStyle/>
+                    <a:p>
+                      <a:pPr algn="ctr"/>
+                      <a:r>
+                        <a:rPr lang="en-US" altLang="zh-CN" b="1" dirty="0">
+                          <a:solidFill>
+                            <a:schemeClr val="bg1"/>
+                          </a:solidFill>
+                          <a:effectLst/>
+                          <a:latin typeface="Helvetica" pitchFamily="2" charset="0"/>
+                        </a:rPr>
+                        <a:t>0</a:t>
+                      </a:r>
+                      <a:endParaRPr lang="zh-CN" altLang="en-US" b="1" dirty="0">
+                        <a:solidFill>
+                          <a:schemeClr val="bg1"/>
+                        </a:solidFill>
+                        <a:effectLst/>
+                        <a:latin typeface="Helvetica" pitchFamily="2" charset="0"/>
+                      </a:endParaRPr>
+                    </a:p>
+                  </a:txBody>
+                  <a:tcPr marL="38100" marR="38100" marT="38100" marB="38100" anchor="ctr">
+                    <a:lnL w="9525" cap="flat" cmpd="sng" algn="ctr">
+                      <a:solidFill>
+                        <a:srgbClr val="FFFFFF"/>
+                      </a:solidFill>
+                      <a:prstDash val="solid"/>
+                      <a:round/>
+                      <a:headEnd type="none" w="med" len="med"/>
+                      <a:tailEnd type="none" w="med" len="med"/>
+                    </a:lnL>
+                    <a:lnR w="9525" cap="flat" cmpd="sng" algn="ctr">
+                      <a:solidFill>
+                        <a:srgbClr val="FFFFFF"/>
+                      </a:solidFill>
+                      <a:prstDash val="solid"/>
+                      <a:round/>
+                      <a:headEnd type="none" w="med" len="med"/>
+                      <a:tailEnd type="none" w="med" len="med"/>
+                    </a:lnR>
+                    <a:lnT w="9525" cap="flat" cmpd="sng" algn="ctr">
+                      <a:solidFill>
+                        <a:srgbClr val="FFFFFF"/>
+                      </a:solidFill>
+                      <a:prstDash val="solid"/>
+                      <a:round/>
+                      <a:headEnd type="none" w="med" len="med"/>
+                      <a:tailEnd type="none" w="med" len="med"/>
+                    </a:lnT>
+                    <a:lnB w="9525" cap="flat" cmpd="sng" algn="ctr">
+                      <a:solidFill>
+                        <a:srgbClr val="FFFFFF"/>
+                      </a:solidFill>
+                      <a:prstDash val="solid"/>
+                      <a:round/>
+                      <a:headEnd type="none" w="med" len="med"/>
+                      <a:tailEnd type="none" w="med" len="med"/>
+                    </a:lnB>
+                    <a:solidFill>
+                      <a:srgbClr val="2174C7"/>
+                    </a:solidFill>
+                  </a:tcPr>
+                </a:tc>
+                <a:tc>
+                  <a:txBody>
+                    <a:bodyPr/>
+                    <a:lstStyle/>
+                    <a:p>
+                      <a:pPr algn="ctr"/>
+                      <a:r>
+                        <a:rPr lang="en-US" altLang="zh-CN" b="1" dirty="0">
+                          <a:solidFill>
+                            <a:schemeClr val="bg1"/>
+                          </a:solidFill>
+                          <a:effectLst/>
+                          <a:latin typeface="Helvetica" pitchFamily="2" charset="0"/>
+                        </a:rPr>
+                        <a:t>3</a:t>
+                      </a:r>
+                      <a:endParaRPr lang="zh-CN" altLang="en-US" b="1" dirty="0">
+                        <a:solidFill>
+                          <a:schemeClr val="bg1"/>
+                        </a:solidFill>
+                        <a:effectLst/>
+                        <a:latin typeface="Helvetica" pitchFamily="2" charset="0"/>
+                      </a:endParaRPr>
+                    </a:p>
+                  </a:txBody>
+                  <a:tcPr marL="38100" marR="38100" marT="38100" marB="38100" anchor="ctr">
+                    <a:lnL w="9525" cap="flat" cmpd="sng" algn="ctr">
+                      <a:solidFill>
+                        <a:srgbClr val="FFFFFF"/>
+                      </a:solidFill>
+                      <a:prstDash val="solid"/>
+                      <a:round/>
+                      <a:headEnd type="none" w="med" len="med"/>
+                      <a:tailEnd type="none" w="med" len="med"/>
+                    </a:lnL>
+                    <a:lnR w="9525" cap="flat" cmpd="sng" algn="ctr">
+                      <a:solidFill>
+                        <a:srgbClr val="FFFFFF"/>
+                      </a:solidFill>
+                      <a:prstDash val="solid"/>
+                      <a:round/>
+                      <a:headEnd type="none" w="med" len="med"/>
+                      <a:tailEnd type="none" w="med" len="med"/>
+                    </a:lnR>
+                    <a:lnT w="9525" cap="flat" cmpd="sng" algn="ctr">
+                      <a:solidFill>
+                        <a:srgbClr val="FFFFFF"/>
+                      </a:solidFill>
+                      <a:prstDash val="solid"/>
+                      <a:round/>
+                      <a:headEnd type="none" w="med" len="med"/>
+                      <a:tailEnd type="none" w="med" len="med"/>
+                    </a:lnT>
+                    <a:lnB w="9525" cap="flat" cmpd="sng" algn="ctr">
+                      <a:solidFill>
+                        <a:srgbClr val="FFFFFF"/>
+                      </a:solidFill>
+                      <a:prstDash val="solid"/>
+                      <a:round/>
+                      <a:headEnd type="none" w="med" len="med"/>
+                      <a:tailEnd type="none" w="med" len="med"/>
+                    </a:lnB>
+                    <a:solidFill>
+                      <a:srgbClr val="2174C7"/>
+                    </a:solidFill>
+                  </a:tcPr>
+                </a:tc>
+                <a:tc>
+                  <a:txBody>
+                    <a:bodyPr/>
+                    <a:lstStyle/>
+                    <a:p>
+                      <a:pPr algn="ctr"/>
+                      <a:r>
+                        <a:rPr lang="en-US" altLang="zh-CN" b="1" dirty="0">
+                          <a:solidFill>
+                            <a:schemeClr val="bg1"/>
+                          </a:solidFill>
+                          <a:effectLst/>
+                          <a:latin typeface="Helvetica" pitchFamily="2" charset="0"/>
+                        </a:rPr>
+                        <a:t>1</a:t>
+                      </a:r>
+                      <a:endParaRPr lang="zh-CN" altLang="en-US" b="1" dirty="0">
+                        <a:solidFill>
+                          <a:schemeClr val="bg1"/>
+                        </a:solidFill>
+                        <a:effectLst/>
+                        <a:latin typeface="Helvetica" pitchFamily="2" charset="0"/>
+                      </a:endParaRPr>
+                    </a:p>
+                  </a:txBody>
+                  <a:tcPr marL="38100" marR="38100" marT="38100" marB="38100" anchor="ctr">
+                    <a:lnL w="9525" cap="flat" cmpd="sng" algn="ctr">
+                      <a:solidFill>
+                        <a:srgbClr val="FFFFFF"/>
+                      </a:solidFill>
+                      <a:prstDash val="solid"/>
+                      <a:round/>
+                      <a:headEnd type="none" w="med" len="med"/>
+                      <a:tailEnd type="none" w="med" len="med"/>
+                    </a:lnL>
+                    <a:lnR w="9525" cap="flat" cmpd="sng" algn="ctr">
+                      <a:solidFill>
+                        <a:srgbClr val="FFFFFF"/>
+                      </a:solidFill>
+                      <a:prstDash val="solid"/>
+                      <a:round/>
+                      <a:headEnd type="none" w="med" len="med"/>
+                      <a:tailEnd type="none" w="med" len="med"/>
+                    </a:lnR>
+                    <a:lnT w="9525" cap="flat" cmpd="sng" algn="ctr">
+                      <a:solidFill>
+                        <a:srgbClr val="FFFFFF"/>
+                      </a:solidFill>
+                      <a:prstDash val="solid"/>
+                      <a:round/>
+                      <a:headEnd type="none" w="med" len="med"/>
+                      <a:tailEnd type="none" w="med" len="med"/>
+                    </a:lnT>
+                    <a:lnB w="9525" cap="flat" cmpd="sng" algn="ctr">
+                      <a:solidFill>
+                        <a:srgbClr val="FFFFFF"/>
+                      </a:solidFill>
+                      <a:prstDash val="solid"/>
+                      <a:round/>
+                      <a:headEnd type="none" w="med" len="med"/>
+                      <a:tailEnd type="none" w="med" len="med"/>
+                    </a:lnB>
+                    <a:solidFill>
+                      <a:srgbClr val="2174C7"/>
+                    </a:solidFill>
+                  </a:tcPr>
+                </a:tc>
+                <a:extLst>
+                  <a:ext uri="{0D108BD9-81ED-4DB2-BD59-A6C34878D82A}">
+                    <a16:rowId xmlns:a16="http://schemas.microsoft.com/office/drawing/2014/main" val="1765986271"/>
+                  </a:ext>
+                </a:extLst>
+              </a:tr>
+              <a:tr h="578037">
+                <a:tc>
+                  <a:txBody>
+                    <a:bodyPr/>
+                    <a:lstStyle/>
+                    <a:p>
+                      <a:pPr algn="ctr"/>
+                      <a:r>
+                        <a:rPr lang="en-US" altLang="zh-CN" b="1" dirty="0">
+                          <a:solidFill>
+                            <a:schemeClr val="bg1"/>
+                          </a:solidFill>
+                          <a:effectLst/>
+                          <a:latin typeface="Helvetica" pitchFamily="2" charset="0"/>
+                        </a:rPr>
+                        <a:t>0</a:t>
+                      </a:r>
+                      <a:endParaRPr lang="zh-CN" altLang="en-US" b="1" dirty="0">
+                        <a:solidFill>
+                          <a:schemeClr val="bg1"/>
+                        </a:solidFill>
+                        <a:effectLst/>
+                        <a:latin typeface="Helvetica" pitchFamily="2" charset="0"/>
+                      </a:endParaRPr>
+                    </a:p>
+                  </a:txBody>
+                  <a:tcPr marL="38100" marR="38100" marT="38100" marB="38100" anchor="ctr">
+                    <a:lnL w="9525" cap="flat" cmpd="sng" algn="ctr">
+                      <a:solidFill>
+                        <a:srgbClr val="FFFFFF"/>
+                      </a:solidFill>
+                      <a:prstDash val="solid"/>
+                      <a:round/>
+                      <a:headEnd type="none" w="med" len="med"/>
+                      <a:tailEnd type="none" w="med" len="med"/>
+                    </a:lnL>
+                    <a:lnR w="9525" cap="flat" cmpd="sng" algn="ctr">
+                      <a:solidFill>
+                        <a:srgbClr val="FFFFFF"/>
+                      </a:solidFill>
+                      <a:prstDash val="solid"/>
+                      <a:round/>
+                      <a:headEnd type="none" w="med" len="med"/>
+                      <a:tailEnd type="none" w="med" len="med"/>
+                    </a:lnR>
+                    <a:lnT w="9525" cap="flat" cmpd="sng" algn="ctr">
+                      <a:solidFill>
+                        <a:srgbClr val="FFFFFF"/>
+                      </a:solidFill>
+                      <a:prstDash val="solid"/>
+                      <a:round/>
+                      <a:headEnd type="none" w="med" len="med"/>
+                      <a:tailEnd type="none" w="med" len="med"/>
+                    </a:lnT>
+                    <a:lnB w="9525" cap="flat" cmpd="sng" algn="ctr">
+                      <a:solidFill>
+                        <a:srgbClr val="FFFFFF"/>
+                      </a:solidFill>
+                      <a:prstDash val="solid"/>
+                      <a:round/>
+                      <a:headEnd type="none" w="med" len="med"/>
+                      <a:tailEnd type="none" w="med" len="med"/>
+                    </a:lnB>
+                    <a:solidFill>
+                      <a:srgbClr val="2174C7"/>
+                    </a:solidFill>
+                  </a:tcPr>
+                </a:tc>
+                <a:tc>
+                  <a:txBody>
+                    <a:bodyPr/>
+                    <a:lstStyle/>
+                    <a:p>
+                      <a:pPr algn="ctr"/>
+                      <a:r>
+                        <a:rPr lang="en-US" altLang="zh-CN" b="1" dirty="0">
+                          <a:solidFill>
+                            <a:schemeClr val="bg1"/>
+                          </a:solidFill>
+                          <a:effectLst/>
+                          <a:latin typeface="Helvetica" pitchFamily="2" charset="0"/>
+                        </a:rPr>
+                        <a:t>1</a:t>
+                      </a:r>
+                      <a:endParaRPr lang="zh-CN" altLang="en-US" b="1" dirty="0">
+                        <a:solidFill>
+                          <a:schemeClr val="bg1"/>
+                        </a:solidFill>
+                        <a:effectLst/>
+                        <a:latin typeface="Helvetica" pitchFamily="2" charset="0"/>
+                      </a:endParaRPr>
+                    </a:p>
+                  </a:txBody>
+                  <a:tcPr marL="38100" marR="38100" marT="38100" marB="38100" anchor="ctr">
+                    <a:lnL w="9525" cap="flat" cmpd="sng" algn="ctr">
+                      <a:solidFill>
+                        <a:srgbClr val="FFFFFF"/>
+                      </a:solidFill>
+                      <a:prstDash val="solid"/>
+                      <a:round/>
+                      <a:headEnd type="none" w="med" len="med"/>
+                      <a:tailEnd type="none" w="med" len="med"/>
+                    </a:lnL>
+                    <a:lnR w="9525" cap="flat" cmpd="sng" algn="ctr">
+                      <a:solidFill>
+                        <a:srgbClr val="FFFFFF"/>
+                      </a:solidFill>
+                      <a:prstDash val="solid"/>
+                      <a:round/>
+                      <a:headEnd type="none" w="med" len="med"/>
+                      <a:tailEnd type="none" w="med" len="med"/>
+                    </a:lnR>
+                    <a:lnT w="9525" cap="flat" cmpd="sng" algn="ctr">
+                      <a:solidFill>
+                        <a:srgbClr val="FFFFFF"/>
+                      </a:solidFill>
+                      <a:prstDash val="solid"/>
+                      <a:round/>
+                      <a:headEnd type="none" w="med" len="med"/>
+                      <a:tailEnd type="none" w="med" len="med"/>
+                    </a:lnT>
+                    <a:lnB w="9525" cap="flat" cmpd="sng" algn="ctr">
+                      <a:solidFill>
+                        <a:srgbClr val="FFFFFF"/>
+                      </a:solidFill>
+                      <a:prstDash val="solid"/>
+                      <a:round/>
+                      <a:headEnd type="none" w="med" len="med"/>
+                      <a:tailEnd type="none" w="med" len="med"/>
+                    </a:lnB>
+                    <a:solidFill>
+                      <a:srgbClr val="2174C7"/>
+                    </a:solidFill>
+                  </a:tcPr>
+                </a:tc>
+                <a:tc>
+                  <a:txBody>
+                    <a:bodyPr/>
+                    <a:lstStyle/>
+                    <a:p>
+                      <a:pPr algn="ctr"/>
+                      <a:r>
+                        <a:rPr lang="en-US" altLang="zh-CN" b="1" dirty="0">
+                          <a:solidFill>
+                            <a:schemeClr val="bg1"/>
+                          </a:solidFill>
+                          <a:effectLst/>
+                          <a:latin typeface="Helvetica" pitchFamily="2" charset="0"/>
+                        </a:rPr>
+                        <a:t>2</a:t>
+                      </a:r>
+                      <a:endParaRPr lang="zh-CN" altLang="en-US" b="1" dirty="0">
+                        <a:solidFill>
+                          <a:schemeClr val="bg1"/>
+                        </a:solidFill>
+                        <a:effectLst/>
+                        <a:latin typeface="Helvetica" pitchFamily="2" charset="0"/>
+                      </a:endParaRPr>
+                    </a:p>
+                  </a:txBody>
+                  <a:tcPr marL="38100" marR="38100" marT="38100" marB="38100" anchor="ctr">
+                    <a:lnL w="9525" cap="flat" cmpd="sng" algn="ctr">
+                      <a:solidFill>
+                        <a:srgbClr val="FFFFFF"/>
+                      </a:solidFill>
+                      <a:prstDash val="solid"/>
+                      <a:round/>
+                      <a:headEnd type="none" w="med" len="med"/>
+                      <a:tailEnd type="none" w="med" len="med"/>
+                    </a:lnL>
+                    <a:lnR w="9525" cap="flat" cmpd="sng" algn="ctr">
+                      <a:solidFill>
+                        <a:srgbClr val="FFFFFF"/>
+                      </a:solidFill>
+                      <a:prstDash val="solid"/>
+                      <a:round/>
+                      <a:headEnd type="none" w="med" len="med"/>
+                      <a:tailEnd type="none" w="med" len="med"/>
+                    </a:lnR>
+                    <a:lnT w="9525" cap="flat" cmpd="sng" algn="ctr">
+                      <a:solidFill>
+                        <a:srgbClr val="FFFFFF"/>
+                      </a:solidFill>
+                      <a:prstDash val="solid"/>
+                      <a:round/>
+                      <a:headEnd type="none" w="med" len="med"/>
+                      <a:tailEnd type="none" w="med" len="med"/>
+                    </a:lnT>
+                    <a:lnB w="9525" cap="flat" cmpd="sng" algn="ctr">
+                      <a:solidFill>
+                        <a:srgbClr val="FFFFFF"/>
+                      </a:solidFill>
+                      <a:prstDash val="solid"/>
+                      <a:round/>
+                      <a:headEnd type="none" w="med" len="med"/>
+                      <a:tailEnd type="none" w="med" len="med"/>
+                    </a:lnB>
+                    <a:solidFill>
+                      <a:srgbClr val="2174C7"/>
+                    </a:solidFill>
+                  </a:tcPr>
+                </a:tc>
+                <a:tc>
+                  <a:txBody>
+                    <a:bodyPr/>
+                    <a:lstStyle/>
+                    <a:p>
+                      <a:pPr algn="ctr"/>
+                      <a:r>
+                        <a:rPr lang="en-US" altLang="zh-CN" b="1" dirty="0">
+                          <a:solidFill>
+                            <a:schemeClr val="bg1"/>
+                          </a:solidFill>
+                          <a:effectLst/>
+                          <a:latin typeface="Helvetica" pitchFamily="2" charset="0"/>
+                        </a:rPr>
+                        <a:t>3</a:t>
+                      </a:r>
+                      <a:endParaRPr lang="zh-CN" altLang="en-US" b="1" dirty="0">
+                        <a:solidFill>
+                          <a:schemeClr val="bg1"/>
+                        </a:solidFill>
+                        <a:effectLst/>
+                        <a:latin typeface="Helvetica" pitchFamily="2" charset="0"/>
+                      </a:endParaRPr>
+                    </a:p>
+                  </a:txBody>
+                  <a:tcPr marL="38100" marR="38100" marT="38100" marB="38100" anchor="ctr">
+                    <a:lnL w="9525" cap="flat" cmpd="sng" algn="ctr">
+                      <a:solidFill>
+                        <a:srgbClr val="FFFFFF"/>
+                      </a:solidFill>
+                      <a:prstDash val="solid"/>
+                      <a:round/>
+                      <a:headEnd type="none" w="med" len="med"/>
+                      <a:tailEnd type="none" w="med" len="med"/>
+                    </a:lnL>
+                    <a:lnR w="9525" cap="flat" cmpd="sng" algn="ctr">
+                      <a:solidFill>
+                        <a:srgbClr val="FFFFFF"/>
+                      </a:solidFill>
+                      <a:prstDash val="solid"/>
+                      <a:round/>
+                      <a:headEnd type="none" w="med" len="med"/>
+                      <a:tailEnd type="none" w="med" len="med"/>
+                    </a:lnR>
+                    <a:lnT w="9525" cap="flat" cmpd="sng" algn="ctr">
+                      <a:solidFill>
+                        <a:srgbClr val="FFFFFF"/>
+                      </a:solidFill>
+                      <a:prstDash val="solid"/>
+                      <a:round/>
+                      <a:headEnd type="none" w="med" len="med"/>
+                      <a:tailEnd type="none" w="med" len="med"/>
+                    </a:lnT>
+                    <a:lnB w="9525" cap="flat" cmpd="sng" algn="ctr">
+                      <a:solidFill>
+                        <a:srgbClr val="FFFFFF"/>
+                      </a:solidFill>
+                      <a:prstDash val="solid"/>
+                      <a:round/>
+                      <a:headEnd type="none" w="med" len="med"/>
+                      <a:tailEnd type="none" w="med" len="med"/>
+                    </a:lnB>
+                    <a:solidFill>
+                      <a:srgbClr val="2174C7"/>
+                    </a:solidFill>
+                  </a:tcPr>
+                </a:tc>
+                <a:tc>
+                  <a:txBody>
+                    <a:bodyPr/>
+                    <a:lstStyle/>
+                    <a:p>
+                      <a:pPr algn="ctr"/>
+                      <a:r>
+                        <a:rPr lang="en-US" altLang="zh-CN" b="1" dirty="0">
+                          <a:solidFill>
+                            <a:schemeClr val="bg1"/>
+                          </a:solidFill>
+                          <a:effectLst/>
+                          <a:latin typeface="Helvetica" pitchFamily="2" charset="0"/>
+                        </a:rPr>
+                        <a:t>1</a:t>
+                      </a:r>
+                      <a:endParaRPr lang="zh-CN" altLang="en-US" b="1" dirty="0">
+                        <a:solidFill>
+                          <a:schemeClr val="bg1"/>
+                        </a:solidFill>
+                        <a:effectLst/>
+                        <a:latin typeface="Helvetica" pitchFamily="2" charset="0"/>
+                      </a:endParaRPr>
+                    </a:p>
+                  </a:txBody>
+                  <a:tcPr marL="38100" marR="38100" marT="38100" marB="38100" anchor="ctr">
+                    <a:lnL w="9525" cap="flat" cmpd="sng" algn="ctr">
+                      <a:solidFill>
+                        <a:srgbClr val="FFFFFF"/>
+                      </a:solidFill>
+                      <a:prstDash val="solid"/>
+                      <a:round/>
+                      <a:headEnd type="none" w="med" len="med"/>
+                      <a:tailEnd type="none" w="med" len="med"/>
+                    </a:lnL>
+                    <a:lnR w="9525" cap="flat" cmpd="sng" algn="ctr">
+                      <a:solidFill>
+                        <a:srgbClr val="FFFFFF"/>
+                      </a:solidFill>
+                      <a:prstDash val="solid"/>
+                      <a:round/>
+                      <a:headEnd type="none" w="med" len="med"/>
+                      <a:tailEnd type="none" w="med" len="med"/>
+                    </a:lnR>
+                    <a:lnT w="9525" cap="flat" cmpd="sng" algn="ctr">
+                      <a:solidFill>
+                        <a:srgbClr val="FFFFFF"/>
+                      </a:solidFill>
+                      <a:prstDash val="solid"/>
+                      <a:round/>
+                      <a:headEnd type="none" w="med" len="med"/>
+                      <a:tailEnd type="none" w="med" len="med"/>
+                    </a:lnT>
+                    <a:lnB w="9525" cap="flat" cmpd="sng" algn="ctr">
+                      <a:solidFill>
+                        <a:srgbClr val="FFFFFF"/>
+                      </a:solidFill>
+                      <a:prstDash val="solid"/>
+                      <a:round/>
+                      <a:headEnd type="none" w="med" len="med"/>
+                      <a:tailEnd type="none" w="med" len="med"/>
+                    </a:lnB>
+                    <a:solidFill>
+                      <a:srgbClr val="2174C7"/>
+                    </a:solidFill>
+                  </a:tcPr>
+                </a:tc>
+                <a:extLst>
+                  <a:ext uri="{0D108BD9-81ED-4DB2-BD59-A6C34878D82A}">
+                    <a16:rowId xmlns:a16="http://schemas.microsoft.com/office/drawing/2014/main" val="2465254908"/>
+                  </a:ext>
+                </a:extLst>
+              </a:tr>
+              <a:tr h="578037">
+                <a:tc>
+                  <a:txBody>
+                    <a:bodyPr/>
+                    <a:lstStyle/>
+                    <a:p>
+                      <a:pPr algn="ctr"/>
+                      <a:r>
+                        <a:rPr lang="en-US" altLang="zh-CN" b="1" dirty="0">
+                          <a:solidFill>
+                            <a:schemeClr val="bg1"/>
+                          </a:solidFill>
+                          <a:effectLst/>
+                          <a:latin typeface="Helvetica" pitchFamily="2" charset="0"/>
+                        </a:rPr>
+                        <a:t>1</a:t>
+                      </a:r>
+                      <a:endParaRPr lang="zh-CN" altLang="en-US" b="1" dirty="0">
+                        <a:solidFill>
+                          <a:schemeClr val="bg1"/>
+                        </a:solidFill>
+                        <a:effectLst/>
+                        <a:latin typeface="Helvetica" pitchFamily="2" charset="0"/>
+                      </a:endParaRPr>
+                    </a:p>
+                  </a:txBody>
+                  <a:tcPr marL="38100" marR="38100" marT="38100" marB="38100" anchor="ctr">
+                    <a:lnL w="9525" cap="flat" cmpd="sng" algn="ctr">
+                      <a:solidFill>
+                        <a:srgbClr val="FFFFFF"/>
+                      </a:solidFill>
+                      <a:prstDash val="solid"/>
+                      <a:round/>
+                      <a:headEnd type="none" w="med" len="med"/>
+                      <a:tailEnd type="none" w="med" len="med"/>
+                    </a:lnL>
+                    <a:lnR w="9525" cap="flat" cmpd="sng" algn="ctr">
+                      <a:solidFill>
+                        <a:srgbClr val="FFFFFF"/>
+                      </a:solidFill>
+                      <a:prstDash val="solid"/>
+                      <a:round/>
+                      <a:headEnd type="none" w="med" len="med"/>
+                      <a:tailEnd type="none" w="med" len="med"/>
+                    </a:lnR>
+                    <a:lnT w="9525" cap="flat" cmpd="sng" algn="ctr">
+                      <a:solidFill>
+                        <a:srgbClr val="FFFFFF"/>
+                      </a:solidFill>
+                      <a:prstDash val="solid"/>
+                      <a:round/>
+                      <a:headEnd type="none" w="med" len="med"/>
+                      <a:tailEnd type="none" w="med" len="med"/>
+                    </a:lnT>
+                    <a:lnB w="9525" cap="flat" cmpd="sng" algn="ctr">
+                      <a:solidFill>
+                        <a:srgbClr val="FFFFFF"/>
+                      </a:solidFill>
+                      <a:prstDash val="solid"/>
+                      <a:round/>
+                      <a:headEnd type="none" w="med" len="med"/>
+                      <a:tailEnd type="none" w="med" len="med"/>
+                    </a:lnB>
+                    <a:solidFill>
+                      <a:srgbClr val="2174C7"/>
+                    </a:solidFill>
+                  </a:tcPr>
+                </a:tc>
+                <a:tc>
+                  <a:txBody>
+                    <a:bodyPr/>
+                    <a:lstStyle/>
+                    <a:p>
+                      <a:pPr algn="ctr"/>
+                      <a:r>
+                        <a:rPr lang="en-US" altLang="zh-CN" b="1" dirty="0">
+                          <a:solidFill>
+                            <a:schemeClr val="bg1"/>
+                          </a:solidFill>
+                          <a:effectLst/>
+                          <a:latin typeface="Helvetica" pitchFamily="2" charset="0"/>
+                        </a:rPr>
+                        <a:t>2</a:t>
+                      </a:r>
+                      <a:endParaRPr lang="zh-CN" altLang="en-US" b="1" dirty="0">
+                        <a:solidFill>
+                          <a:schemeClr val="bg1"/>
+                        </a:solidFill>
+                        <a:effectLst/>
+                        <a:latin typeface="Helvetica" pitchFamily="2" charset="0"/>
+                      </a:endParaRPr>
+                    </a:p>
+                  </a:txBody>
+                  <a:tcPr marL="38100" marR="38100" marT="38100" marB="38100" anchor="ctr">
+                    <a:lnL w="9525" cap="flat" cmpd="sng" algn="ctr">
+                      <a:solidFill>
+                        <a:srgbClr val="FFFFFF"/>
+                      </a:solidFill>
+                      <a:prstDash val="solid"/>
+                      <a:round/>
+                      <a:headEnd type="none" w="med" len="med"/>
+                      <a:tailEnd type="none" w="med" len="med"/>
+                    </a:lnL>
+                    <a:lnR w="9525" cap="flat" cmpd="sng" algn="ctr">
+                      <a:solidFill>
+                        <a:srgbClr val="FFFFFF"/>
+                      </a:solidFill>
+                      <a:prstDash val="solid"/>
+                      <a:round/>
+                      <a:headEnd type="none" w="med" len="med"/>
+                      <a:tailEnd type="none" w="med" len="med"/>
+                    </a:lnR>
+                    <a:lnT w="9525" cap="flat" cmpd="sng" algn="ctr">
+                      <a:solidFill>
+                        <a:srgbClr val="FFFFFF"/>
+                      </a:solidFill>
+                      <a:prstDash val="solid"/>
+                      <a:round/>
+                      <a:headEnd type="none" w="med" len="med"/>
+                      <a:tailEnd type="none" w="med" len="med"/>
+                    </a:lnT>
+                    <a:lnB w="9525" cap="flat" cmpd="sng" algn="ctr">
+                      <a:solidFill>
+                        <a:srgbClr val="FFFFFF"/>
+                      </a:solidFill>
+                      <a:prstDash val="solid"/>
+                      <a:round/>
+                      <a:headEnd type="none" w="med" len="med"/>
+                      <a:tailEnd type="none" w="med" len="med"/>
+                    </a:lnB>
+                    <a:solidFill>
+                      <a:srgbClr val="2174C7"/>
+                    </a:solidFill>
+                  </a:tcPr>
+                </a:tc>
+                <a:tc>
+                  <a:txBody>
+                    <a:bodyPr/>
+                    <a:lstStyle/>
+                    <a:p>
+                      <a:pPr algn="ctr"/>
+                      <a:r>
+                        <a:rPr lang="en-US" altLang="zh-CN" b="1" dirty="0">
+                          <a:solidFill>
+                            <a:schemeClr val="bg1"/>
+                          </a:solidFill>
+                          <a:effectLst/>
+                          <a:latin typeface="Helvetica" pitchFamily="2" charset="0"/>
+                        </a:rPr>
+                        <a:t>1</a:t>
+                      </a:r>
+                      <a:endParaRPr lang="zh-CN" altLang="en-US" b="1" dirty="0">
+                        <a:solidFill>
+                          <a:schemeClr val="bg1"/>
+                        </a:solidFill>
+                        <a:effectLst/>
+                        <a:latin typeface="Helvetica" pitchFamily="2" charset="0"/>
+                      </a:endParaRPr>
+                    </a:p>
+                  </a:txBody>
+                  <a:tcPr marL="38100" marR="38100" marT="38100" marB="38100" anchor="ctr">
+                    <a:lnL w="9525" cap="flat" cmpd="sng" algn="ctr">
+                      <a:solidFill>
+                        <a:srgbClr val="FFFFFF"/>
+                      </a:solidFill>
+                      <a:prstDash val="solid"/>
+                      <a:round/>
+                      <a:headEnd type="none" w="med" len="med"/>
+                      <a:tailEnd type="none" w="med" len="med"/>
+                    </a:lnL>
+                    <a:lnR w="9525" cap="flat" cmpd="sng" algn="ctr">
+                      <a:solidFill>
+                        <a:srgbClr val="FFFFFF"/>
+                      </a:solidFill>
+                      <a:prstDash val="solid"/>
+                      <a:round/>
+                      <a:headEnd type="none" w="med" len="med"/>
+                      <a:tailEnd type="none" w="med" len="med"/>
+                    </a:lnR>
+                    <a:lnT w="9525" cap="flat" cmpd="sng" algn="ctr">
+                      <a:solidFill>
+                        <a:srgbClr val="FFFFFF"/>
+                      </a:solidFill>
+                      <a:prstDash val="solid"/>
+                      <a:round/>
+                      <a:headEnd type="none" w="med" len="med"/>
+                      <a:tailEnd type="none" w="med" len="med"/>
+                    </a:lnT>
+                    <a:lnB w="9525" cap="flat" cmpd="sng" algn="ctr">
+                      <a:solidFill>
+                        <a:srgbClr val="FFFFFF"/>
+                      </a:solidFill>
+                      <a:prstDash val="solid"/>
+                      <a:round/>
+                      <a:headEnd type="none" w="med" len="med"/>
+                      <a:tailEnd type="none" w="med" len="med"/>
+                    </a:lnB>
+                    <a:solidFill>
+                      <a:srgbClr val="2174C7"/>
+                    </a:solidFill>
+                  </a:tcPr>
+                </a:tc>
+                <a:tc>
+                  <a:txBody>
+                    <a:bodyPr/>
+                    <a:lstStyle/>
+                    <a:p>
+                      <a:pPr algn="ctr"/>
+                      <a:r>
+                        <a:rPr lang="en-US" altLang="zh-CN" b="1" dirty="0">
+                          <a:solidFill>
+                            <a:schemeClr val="bg1"/>
+                          </a:solidFill>
+                          <a:effectLst/>
+                          <a:latin typeface="Helvetica" pitchFamily="2" charset="0"/>
+                        </a:rPr>
+                        <a:t>0</a:t>
+                      </a:r>
+                      <a:endParaRPr lang="zh-CN" altLang="en-US" b="1" dirty="0">
+                        <a:solidFill>
+                          <a:schemeClr val="bg1"/>
+                        </a:solidFill>
+                        <a:effectLst/>
+                        <a:latin typeface="Helvetica" pitchFamily="2" charset="0"/>
+                      </a:endParaRPr>
+                    </a:p>
+                  </a:txBody>
+                  <a:tcPr marL="38100" marR="38100" marT="38100" marB="38100" anchor="ctr">
+                    <a:lnL w="9525" cap="flat" cmpd="sng" algn="ctr">
+                      <a:solidFill>
+                        <a:srgbClr val="FFFFFF"/>
+                      </a:solidFill>
+                      <a:prstDash val="solid"/>
+                      <a:round/>
+                      <a:headEnd type="none" w="med" len="med"/>
+                      <a:tailEnd type="none" w="med" len="med"/>
+                    </a:lnL>
+                    <a:lnR w="9525" cap="flat" cmpd="sng" algn="ctr">
+                      <a:solidFill>
+                        <a:srgbClr val="FFFFFF"/>
+                      </a:solidFill>
+                      <a:prstDash val="solid"/>
+                      <a:round/>
+                      <a:headEnd type="none" w="med" len="med"/>
+                      <a:tailEnd type="none" w="med" len="med"/>
+                    </a:lnR>
+                    <a:lnT w="9525" cap="flat" cmpd="sng" algn="ctr">
+                      <a:solidFill>
+                        <a:srgbClr val="FFFFFF"/>
+                      </a:solidFill>
+                      <a:prstDash val="solid"/>
+                      <a:round/>
+                      <a:headEnd type="none" w="med" len="med"/>
+                      <a:tailEnd type="none" w="med" len="med"/>
+                    </a:lnT>
+                    <a:lnB w="9525" cap="flat" cmpd="sng" algn="ctr">
+                      <a:solidFill>
+                        <a:srgbClr val="FFFFFF"/>
+                      </a:solidFill>
+                      <a:prstDash val="solid"/>
+                      <a:round/>
+                      <a:headEnd type="none" w="med" len="med"/>
+                      <a:tailEnd type="none" w="med" len="med"/>
+                    </a:lnB>
+                    <a:solidFill>
+                      <a:srgbClr val="2174C7"/>
+                    </a:solidFill>
+                  </a:tcPr>
+                </a:tc>
+                <a:tc>
+                  <a:txBody>
+                    <a:bodyPr/>
+                    <a:lstStyle/>
+                    <a:p>
+                      <a:pPr algn="ctr"/>
+                      <a:r>
+                        <a:rPr lang="en-US" altLang="zh-CN" b="1" dirty="0">
+                          <a:solidFill>
+                            <a:schemeClr val="bg1"/>
+                          </a:solidFill>
+                          <a:effectLst/>
+                          <a:latin typeface="Helvetica" pitchFamily="2" charset="0"/>
+                        </a:rPr>
+                        <a:t>0</a:t>
+                      </a:r>
+                      <a:endParaRPr lang="zh-CN" altLang="en-US" b="1" dirty="0">
+                        <a:solidFill>
+                          <a:schemeClr val="bg1"/>
+                        </a:solidFill>
+                        <a:effectLst/>
+                        <a:latin typeface="Helvetica" pitchFamily="2" charset="0"/>
+                      </a:endParaRPr>
+                    </a:p>
+                  </a:txBody>
+                  <a:tcPr marL="38100" marR="38100" marT="38100" marB="38100" anchor="ctr">
+                    <a:lnL w="9525" cap="flat" cmpd="sng" algn="ctr">
+                      <a:solidFill>
+                        <a:srgbClr val="FFFFFF"/>
+                      </a:solidFill>
+                      <a:prstDash val="solid"/>
+                      <a:round/>
+                      <a:headEnd type="none" w="med" len="med"/>
+                      <a:tailEnd type="none" w="med" len="med"/>
+                    </a:lnL>
+                    <a:lnR w="9525" cap="flat" cmpd="sng" algn="ctr">
+                      <a:solidFill>
+                        <a:srgbClr val="FFFFFF"/>
+                      </a:solidFill>
+                      <a:prstDash val="solid"/>
+                      <a:round/>
+                      <a:headEnd type="none" w="med" len="med"/>
+                      <a:tailEnd type="none" w="med" len="med"/>
+                    </a:lnR>
+                    <a:lnT w="9525" cap="flat" cmpd="sng" algn="ctr">
+                      <a:solidFill>
+                        <a:srgbClr val="FFFFFF"/>
+                      </a:solidFill>
+                      <a:prstDash val="solid"/>
+                      <a:round/>
+                      <a:headEnd type="none" w="med" len="med"/>
+                      <a:tailEnd type="none" w="med" len="med"/>
+                    </a:lnT>
+                    <a:lnB w="9525" cap="flat" cmpd="sng" algn="ctr">
+                      <a:solidFill>
+                        <a:srgbClr val="FFFFFF"/>
+                      </a:solidFill>
+                      <a:prstDash val="solid"/>
+                      <a:round/>
+                      <a:headEnd type="none" w="med" len="med"/>
+                      <a:tailEnd type="none" w="med" len="med"/>
+                    </a:lnB>
+                    <a:solidFill>
+                      <a:srgbClr val="2174C7"/>
+                    </a:solidFill>
+                  </a:tcPr>
+                </a:tc>
+                <a:extLst>
+                  <a:ext uri="{0D108BD9-81ED-4DB2-BD59-A6C34878D82A}">
+                    <a16:rowId xmlns:a16="http://schemas.microsoft.com/office/drawing/2014/main" val="1068142151"/>
+                  </a:ext>
+                </a:extLst>
+              </a:tr>
+              <a:tr h="578037">
+                <a:tc>
+                  <a:txBody>
+                    <a:bodyPr/>
+                    <a:lstStyle/>
+                    <a:p>
+                      <a:pPr algn="ctr"/>
+                      <a:r>
+                        <a:rPr lang="en-US" altLang="zh-CN" b="1" dirty="0">
+                          <a:solidFill>
+                            <a:schemeClr val="bg1"/>
+                          </a:solidFill>
+                          <a:effectLst/>
+                          <a:latin typeface="Helvetica" pitchFamily="2" charset="0"/>
+                        </a:rPr>
+                        <a:t>5</a:t>
+                      </a:r>
+                      <a:endParaRPr lang="zh-CN" altLang="en-US" b="1" dirty="0">
+                        <a:solidFill>
+                          <a:schemeClr val="bg1"/>
+                        </a:solidFill>
+                        <a:effectLst/>
+                        <a:latin typeface="Helvetica" pitchFamily="2" charset="0"/>
+                      </a:endParaRPr>
+                    </a:p>
+                  </a:txBody>
+                  <a:tcPr marL="38100" marR="38100" marT="38100" marB="38100" anchor="ctr">
+                    <a:lnL w="9525" cap="flat" cmpd="sng" algn="ctr">
+                      <a:solidFill>
+                        <a:srgbClr val="FFFFFF"/>
+                      </a:solidFill>
+                      <a:prstDash val="solid"/>
+                      <a:round/>
+                      <a:headEnd type="none" w="med" len="med"/>
+                      <a:tailEnd type="none" w="med" len="med"/>
+                    </a:lnL>
+                    <a:lnR w="9525" cap="flat" cmpd="sng" algn="ctr">
+                      <a:solidFill>
+                        <a:srgbClr val="FFFFFF"/>
+                      </a:solidFill>
+                      <a:prstDash val="solid"/>
+                      <a:round/>
+                      <a:headEnd type="none" w="med" len="med"/>
+                      <a:tailEnd type="none" w="med" len="med"/>
+                    </a:lnR>
+                    <a:lnT w="9525" cap="flat" cmpd="sng" algn="ctr">
+                      <a:solidFill>
+                        <a:srgbClr val="FFFFFF"/>
+                      </a:solidFill>
+                      <a:prstDash val="solid"/>
+                      <a:round/>
+                      <a:headEnd type="none" w="med" len="med"/>
+                      <a:tailEnd type="none" w="med" len="med"/>
+                    </a:lnT>
+                    <a:lnB w="9525" cap="flat" cmpd="sng" algn="ctr">
+                      <a:solidFill>
+                        <a:srgbClr val="FFFFFF"/>
+                      </a:solidFill>
+                      <a:prstDash val="solid"/>
+                      <a:round/>
+                      <a:headEnd type="none" w="med" len="med"/>
+                      <a:tailEnd type="none" w="med" len="med"/>
+                    </a:lnB>
+                    <a:solidFill>
+                      <a:srgbClr val="2174C7"/>
+                    </a:solidFill>
+                  </a:tcPr>
+                </a:tc>
+                <a:tc>
+                  <a:txBody>
+                    <a:bodyPr/>
+                    <a:lstStyle/>
+                    <a:p>
+                      <a:pPr algn="ctr"/>
+                      <a:r>
+                        <a:rPr lang="en-US" altLang="zh-CN" b="1" dirty="0">
+                          <a:solidFill>
+                            <a:schemeClr val="bg1"/>
+                          </a:solidFill>
+                          <a:effectLst/>
+                          <a:latin typeface="Helvetica" pitchFamily="2" charset="0"/>
+                        </a:rPr>
+                        <a:t>2</a:t>
+                      </a:r>
+                      <a:endParaRPr lang="zh-CN" altLang="en-US" b="1" dirty="0">
+                        <a:solidFill>
+                          <a:schemeClr val="bg1"/>
+                        </a:solidFill>
+                        <a:effectLst/>
+                        <a:latin typeface="Helvetica" pitchFamily="2" charset="0"/>
+                      </a:endParaRPr>
+                    </a:p>
+                  </a:txBody>
+                  <a:tcPr marL="38100" marR="38100" marT="38100" marB="38100" anchor="ctr">
+                    <a:lnL w="9525" cap="flat" cmpd="sng" algn="ctr">
+                      <a:solidFill>
+                        <a:srgbClr val="FFFFFF"/>
+                      </a:solidFill>
+                      <a:prstDash val="solid"/>
+                      <a:round/>
+                      <a:headEnd type="none" w="med" len="med"/>
+                      <a:tailEnd type="none" w="med" len="med"/>
+                    </a:lnL>
+                    <a:lnR w="9525" cap="flat" cmpd="sng" algn="ctr">
+                      <a:solidFill>
+                        <a:srgbClr val="FFFFFF"/>
+                      </a:solidFill>
+                      <a:prstDash val="solid"/>
+                      <a:round/>
+                      <a:headEnd type="none" w="med" len="med"/>
+                      <a:tailEnd type="none" w="med" len="med"/>
+                    </a:lnR>
+                    <a:lnT w="9525" cap="flat" cmpd="sng" algn="ctr">
+                      <a:solidFill>
+                        <a:srgbClr val="FFFFFF"/>
+                      </a:solidFill>
+                      <a:prstDash val="solid"/>
+                      <a:round/>
+                      <a:headEnd type="none" w="med" len="med"/>
+                      <a:tailEnd type="none" w="med" len="med"/>
+                    </a:lnT>
+                    <a:lnB w="9525" cap="flat" cmpd="sng" algn="ctr">
+                      <a:solidFill>
+                        <a:srgbClr val="FFFFFF"/>
+                      </a:solidFill>
+                      <a:prstDash val="solid"/>
+                      <a:round/>
+                      <a:headEnd type="none" w="med" len="med"/>
+                      <a:tailEnd type="none" w="med" len="med"/>
+                    </a:lnB>
+                    <a:solidFill>
+                      <a:srgbClr val="2174C7"/>
+                    </a:solidFill>
+                  </a:tcPr>
+                </a:tc>
+                <a:tc>
+                  <a:txBody>
+                    <a:bodyPr/>
+                    <a:lstStyle/>
+                    <a:p>
+                      <a:pPr algn="ctr"/>
+                      <a:r>
+                        <a:rPr lang="en-US" altLang="zh-CN" b="1" dirty="0">
+                          <a:solidFill>
+                            <a:schemeClr val="bg1"/>
+                          </a:solidFill>
+                          <a:effectLst/>
+                          <a:latin typeface="Helvetica" pitchFamily="2" charset="0"/>
+                        </a:rPr>
+                        <a:t>3</a:t>
+                      </a:r>
+                      <a:endParaRPr lang="zh-CN" altLang="en-US" b="1" dirty="0">
+                        <a:solidFill>
+                          <a:schemeClr val="bg1"/>
+                        </a:solidFill>
+                        <a:effectLst/>
+                        <a:latin typeface="Helvetica" pitchFamily="2" charset="0"/>
+                      </a:endParaRPr>
+                    </a:p>
+                  </a:txBody>
+                  <a:tcPr marL="38100" marR="38100" marT="38100" marB="38100" anchor="ctr">
+                    <a:lnL w="9525" cap="flat" cmpd="sng" algn="ctr">
+                      <a:solidFill>
+                        <a:srgbClr val="FFFFFF"/>
+                      </a:solidFill>
+                      <a:prstDash val="solid"/>
+                      <a:round/>
+                      <a:headEnd type="none" w="med" len="med"/>
+                      <a:tailEnd type="none" w="med" len="med"/>
+                    </a:lnL>
+                    <a:lnR w="9525" cap="flat" cmpd="sng" algn="ctr">
+                      <a:solidFill>
+                        <a:srgbClr val="FFFFFF"/>
+                      </a:solidFill>
+                      <a:prstDash val="solid"/>
+                      <a:round/>
+                      <a:headEnd type="none" w="med" len="med"/>
+                      <a:tailEnd type="none" w="med" len="med"/>
+                    </a:lnR>
+                    <a:lnT w="9525" cap="flat" cmpd="sng" algn="ctr">
+                      <a:solidFill>
+                        <a:srgbClr val="FFFFFF"/>
+                      </a:solidFill>
+                      <a:prstDash val="solid"/>
+                      <a:round/>
+                      <a:headEnd type="none" w="med" len="med"/>
+                      <a:tailEnd type="none" w="med" len="med"/>
+                    </a:lnT>
+                    <a:lnB w="9525" cap="flat" cmpd="sng" algn="ctr">
+                      <a:solidFill>
+                        <a:srgbClr val="FFFFFF"/>
+                      </a:solidFill>
+                      <a:prstDash val="solid"/>
+                      <a:round/>
+                      <a:headEnd type="none" w="med" len="med"/>
+                      <a:tailEnd type="none" w="med" len="med"/>
+                    </a:lnB>
+                    <a:solidFill>
+                      <a:srgbClr val="2174C7"/>
+                    </a:solidFill>
+                  </a:tcPr>
+                </a:tc>
+                <a:tc>
+                  <a:txBody>
+                    <a:bodyPr/>
+                    <a:lstStyle/>
+                    <a:p>
+                      <a:pPr algn="ctr"/>
+                      <a:r>
+                        <a:rPr lang="en-US" altLang="zh-CN" b="1" dirty="0">
+                          <a:solidFill>
+                            <a:schemeClr val="bg1"/>
+                          </a:solidFill>
+                          <a:effectLst/>
+                          <a:latin typeface="Helvetica" pitchFamily="2" charset="0"/>
+                        </a:rPr>
+                        <a:t>1</a:t>
+                      </a:r>
+                      <a:endParaRPr lang="zh-CN" altLang="en-US" b="1" dirty="0">
+                        <a:solidFill>
+                          <a:schemeClr val="bg1"/>
+                        </a:solidFill>
+                        <a:effectLst/>
+                        <a:latin typeface="Helvetica" pitchFamily="2" charset="0"/>
+                      </a:endParaRPr>
+                    </a:p>
+                  </a:txBody>
+                  <a:tcPr marL="38100" marR="38100" marT="38100" marB="38100" anchor="ctr">
+                    <a:lnL w="9525" cap="flat" cmpd="sng" algn="ctr">
+                      <a:solidFill>
+                        <a:srgbClr val="FFFFFF"/>
+                      </a:solidFill>
+                      <a:prstDash val="solid"/>
+                      <a:round/>
+                      <a:headEnd type="none" w="med" len="med"/>
+                      <a:tailEnd type="none" w="med" len="med"/>
+                    </a:lnL>
+                    <a:lnR w="9525" cap="flat" cmpd="sng" algn="ctr">
+                      <a:solidFill>
+                        <a:srgbClr val="FFFFFF"/>
+                      </a:solidFill>
+                      <a:prstDash val="solid"/>
+                      <a:round/>
+                      <a:headEnd type="none" w="med" len="med"/>
+                      <a:tailEnd type="none" w="med" len="med"/>
+                    </a:lnR>
+                    <a:lnT w="9525" cap="flat" cmpd="sng" algn="ctr">
+                      <a:solidFill>
+                        <a:srgbClr val="FFFFFF"/>
+                      </a:solidFill>
+                      <a:prstDash val="solid"/>
+                      <a:round/>
+                      <a:headEnd type="none" w="med" len="med"/>
+                      <a:tailEnd type="none" w="med" len="med"/>
+                    </a:lnT>
+                    <a:lnB w="9525" cap="flat" cmpd="sng" algn="ctr">
+                      <a:solidFill>
+                        <a:srgbClr val="FFFFFF"/>
+                      </a:solidFill>
+                      <a:prstDash val="solid"/>
+                      <a:round/>
+                      <a:headEnd type="none" w="med" len="med"/>
+                      <a:tailEnd type="none" w="med" len="med"/>
+                    </a:lnB>
+                    <a:solidFill>
+                      <a:srgbClr val="2174C7"/>
+                    </a:solidFill>
+                  </a:tcPr>
+                </a:tc>
+                <a:tc>
+                  <a:txBody>
+                    <a:bodyPr/>
+                    <a:lstStyle/>
+                    <a:p>
+                      <a:pPr algn="ctr"/>
+                      <a:r>
+                        <a:rPr lang="en-US" altLang="zh-CN" b="1" dirty="0">
+                          <a:solidFill>
+                            <a:schemeClr val="bg1"/>
+                          </a:solidFill>
+                          <a:effectLst/>
+                          <a:latin typeface="Helvetica" pitchFamily="2" charset="0"/>
+                        </a:rPr>
+                        <a:t>1</a:t>
+                      </a:r>
+                      <a:endParaRPr lang="zh-CN" altLang="en-US" b="1" dirty="0">
+                        <a:solidFill>
+                          <a:schemeClr val="bg1"/>
+                        </a:solidFill>
+                        <a:effectLst/>
+                        <a:latin typeface="Helvetica" pitchFamily="2" charset="0"/>
+                      </a:endParaRPr>
+                    </a:p>
+                  </a:txBody>
+                  <a:tcPr marL="38100" marR="38100" marT="38100" marB="38100" anchor="ctr">
+                    <a:lnL w="9525" cap="flat" cmpd="sng" algn="ctr">
+                      <a:solidFill>
+                        <a:srgbClr val="FFFFFF"/>
+                      </a:solidFill>
+                      <a:prstDash val="solid"/>
+                      <a:round/>
+                      <a:headEnd type="none" w="med" len="med"/>
+                      <a:tailEnd type="none" w="med" len="med"/>
+                    </a:lnL>
+                    <a:lnR w="9525" cap="flat" cmpd="sng" algn="ctr">
+                      <a:solidFill>
+                        <a:srgbClr val="FFFFFF"/>
+                      </a:solidFill>
+                      <a:prstDash val="solid"/>
+                      <a:round/>
+                      <a:headEnd type="none" w="med" len="med"/>
+                      <a:tailEnd type="none" w="med" len="med"/>
+                    </a:lnR>
+                    <a:lnT w="9525" cap="flat" cmpd="sng" algn="ctr">
+                      <a:solidFill>
+                        <a:srgbClr val="FFFFFF"/>
+                      </a:solidFill>
+                      <a:prstDash val="solid"/>
+                      <a:round/>
+                      <a:headEnd type="none" w="med" len="med"/>
+                      <a:tailEnd type="none" w="med" len="med"/>
+                    </a:lnT>
+                    <a:lnB w="9525" cap="flat" cmpd="sng" algn="ctr">
+                      <a:solidFill>
+                        <a:srgbClr val="FFFFFF"/>
+                      </a:solidFill>
+                      <a:prstDash val="solid"/>
+                      <a:round/>
+                      <a:headEnd type="none" w="med" len="med"/>
+                      <a:tailEnd type="none" w="med" len="med"/>
+                    </a:lnB>
+                    <a:solidFill>
+                      <a:srgbClr val="2174C7"/>
+                    </a:solidFill>
+                  </a:tcPr>
+                </a:tc>
+                <a:extLst>
+                  <a:ext uri="{0D108BD9-81ED-4DB2-BD59-A6C34878D82A}">
+                    <a16:rowId xmlns:a16="http://schemas.microsoft.com/office/drawing/2014/main" val="3497010048"/>
+                  </a:ext>
+                </a:extLst>
+              </a:tr>
+              <a:tr h="578037">
+                <a:tc>
+                  <a:txBody>
+                    <a:bodyPr/>
+                    <a:lstStyle/>
+                    <a:p>
+                      <a:pPr algn="ctr"/>
+                      <a:r>
+                        <a:rPr lang="en-US" altLang="zh-CN" b="1" dirty="0">
+                          <a:solidFill>
+                            <a:schemeClr val="bg1"/>
+                          </a:solidFill>
+                          <a:effectLst/>
+                          <a:latin typeface="Helvetica" pitchFamily="2" charset="0"/>
+                        </a:rPr>
+                        <a:t>2</a:t>
+                      </a:r>
+                      <a:endParaRPr lang="zh-CN" altLang="en-US" b="1" dirty="0">
+                        <a:solidFill>
+                          <a:schemeClr val="bg1"/>
+                        </a:solidFill>
+                        <a:effectLst/>
+                        <a:latin typeface="Helvetica" pitchFamily="2" charset="0"/>
+                      </a:endParaRPr>
+                    </a:p>
+                  </a:txBody>
+                  <a:tcPr marL="38100" marR="38100" marT="38100" marB="38100" anchor="ctr">
+                    <a:lnL w="9525" cap="flat" cmpd="sng" algn="ctr">
+                      <a:solidFill>
+                        <a:srgbClr val="FFFFFF"/>
+                      </a:solidFill>
+                      <a:prstDash val="solid"/>
+                      <a:round/>
+                      <a:headEnd type="none" w="med" len="med"/>
+                      <a:tailEnd type="none" w="med" len="med"/>
+                    </a:lnL>
+                    <a:lnR w="9525" cap="flat" cmpd="sng" algn="ctr">
+                      <a:solidFill>
+                        <a:srgbClr val="FFFFFF"/>
+                      </a:solidFill>
+                      <a:prstDash val="solid"/>
+                      <a:round/>
+                      <a:headEnd type="none" w="med" len="med"/>
+                      <a:tailEnd type="none" w="med" len="med"/>
+                    </a:lnR>
+                    <a:lnT w="9525" cap="flat" cmpd="sng" algn="ctr">
+                      <a:solidFill>
+                        <a:srgbClr val="FFFFFF"/>
+                      </a:solidFill>
+                      <a:prstDash val="solid"/>
+                      <a:round/>
+                      <a:headEnd type="none" w="med" len="med"/>
+                      <a:tailEnd type="none" w="med" len="med"/>
+                    </a:lnT>
+                    <a:lnB w="9525" cap="flat" cmpd="sng" algn="ctr">
+                      <a:solidFill>
+                        <a:srgbClr val="FFFFFF"/>
+                      </a:solidFill>
+                      <a:prstDash val="solid"/>
+                      <a:round/>
+                      <a:headEnd type="none" w="med" len="med"/>
+                      <a:tailEnd type="none" w="med" len="med"/>
+                    </a:lnB>
+                    <a:solidFill>
+                      <a:srgbClr val="2174C7"/>
+                    </a:solidFill>
+                  </a:tcPr>
+                </a:tc>
+                <a:tc>
+                  <a:txBody>
+                    <a:bodyPr/>
+                    <a:lstStyle/>
+                    <a:p>
+                      <a:pPr algn="ctr"/>
+                      <a:r>
+                        <a:rPr lang="en-US" altLang="zh-CN" b="1" dirty="0">
+                          <a:solidFill>
+                            <a:schemeClr val="bg1"/>
+                          </a:solidFill>
+                          <a:effectLst/>
+                          <a:latin typeface="Helvetica" pitchFamily="2" charset="0"/>
+                        </a:rPr>
+                        <a:t>1</a:t>
+                      </a:r>
+                      <a:endParaRPr lang="zh-CN" altLang="en-US" b="1" dirty="0">
+                        <a:solidFill>
+                          <a:schemeClr val="bg1"/>
+                        </a:solidFill>
+                        <a:effectLst/>
+                        <a:latin typeface="Helvetica" pitchFamily="2" charset="0"/>
+                      </a:endParaRPr>
+                    </a:p>
+                  </a:txBody>
+                  <a:tcPr marL="38100" marR="38100" marT="38100" marB="38100" anchor="ctr">
+                    <a:lnL w="9525" cap="flat" cmpd="sng" algn="ctr">
+                      <a:solidFill>
+                        <a:srgbClr val="FFFFFF"/>
+                      </a:solidFill>
+                      <a:prstDash val="solid"/>
+                      <a:round/>
+                      <a:headEnd type="none" w="med" len="med"/>
+                      <a:tailEnd type="none" w="med" len="med"/>
+                    </a:lnL>
+                    <a:lnR w="9525" cap="flat" cmpd="sng" algn="ctr">
+                      <a:solidFill>
+                        <a:srgbClr val="FFFFFF"/>
+                      </a:solidFill>
+                      <a:prstDash val="solid"/>
+                      <a:round/>
+                      <a:headEnd type="none" w="med" len="med"/>
+                      <a:tailEnd type="none" w="med" len="med"/>
+                    </a:lnR>
+                    <a:lnT w="9525" cap="flat" cmpd="sng" algn="ctr">
+                      <a:solidFill>
+                        <a:srgbClr val="FFFFFF"/>
+                      </a:solidFill>
+                      <a:prstDash val="solid"/>
+                      <a:round/>
+                      <a:headEnd type="none" w="med" len="med"/>
+                      <a:tailEnd type="none" w="med" len="med"/>
+                    </a:lnT>
+                    <a:lnB w="9525" cap="flat" cmpd="sng" algn="ctr">
+                      <a:solidFill>
+                        <a:srgbClr val="FFFFFF"/>
+                      </a:solidFill>
+                      <a:prstDash val="solid"/>
+                      <a:round/>
+                      <a:headEnd type="none" w="med" len="med"/>
+                      <a:tailEnd type="none" w="med" len="med"/>
+                    </a:lnB>
+                    <a:solidFill>
+                      <a:srgbClr val="2174C7"/>
+                    </a:solidFill>
+                  </a:tcPr>
+                </a:tc>
+                <a:tc>
+                  <a:txBody>
+                    <a:bodyPr/>
+                    <a:lstStyle/>
+                    <a:p>
+                      <a:pPr algn="ctr"/>
+                      <a:r>
+                        <a:rPr lang="en-US" altLang="zh-CN" b="1" dirty="0">
+                          <a:solidFill>
+                            <a:schemeClr val="bg1"/>
+                          </a:solidFill>
+                          <a:effectLst/>
+                          <a:latin typeface="Helvetica" pitchFamily="2" charset="0"/>
+                        </a:rPr>
+                        <a:t>0</a:t>
+                      </a:r>
+                      <a:endParaRPr lang="zh-CN" altLang="en-US" b="1" dirty="0">
+                        <a:solidFill>
+                          <a:schemeClr val="bg1"/>
+                        </a:solidFill>
+                        <a:effectLst/>
+                        <a:latin typeface="Helvetica" pitchFamily="2" charset="0"/>
+                      </a:endParaRPr>
+                    </a:p>
+                  </a:txBody>
+                  <a:tcPr marL="38100" marR="38100" marT="38100" marB="38100" anchor="ctr">
+                    <a:lnL w="9525" cap="flat" cmpd="sng" algn="ctr">
+                      <a:solidFill>
+                        <a:srgbClr val="FFFFFF"/>
+                      </a:solidFill>
+                      <a:prstDash val="solid"/>
+                      <a:round/>
+                      <a:headEnd type="none" w="med" len="med"/>
+                      <a:tailEnd type="none" w="med" len="med"/>
+                    </a:lnL>
+                    <a:lnR w="9525" cap="flat" cmpd="sng" algn="ctr">
+                      <a:solidFill>
+                        <a:srgbClr val="FFFFFF"/>
+                      </a:solidFill>
+                      <a:prstDash val="solid"/>
+                      <a:round/>
+                      <a:headEnd type="none" w="med" len="med"/>
+                      <a:tailEnd type="none" w="med" len="med"/>
+                    </a:lnR>
+                    <a:lnT w="9525" cap="flat" cmpd="sng" algn="ctr">
+                      <a:solidFill>
+                        <a:srgbClr val="FFFFFF"/>
+                      </a:solidFill>
+                      <a:prstDash val="solid"/>
+                      <a:round/>
+                      <a:headEnd type="none" w="med" len="med"/>
+                      <a:tailEnd type="none" w="med" len="med"/>
+                    </a:lnT>
+                    <a:lnB w="9525" cap="flat" cmpd="sng" algn="ctr">
+                      <a:solidFill>
+                        <a:srgbClr val="FFFFFF"/>
+                      </a:solidFill>
+                      <a:prstDash val="solid"/>
+                      <a:round/>
+                      <a:headEnd type="none" w="med" len="med"/>
+                      <a:tailEnd type="none" w="med" len="med"/>
+                    </a:lnB>
+                    <a:solidFill>
+                      <a:srgbClr val="2174C7"/>
+                    </a:solidFill>
+                  </a:tcPr>
+                </a:tc>
+                <a:tc>
+                  <a:txBody>
+                    <a:bodyPr/>
+                    <a:lstStyle/>
+                    <a:p>
+                      <a:pPr algn="ctr"/>
+                      <a:r>
+                        <a:rPr lang="en-US" altLang="zh-CN" b="1" dirty="0">
+                          <a:solidFill>
+                            <a:schemeClr val="bg1"/>
+                          </a:solidFill>
+                          <a:effectLst/>
+                          <a:latin typeface="Helvetica" pitchFamily="2" charset="0"/>
+                        </a:rPr>
+                        <a:t>1</a:t>
+                      </a:r>
+                      <a:endParaRPr lang="zh-CN" altLang="en-US" b="1" dirty="0">
+                        <a:solidFill>
+                          <a:schemeClr val="bg1"/>
+                        </a:solidFill>
+                        <a:effectLst/>
+                        <a:latin typeface="Helvetica" pitchFamily="2" charset="0"/>
+                      </a:endParaRPr>
+                    </a:p>
+                  </a:txBody>
+                  <a:tcPr marL="38100" marR="38100" marT="38100" marB="38100" anchor="ctr">
+                    <a:lnL w="9525" cap="flat" cmpd="sng" algn="ctr">
+                      <a:solidFill>
+                        <a:srgbClr val="FFFFFF"/>
+                      </a:solidFill>
+                      <a:prstDash val="solid"/>
+                      <a:round/>
+                      <a:headEnd type="none" w="med" len="med"/>
+                      <a:tailEnd type="none" w="med" len="med"/>
+                    </a:lnL>
+                    <a:lnR w="9525" cap="flat" cmpd="sng" algn="ctr">
+                      <a:solidFill>
+                        <a:srgbClr val="FFFFFF"/>
+                      </a:solidFill>
+                      <a:prstDash val="solid"/>
+                      <a:round/>
+                      <a:headEnd type="none" w="med" len="med"/>
+                      <a:tailEnd type="none" w="med" len="med"/>
+                    </a:lnR>
+                    <a:lnT w="9525" cap="flat" cmpd="sng" algn="ctr">
+                      <a:solidFill>
+                        <a:srgbClr val="FFFFFF"/>
+                      </a:solidFill>
+                      <a:prstDash val="solid"/>
+                      <a:round/>
+                      <a:headEnd type="none" w="med" len="med"/>
+                      <a:tailEnd type="none" w="med" len="med"/>
+                    </a:lnT>
+                    <a:lnB w="9525" cap="flat" cmpd="sng" algn="ctr">
+                      <a:solidFill>
+                        <a:srgbClr val="FFFFFF"/>
+                      </a:solidFill>
+                      <a:prstDash val="solid"/>
+                      <a:round/>
+                      <a:headEnd type="none" w="med" len="med"/>
+                      <a:tailEnd type="none" w="med" len="med"/>
+                    </a:lnB>
+                    <a:solidFill>
+                      <a:srgbClr val="2174C7"/>
+                    </a:solidFill>
+                  </a:tcPr>
+                </a:tc>
+                <a:tc>
+                  <a:txBody>
+                    <a:bodyPr/>
+                    <a:lstStyle/>
+                    <a:p>
+                      <a:pPr algn="ctr"/>
+                      <a:r>
+                        <a:rPr lang="en-US" altLang="zh-CN" b="1" dirty="0">
+                          <a:solidFill>
+                            <a:schemeClr val="bg1"/>
+                          </a:solidFill>
+                          <a:effectLst/>
+                          <a:latin typeface="Helvetica" pitchFamily="2" charset="0"/>
+                        </a:rPr>
+                        <a:t>1</a:t>
+                      </a:r>
+                      <a:endParaRPr lang="zh-CN" altLang="en-US" b="1" dirty="0">
+                        <a:solidFill>
+                          <a:schemeClr val="bg1"/>
+                        </a:solidFill>
+                        <a:effectLst/>
+                        <a:latin typeface="Helvetica" pitchFamily="2" charset="0"/>
+                      </a:endParaRPr>
+                    </a:p>
+                  </a:txBody>
+                  <a:tcPr marL="38100" marR="38100" marT="38100" marB="38100" anchor="ctr">
+                    <a:lnL w="9525" cap="flat" cmpd="sng" algn="ctr">
+                      <a:solidFill>
+                        <a:srgbClr val="FFFFFF"/>
+                      </a:solidFill>
+                      <a:prstDash val="solid"/>
+                      <a:round/>
+                      <a:headEnd type="none" w="med" len="med"/>
+                      <a:tailEnd type="none" w="med" len="med"/>
+                    </a:lnL>
+                    <a:lnR w="9525" cap="flat" cmpd="sng" algn="ctr">
+                      <a:solidFill>
+                        <a:srgbClr val="FFFFFF"/>
+                      </a:solidFill>
+                      <a:prstDash val="solid"/>
+                      <a:round/>
+                      <a:headEnd type="none" w="med" len="med"/>
+                      <a:tailEnd type="none" w="med" len="med"/>
+                    </a:lnR>
+                    <a:lnT w="9525" cap="flat" cmpd="sng" algn="ctr">
+                      <a:solidFill>
+                        <a:srgbClr val="FFFFFF"/>
+                      </a:solidFill>
+                      <a:prstDash val="solid"/>
+                      <a:round/>
+                      <a:headEnd type="none" w="med" len="med"/>
+                      <a:tailEnd type="none" w="med" len="med"/>
+                    </a:lnT>
+                    <a:lnB w="9525" cap="flat" cmpd="sng" algn="ctr">
+                      <a:solidFill>
+                        <a:srgbClr val="FFFFFF"/>
+                      </a:solidFill>
+                      <a:prstDash val="solid"/>
+                      <a:round/>
+                      <a:headEnd type="none" w="med" len="med"/>
+                      <a:tailEnd type="none" w="med" len="med"/>
+                    </a:lnB>
+                    <a:solidFill>
+                      <a:srgbClr val="2174C7"/>
+                    </a:solidFill>
+                  </a:tcPr>
+                </a:tc>
+                <a:extLst>
+                  <a:ext uri="{0D108BD9-81ED-4DB2-BD59-A6C34878D82A}">
+                    <a16:rowId xmlns:a16="http://schemas.microsoft.com/office/drawing/2014/main" val="499594329"/>
+                  </a:ext>
+                </a:extLst>
+              </a:tr>
+            </a:tbl>
+          </a:graphicData>
+        </a:graphic>
+      </p:graphicFrame>
+      <p:graphicFrame>
+        <p:nvGraphicFramePr>
+          <p:cNvPr id="4" name="表格 3">
+            <a:extLst>
+              <a:ext uri="{FF2B5EF4-FFF2-40B4-BE49-F238E27FC236}">
+                <a16:creationId xmlns:a16="http://schemas.microsoft.com/office/drawing/2014/main" id="{36026AA5-F1A8-2744-BDD5-F16F23C07E99}"/>
+              </a:ext>
+            </a:extLst>
+          </p:cNvPr>
+          <p:cNvGraphicFramePr>
+            <a:graphicFrameLocks noGrp="1"/>
+          </p:cNvGraphicFramePr>
+          <p:nvPr>
+            <p:extLst>
+              <p:ext uri="{D42A27DB-BD31-4B8C-83A1-F6EECF244321}">
+                <p14:modId xmlns:p14="http://schemas.microsoft.com/office/powerpoint/2010/main" val="1303397630"/>
+              </p:ext>
+            </p:extLst>
+          </p:nvPr>
+        </p:nvGraphicFramePr>
+        <p:xfrm>
+          <a:off x="4767309" y="1106496"/>
+          <a:ext cx="1642766" cy="1629172"/>
+        </p:xfrm>
+        <a:graphic>
+          <a:graphicData uri="http://schemas.openxmlformats.org/drawingml/2006/table">
+            <a:tbl>
+              <a:tblPr/>
+              <a:tblGrid>
+                <a:gridCol w="523608">
+                  <a:extLst>
+                    <a:ext uri="{9D8B030D-6E8A-4147-A177-3AD203B41FA5}">
+                      <a16:colId xmlns:a16="http://schemas.microsoft.com/office/drawing/2014/main" val="2060692951"/>
+                    </a:ext>
+                  </a:extLst>
+                </a:gridCol>
+                <a:gridCol w="544456">
+                  <a:extLst>
+                    <a:ext uri="{9D8B030D-6E8A-4147-A177-3AD203B41FA5}">
+                      <a16:colId xmlns:a16="http://schemas.microsoft.com/office/drawing/2014/main" val="4289742241"/>
+                    </a:ext>
+                  </a:extLst>
+                </a:gridCol>
+                <a:gridCol w="574702">
+                  <a:extLst>
+                    <a:ext uri="{9D8B030D-6E8A-4147-A177-3AD203B41FA5}">
+                      <a16:colId xmlns:a16="http://schemas.microsoft.com/office/drawing/2014/main" val="2434985697"/>
+                    </a:ext>
+                  </a:extLst>
+                </a:gridCol>
+              </a:tblGrid>
+              <a:tr h="632480">
+                <a:tc>
+                  <a:txBody>
+                    <a:bodyPr/>
+                    <a:lstStyle/>
+                    <a:p>
+                      <a:pPr algn="dist"/>
+                      <a:endParaRPr lang="zh-CN" altLang="en-US" b="1" dirty="0">
+                        <a:solidFill>
+                          <a:schemeClr val="bg1"/>
+                        </a:solidFill>
+                        <a:effectLst/>
+                        <a:latin typeface="Helvetica" pitchFamily="2" charset="0"/>
+                      </a:endParaRPr>
+                    </a:p>
+                  </a:txBody>
+                  <a:tcPr marL="38100" marR="38100" marT="38100" marB="38100" anchor="ctr">
+                    <a:lnL w="9525" cap="flat" cmpd="sng" algn="ctr">
+                      <a:solidFill>
+                        <a:srgbClr val="FFFFFF"/>
+                      </a:solidFill>
+                      <a:prstDash val="solid"/>
+                      <a:round/>
+                      <a:headEnd type="none" w="med" len="med"/>
+                      <a:tailEnd type="none" w="med" len="med"/>
+                    </a:lnL>
+                    <a:lnR w="9525" cap="flat" cmpd="sng" algn="ctr">
+                      <a:solidFill>
+                        <a:srgbClr val="FFFFFF"/>
+                      </a:solidFill>
+                      <a:prstDash val="solid"/>
+                      <a:round/>
+                      <a:headEnd type="none" w="med" len="med"/>
+                      <a:tailEnd type="none" w="med" len="med"/>
+                    </a:lnR>
+                    <a:lnT w="9525" cap="flat" cmpd="sng" algn="ctr">
+                      <a:solidFill>
+                        <a:srgbClr val="FFFFFF"/>
+                      </a:solidFill>
+                      <a:prstDash val="solid"/>
+                      <a:round/>
+                      <a:headEnd type="none" w="med" len="med"/>
+                      <a:tailEnd type="none" w="med" len="med"/>
+                    </a:lnT>
+                    <a:lnB w="9525" cap="flat" cmpd="sng" algn="ctr">
+                      <a:solidFill>
+                        <a:srgbClr val="FFFFFF"/>
+                      </a:solidFill>
+                      <a:prstDash val="solid"/>
+                      <a:round/>
+                      <a:headEnd type="none" w="med" len="med"/>
+                      <a:tailEnd type="none" w="med" len="med"/>
+                    </a:lnB>
+                    <a:solidFill>
+                      <a:srgbClr val="00568A">
+                        <a:alpha val="63781"/>
+                      </a:srgbClr>
+                    </a:solidFill>
+                  </a:tcPr>
+                </a:tc>
+                <a:tc>
+                  <a:txBody>
+                    <a:bodyPr/>
+                    <a:lstStyle/>
+                    <a:p>
+                      <a:pPr algn="dist"/>
+                      <a:endParaRPr lang="zh-CN" altLang="en-US" b="1" dirty="0">
+                        <a:solidFill>
+                          <a:schemeClr val="bg1"/>
+                        </a:solidFill>
+                        <a:effectLst/>
+                        <a:latin typeface="Helvetica" pitchFamily="2" charset="0"/>
+                      </a:endParaRPr>
+                    </a:p>
+                  </a:txBody>
+                  <a:tcPr marL="38100" marR="38100" marT="38100" marB="38100" anchor="ctr">
+                    <a:lnL w="9525" cap="flat" cmpd="sng" algn="ctr">
+                      <a:solidFill>
+                        <a:srgbClr val="FFFFFF"/>
+                      </a:solidFill>
+                      <a:prstDash val="solid"/>
+                      <a:round/>
+                      <a:headEnd type="none" w="med" len="med"/>
+                      <a:tailEnd type="none" w="med" len="med"/>
+                    </a:lnL>
+                    <a:lnR w="9525" cap="flat" cmpd="sng" algn="ctr">
+                      <a:solidFill>
+                        <a:srgbClr val="FFFFFF"/>
+                      </a:solidFill>
+                      <a:prstDash val="solid"/>
+                      <a:round/>
+                      <a:headEnd type="none" w="med" len="med"/>
+                      <a:tailEnd type="none" w="med" len="med"/>
+                    </a:lnR>
+                    <a:lnT w="9525" cap="flat" cmpd="sng" algn="ctr">
+                      <a:solidFill>
+                        <a:srgbClr val="FFFFFF"/>
+                      </a:solidFill>
+                      <a:prstDash val="solid"/>
+                      <a:round/>
+                      <a:headEnd type="none" w="med" len="med"/>
+                      <a:tailEnd type="none" w="med" len="med"/>
+                    </a:lnT>
+                    <a:lnB w="9525" cap="flat" cmpd="sng" algn="ctr">
+                      <a:solidFill>
+                        <a:srgbClr val="FFFFFF"/>
+                      </a:solidFill>
+                      <a:prstDash val="solid"/>
+                      <a:round/>
+                      <a:headEnd type="none" w="med" len="med"/>
+                      <a:tailEnd type="none" w="med" len="med"/>
+                    </a:lnB>
+                    <a:solidFill>
+                      <a:srgbClr val="00568A">
+                        <a:alpha val="63781"/>
+                      </a:srgbClr>
+                    </a:solidFill>
+                  </a:tcPr>
+                </a:tc>
+                <a:tc>
+                  <a:txBody>
+                    <a:bodyPr/>
+                    <a:lstStyle/>
+                    <a:p>
+                      <a:pPr algn="dist"/>
+                      <a:endParaRPr lang="zh-CN" altLang="en-US" b="1" dirty="0">
+                        <a:solidFill>
+                          <a:schemeClr val="bg1"/>
+                        </a:solidFill>
+                        <a:effectLst/>
+                        <a:latin typeface="Helvetica" pitchFamily="2" charset="0"/>
+                      </a:endParaRPr>
+                    </a:p>
+                  </a:txBody>
+                  <a:tcPr marL="38100" marR="38100" marT="38100" marB="38100" anchor="ctr">
+                    <a:lnL w="9525" cap="flat" cmpd="sng" algn="ctr">
+                      <a:solidFill>
+                        <a:srgbClr val="FFFFFF"/>
+                      </a:solidFill>
+                      <a:prstDash val="solid"/>
+                      <a:round/>
+                      <a:headEnd type="none" w="med" len="med"/>
+                      <a:tailEnd type="none" w="med" len="med"/>
+                    </a:lnL>
+                    <a:lnR w="9525" cap="flat" cmpd="sng" algn="ctr">
+                      <a:solidFill>
+                        <a:srgbClr val="FFFFFF"/>
+                      </a:solidFill>
+                      <a:prstDash val="solid"/>
+                      <a:round/>
+                      <a:headEnd type="none" w="med" len="med"/>
+                      <a:tailEnd type="none" w="med" len="med"/>
+                    </a:lnR>
+                    <a:lnT w="9525" cap="flat" cmpd="sng" algn="ctr">
+                      <a:solidFill>
+                        <a:srgbClr val="FFFFFF"/>
+                      </a:solidFill>
+                      <a:prstDash val="solid"/>
+                      <a:round/>
+                      <a:headEnd type="none" w="med" len="med"/>
+                      <a:tailEnd type="none" w="med" len="med"/>
+                    </a:lnT>
+                    <a:lnB w="9525" cap="flat" cmpd="sng" algn="ctr">
+                      <a:solidFill>
+                        <a:srgbClr val="FFFFFF"/>
+                      </a:solidFill>
+                      <a:prstDash val="solid"/>
+                      <a:round/>
+                      <a:headEnd type="none" w="med" len="med"/>
+                      <a:tailEnd type="none" w="med" len="med"/>
+                    </a:lnB>
+                    <a:solidFill>
+                      <a:srgbClr val="00568A">
+                        <a:alpha val="63781"/>
+                      </a:srgbClr>
+                    </a:solidFill>
+                  </a:tcPr>
+                </a:tc>
+                <a:extLst>
+                  <a:ext uri="{0D108BD9-81ED-4DB2-BD59-A6C34878D82A}">
+                    <a16:rowId xmlns:a16="http://schemas.microsoft.com/office/drawing/2014/main" val="3900857988"/>
+                  </a:ext>
+                </a:extLst>
+              </a:tr>
+              <a:tr h="464701">
+                <a:tc>
+                  <a:txBody>
+                    <a:bodyPr/>
+                    <a:lstStyle/>
+                    <a:p>
+                      <a:pPr algn="dist"/>
+                      <a:endParaRPr lang="zh-CN" altLang="en-US" b="1" dirty="0">
+                        <a:solidFill>
+                          <a:schemeClr val="bg1"/>
+                        </a:solidFill>
+                        <a:effectLst/>
+                        <a:latin typeface="Helvetica" pitchFamily="2" charset="0"/>
+                      </a:endParaRPr>
+                    </a:p>
+                  </a:txBody>
+                  <a:tcPr marL="38100" marR="38100" marT="38100" marB="38100" anchor="ctr">
+                    <a:lnL w="9525" cap="flat" cmpd="sng" algn="ctr">
+                      <a:solidFill>
+                        <a:srgbClr val="FFFFFF"/>
+                      </a:solidFill>
+                      <a:prstDash val="solid"/>
+                      <a:round/>
+                      <a:headEnd type="none" w="med" len="med"/>
+                      <a:tailEnd type="none" w="med" len="med"/>
+                    </a:lnL>
+                    <a:lnR w="9525" cap="flat" cmpd="sng" algn="ctr">
+                      <a:solidFill>
+                        <a:srgbClr val="FFFFFF"/>
+                      </a:solidFill>
+                      <a:prstDash val="solid"/>
+                      <a:round/>
+                      <a:headEnd type="none" w="med" len="med"/>
+                      <a:tailEnd type="none" w="med" len="med"/>
+                    </a:lnR>
+                    <a:lnT w="9525" cap="flat" cmpd="sng" algn="ctr">
+                      <a:solidFill>
+                        <a:srgbClr val="FFFFFF"/>
+                      </a:solidFill>
+                      <a:prstDash val="solid"/>
+                      <a:round/>
+                      <a:headEnd type="none" w="med" len="med"/>
+                      <a:tailEnd type="none" w="med" len="med"/>
+                    </a:lnT>
+                    <a:lnB w="9525" cap="flat" cmpd="sng" algn="ctr">
+                      <a:solidFill>
+                        <a:srgbClr val="FFFFFF"/>
+                      </a:solidFill>
+                      <a:prstDash val="solid"/>
+                      <a:round/>
+                      <a:headEnd type="none" w="med" len="med"/>
+                      <a:tailEnd type="none" w="med" len="med"/>
+                    </a:lnB>
+                    <a:solidFill>
+                      <a:srgbClr val="00568A">
+                        <a:alpha val="63781"/>
+                      </a:srgbClr>
+                    </a:solidFill>
+                  </a:tcPr>
+                </a:tc>
+                <a:tc>
+                  <a:txBody>
+                    <a:bodyPr/>
+                    <a:lstStyle/>
+                    <a:p>
+                      <a:pPr algn="dist"/>
+                      <a:endParaRPr lang="zh-CN" altLang="en-US" b="1" dirty="0">
+                        <a:solidFill>
+                          <a:schemeClr val="bg1"/>
+                        </a:solidFill>
+                        <a:effectLst/>
+                        <a:latin typeface="Helvetica" pitchFamily="2" charset="0"/>
+                      </a:endParaRPr>
+                    </a:p>
+                  </a:txBody>
+                  <a:tcPr marL="38100" marR="38100" marT="38100" marB="38100" anchor="ctr">
+                    <a:lnL w="9525" cap="flat" cmpd="sng" algn="ctr">
+                      <a:solidFill>
+                        <a:srgbClr val="FFFFFF"/>
+                      </a:solidFill>
+                      <a:prstDash val="solid"/>
+                      <a:round/>
+                      <a:headEnd type="none" w="med" len="med"/>
+                      <a:tailEnd type="none" w="med" len="med"/>
+                    </a:lnL>
+                    <a:lnR w="9525" cap="flat" cmpd="sng" algn="ctr">
+                      <a:solidFill>
+                        <a:srgbClr val="FFFFFF"/>
+                      </a:solidFill>
+                      <a:prstDash val="solid"/>
+                      <a:round/>
+                      <a:headEnd type="none" w="med" len="med"/>
+                      <a:tailEnd type="none" w="med" len="med"/>
+                    </a:lnR>
+                    <a:lnT w="9525" cap="flat" cmpd="sng" algn="ctr">
+                      <a:solidFill>
+                        <a:srgbClr val="FFFFFF"/>
+                      </a:solidFill>
+                      <a:prstDash val="solid"/>
+                      <a:round/>
+                      <a:headEnd type="none" w="med" len="med"/>
+                      <a:tailEnd type="none" w="med" len="med"/>
+                    </a:lnT>
+                    <a:lnB w="9525" cap="flat" cmpd="sng" algn="ctr">
+                      <a:solidFill>
+                        <a:srgbClr val="FFFFFF"/>
+                      </a:solidFill>
+                      <a:prstDash val="solid"/>
+                      <a:round/>
+                      <a:headEnd type="none" w="med" len="med"/>
+                      <a:tailEnd type="none" w="med" len="med"/>
+                    </a:lnB>
+                    <a:solidFill>
+                      <a:srgbClr val="00568A">
+                        <a:alpha val="63781"/>
+                      </a:srgbClr>
+                    </a:solidFill>
+                  </a:tcPr>
+                </a:tc>
+                <a:tc>
+                  <a:txBody>
+                    <a:bodyPr/>
+                    <a:lstStyle/>
+                    <a:p>
+                      <a:pPr algn="dist"/>
+                      <a:endParaRPr lang="zh-CN" altLang="en-US" b="1" dirty="0">
+                        <a:solidFill>
+                          <a:schemeClr val="bg1"/>
+                        </a:solidFill>
+                        <a:effectLst/>
+                        <a:latin typeface="Helvetica" pitchFamily="2" charset="0"/>
+                      </a:endParaRPr>
+                    </a:p>
+                  </a:txBody>
+                  <a:tcPr marL="38100" marR="38100" marT="38100" marB="38100" anchor="ctr">
+                    <a:lnL w="9525" cap="flat" cmpd="sng" algn="ctr">
+                      <a:solidFill>
+                        <a:srgbClr val="FFFFFF"/>
+                      </a:solidFill>
+                      <a:prstDash val="solid"/>
+                      <a:round/>
+                      <a:headEnd type="none" w="med" len="med"/>
+                      <a:tailEnd type="none" w="med" len="med"/>
+                    </a:lnL>
+                    <a:lnR w="9525" cap="flat" cmpd="sng" algn="ctr">
+                      <a:solidFill>
+                        <a:srgbClr val="FFFFFF"/>
+                      </a:solidFill>
+                      <a:prstDash val="solid"/>
+                      <a:round/>
+                      <a:headEnd type="none" w="med" len="med"/>
+                      <a:tailEnd type="none" w="med" len="med"/>
+                    </a:lnR>
+                    <a:lnT w="9525" cap="flat" cmpd="sng" algn="ctr">
+                      <a:solidFill>
+                        <a:srgbClr val="FFFFFF"/>
+                      </a:solidFill>
+                      <a:prstDash val="solid"/>
+                      <a:round/>
+                      <a:headEnd type="none" w="med" len="med"/>
+                      <a:tailEnd type="none" w="med" len="med"/>
+                    </a:lnT>
+                    <a:lnB w="9525" cap="flat" cmpd="sng" algn="ctr">
+                      <a:solidFill>
+                        <a:srgbClr val="FFFFFF"/>
+                      </a:solidFill>
+                      <a:prstDash val="solid"/>
+                      <a:round/>
+                      <a:headEnd type="none" w="med" len="med"/>
+                      <a:tailEnd type="none" w="med" len="med"/>
+                    </a:lnB>
+                    <a:solidFill>
+                      <a:srgbClr val="00568A">
+                        <a:alpha val="63781"/>
+                      </a:srgbClr>
+                    </a:solidFill>
+                  </a:tcPr>
+                </a:tc>
+                <a:extLst>
+                  <a:ext uri="{0D108BD9-81ED-4DB2-BD59-A6C34878D82A}">
+                    <a16:rowId xmlns:a16="http://schemas.microsoft.com/office/drawing/2014/main" val="2035568097"/>
+                  </a:ext>
+                </a:extLst>
+              </a:tr>
+              <a:tr h="531991">
+                <a:tc>
+                  <a:txBody>
+                    <a:bodyPr/>
+                    <a:lstStyle/>
+                    <a:p>
+                      <a:pPr algn="dist"/>
+                      <a:endParaRPr lang="zh-CN" altLang="en-US" b="1" dirty="0">
+                        <a:solidFill>
+                          <a:schemeClr val="bg1"/>
+                        </a:solidFill>
+                        <a:effectLst/>
+                        <a:latin typeface="Helvetica" pitchFamily="2" charset="0"/>
+                      </a:endParaRPr>
+                    </a:p>
+                  </a:txBody>
+                  <a:tcPr marL="38100" marR="38100" marT="38100" marB="38100" anchor="ctr">
+                    <a:lnL w="9525" cap="flat" cmpd="sng" algn="ctr">
+                      <a:solidFill>
+                        <a:srgbClr val="FFFFFF"/>
+                      </a:solidFill>
+                      <a:prstDash val="solid"/>
+                      <a:round/>
+                      <a:headEnd type="none" w="med" len="med"/>
+                      <a:tailEnd type="none" w="med" len="med"/>
+                    </a:lnL>
+                    <a:lnR w="9525" cap="flat" cmpd="sng" algn="ctr">
+                      <a:solidFill>
+                        <a:srgbClr val="FFFFFF"/>
+                      </a:solidFill>
+                      <a:prstDash val="solid"/>
+                      <a:round/>
+                      <a:headEnd type="none" w="med" len="med"/>
+                      <a:tailEnd type="none" w="med" len="med"/>
+                    </a:lnR>
+                    <a:lnT w="9525" cap="flat" cmpd="sng" algn="ctr">
+                      <a:solidFill>
+                        <a:srgbClr val="FFFFFF"/>
+                      </a:solidFill>
+                      <a:prstDash val="solid"/>
+                      <a:round/>
+                      <a:headEnd type="none" w="med" len="med"/>
+                      <a:tailEnd type="none" w="med" len="med"/>
+                    </a:lnT>
+                    <a:lnB w="9525" cap="flat" cmpd="sng" algn="ctr">
+                      <a:solidFill>
+                        <a:srgbClr val="FFFFFF"/>
+                      </a:solidFill>
+                      <a:prstDash val="solid"/>
+                      <a:round/>
+                      <a:headEnd type="none" w="med" len="med"/>
+                      <a:tailEnd type="none" w="med" len="med"/>
+                    </a:lnB>
+                    <a:solidFill>
+                      <a:srgbClr val="00568A">
+                        <a:alpha val="63781"/>
+                      </a:srgbClr>
+                    </a:solidFill>
+                  </a:tcPr>
+                </a:tc>
+                <a:tc>
+                  <a:txBody>
+                    <a:bodyPr/>
+                    <a:lstStyle/>
+                    <a:p>
+                      <a:pPr algn="dist"/>
+                      <a:endParaRPr lang="zh-CN" altLang="en-US" b="1" dirty="0">
+                        <a:solidFill>
+                          <a:schemeClr val="bg1"/>
+                        </a:solidFill>
+                        <a:effectLst/>
+                        <a:latin typeface="Helvetica" pitchFamily="2" charset="0"/>
+                      </a:endParaRPr>
+                    </a:p>
+                  </a:txBody>
+                  <a:tcPr marL="38100" marR="38100" marT="38100" marB="38100" anchor="ctr">
+                    <a:lnL w="9525" cap="flat" cmpd="sng" algn="ctr">
+                      <a:solidFill>
+                        <a:srgbClr val="FFFFFF"/>
+                      </a:solidFill>
+                      <a:prstDash val="solid"/>
+                      <a:round/>
+                      <a:headEnd type="none" w="med" len="med"/>
+                      <a:tailEnd type="none" w="med" len="med"/>
+                    </a:lnL>
+                    <a:lnR w="9525" cap="flat" cmpd="sng" algn="ctr">
+                      <a:solidFill>
+                        <a:srgbClr val="FFFFFF"/>
+                      </a:solidFill>
+                      <a:prstDash val="solid"/>
+                      <a:round/>
+                      <a:headEnd type="none" w="med" len="med"/>
+                      <a:tailEnd type="none" w="med" len="med"/>
+                    </a:lnR>
+                    <a:lnT w="9525" cap="flat" cmpd="sng" algn="ctr">
+                      <a:solidFill>
+                        <a:srgbClr val="FFFFFF"/>
+                      </a:solidFill>
+                      <a:prstDash val="solid"/>
+                      <a:round/>
+                      <a:headEnd type="none" w="med" len="med"/>
+                      <a:tailEnd type="none" w="med" len="med"/>
+                    </a:lnT>
+                    <a:lnB w="9525" cap="flat" cmpd="sng" algn="ctr">
+                      <a:solidFill>
+                        <a:srgbClr val="FFFFFF"/>
+                      </a:solidFill>
+                      <a:prstDash val="solid"/>
+                      <a:round/>
+                      <a:headEnd type="none" w="med" len="med"/>
+                      <a:tailEnd type="none" w="med" len="med"/>
+                    </a:lnB>
+                    <a:solidFill>
+                      <a:srgbClr val="00568A">
+                        <a:alpha val="63781"/>
+                      </a:srgbClr>
+                    </a:solidFill>
+                  </a:tcPr>
+                </a:tc>
+                <a:tc>
+                  <a:txBody>
+                    <a:bodyPr/>
+                    <a:lstStyle/>
+                    <a:p>
+                      <a:pPr algn="dist"/>
+                      <a:endParaRPr lang="zh-CN" altLang="en-US" b="1" dirty="0">
+                        <a:solidFill>
+                          <a:schemeClr val="bg1"/>
+                        </a:solidFill>
+                        <a:effectLst/>
+                        <a:latin typeface="Helvetica" pitchFamily="2" charset="0"/>
+                      </a:endParaRPr>
+                    </a:p>
+                  </a:txBody>
+                  <a:tcPr marL="38100" marR="38100" marT="38100" marB="38100" anchor="ctr">
+                    <a:lnL w="9525" cap="flat" cmpd="sng" algn="ctr">
+                      <a:solidFill>
+                        <a:srgbClr val="FFFFFF"/>
+                      </a:solidFill>
+                      <a:prstDash val="solid"/>
+                      <a:round/>
+                      <a:headEnd type="none" w="med" len="med"/>
+                      <a:tailEnd type="none" w="med" len="med"/>
+                    </a:lnL>
+                    <a:lnR w="9525" cap="flat" cmpd="sng" algn="ctr">
+                      <a:solidFill>
+                        <a:srgbClr val="FFFFFF"/>
+                      </a:solidFill>
+                      <a:prstDash val="solid"/>
+                      <a:round/>
+                      <a:headEnd type="none" w="med" len="med"/>
+                      <a:tailEnd type="none" w="med" len="med"/>
+                    </a:lnR>
+                    <a:lnT w="9525" cap="flat" cmpd="sng" algn="ctr">
+                      <a:solidFill>
+                        <a:srgbClr val="FFFFFF"/>
+                      </a:solidFill>
+                      <a:prstDash val="solid"/>
+                      <a:round/>
+                      <a:headEnd type="none" w="med" len="med"/>
+                      <a:tailEnd type="none" w="med" len="med"/>
+                    </a:lnT>
+                    <a:lnB w="9525" cap="flat" cmpd="sng" algn="ctr">
+                      <a:solidFill>
+                        <a:srgbClr val="FFFFFF"/>
+                      </a:solidFill>
+                      <a:prstDash val="solid"/>
+                      <a:round/>
+                      <a:headEnd type="none" w="med" len="med"/>
+                      <a:tailEnd type="none" w="med" len="med"/>
+                    </a:lnB>
+                    <a:solidFill>
+                      <a:srgbClr val="00568A">
+                        <a:alpha val="63781"/>
+                      </a:srgbClr>
+                    </a:solidFill>
+                  </a:tcPr>
+                </a:tc>
+                <a:extLst>
+                  <a:ext uri="{0D108BD9-81ED-4DB2-BD59-A6C34878D82A}">
+                    <a16:rowId xmlns:a16="http://schemas.microsoft.com/office/drawing/2014/main" val="1616598419"/>
+                  </a:ext>
+                </a:extLst>
+              </a:tr>
+            </a:tbl>
+          </a:graphicData>
+        </a:graphic>
+      </p:graphicFrame>
+      <p:sp>
+        <p:nvSpPr>
+          <p:cNvPr id="5" name="文本框 4">
+            <a:extLst>
+              <a:ext uri="{FF2B5EF4-FFF2-40B4-BE49-F238E27FC236}">
+                <a16:creationId xmlns:a16="http://schemas.microsoft.com/office/drawing/2014/main" id="{30E8B4FE-6298-A846-BC2B-5E0C1AD53A92}"/>
+              </a:ext>
+            </a:extLst>
+          </p:cNvPr>
+          <p:cNvSpPr txBox="1"/>
+          <p:nvPr/>
+        </p:nvSpPr>
+        <p:spPr>
+          <a:xfrm>
+            <a:off x="1353440" y="3697541"/>
+            <a:ext cx="1330037" cy="646331"/>
+          </a:xfrm>
+          <a:prstGeom prst="rect">
+            <a:avLst/>
+          </a:prstGeom>
+          <a:noFill/>
+        </p:spPr>
+        <p:txBody>
+          <a:bodyPr wrap="square" rtlCol="0">
+            <a:spAutoFit/>
+          </a:bodyPr>
+          <a:lstStyle/>
+          <a:p>
+            <a:r>
+              <a:rPr kumimoji="1" lang="zh-CN" altLang="en-US" dirty="0"/>
+              <a:t>输入图像</a:t>
+            </a:r>
+            <a:r>
+              <a:rPr kumimoji="1" lang="en-US" altLang="zh-CN" dirty="0"/>
+              <a:t>(5X5)</a:t>
+            </a:r>
+            <a:endParaRPr kumimoji="1" lang="zh-CN" altLang="en-US" dirty="0"/>
+          </a:p>
+        </p:txBody>
+      </p:sp>
+      <p:sp>
+        <p:nvSpPr>
+          <p:cNvPr id="6" name="文本框 5">
+            <a:extLst>
+              <a:ext uri="{FF2B5EF4-FFF2-40B4-BE49-F238E27FC236}">
+                <a16:creationId xmlns:a16="http://schemas.microsoft.com/office/drawing/2014/main" id="{1AE0133C-09D8-964F-BB27-07A279582811}"/>
+              </a:ext>
+            </a:extLst>
+          </p:cNvPr>
+          <p:cNvSpPr txBox="1"/>
+          <p:nvPr/>
+        </p:nvSpPr>
+        <p:spPr>
+          <a:xfrm>
+            <a:off x="4767309" y="3191291"/>
+            <a:ext cx="2059562" cy="646331"/>
+          </a:xfrm>
+          <a:prstGeom prst="rect">
+            <a:avLst/>
+          </a:prstGeom>
+          <a:noFill/>
+        </p:spPr>
+        <p:txBody>
+          <a:bodyPr wrap="square" rtlCol="0">
+            <a:spAutoFit/>
+          </a:bodyPr>
+          <a:lstStyle/>
+          <a:p>
+            <a:r>
+              <a:rPr kumimoji="1" lang="zh-CN" altLang="en-US" dirty="0"/>
+              <a:t>池化核</a:t>
+            </a:r>
+            <a:r>
+              <a:rPr kumimoji="1" lang="en-US" altLang="zh-CN" dirty="0"/>
+              <a:t>(3x3), </a:t>
+            </a:r>
+            <a:r>
+              <a:rPr kumimoji="1" lang="en-US" altLang="zh-CN" dirty="0" err="1"/>
+              <a:t>kernel_size</a:t>
+            </a:r>
+            <a:r>
+              <a:rPr kumimoji="1" lang="en-US" altLang="zh-CN" dirty="0"/>
+              <a:t>=3</a:t>
+            </a:r>
+            <a:endParaRPr kumimoji="1" lang="zh-CN" altLang="en-US" dirty="0"/>
+          </a:p>
+        </p:txBody>
+      </p:sp>
+      <p:sp>
+        <p:nvSpPr>
+          <p:cNvPr id="3" name="文本框 2">
+            <a:extLst>
+              <a:ext uri="{FF2B5EF4-FFF2-40B4-BE49-F238E27FC236}">
+                <a16:creationId xmlns:a16="http://schemas.microsoft.com/office/drawing/2014/main" id="{594908C8-BBE9-DF4A-BC51-EA6F94CB79B7}"/>
+              </a:ext>
+            </a:extLst>
+          </p:cNvPr>
+          <p:cNvSpPr txBox="1"/>
+          <p:nvPr/>
+        </p:nvSpPr>
+        <p:spPr>
+          <a:xfrm>
+            <a:off x="4767309" y="213064"/>
+            <a:ext cx="3157491" cy="369332"/>
+          </a:xfrm>
+          <a:prstGeom prst="rect">
+            <a:avLst/>
+          </a:prstGeom>
+          <a:noFill/>
+        </p:spPr>
+        <p:txBody>
+          <a:bodyPr wrap="square" rtlCol="0">
+            <a:spAutoFit/>
+          </a:bodyPr>
+          <a:lstStyle/>
+          <a:p>
+            <a:r>
+              <a:rPr kumimoji="1" lang="zh-CN" altLang="en-US" dirty="0"/>
+              <a:t>最大池化操作</a:t>
+            </a:r>
+          </a:p>
+        </p:txBody>
+      </p:sp>
+      <p:graphicFrame>
+        <p:nvGraphicFramePr>
+          <p:cNvPr id="14" name="表格 14">
+            <a:extLst>
+              <a:ext uri="{FF2B5EF4-FFF2-40B4-BE49-F238E27FC236}">
+                <a16:creationId xmlns:a16="http://schemas.microsoft.com/office/drawing/2014/main" id="{1C21D8A5-C72D-5349-B006-5A4222C29C3E}"/>
+              </a:ext>
+            </a:extLst>
+          </p:cNvPr>
+          <p:cNvGraphicFramePr>
+            <a:graphicFrameLocks noGrp="1"/>
+          </p:cNvGraphicFramePr>
+          <p:nvPr>
+            <p:extLst>
+              <p:ext uri="{D42A27DB-BD31-4B8C-83A1-F6EECF244321}">
+                <p14:modId xmlns:p14="http://schemas.microsoft.com/office/powerpoint/2010/main" val="86639978"/>
+              </p:ext>
+            </p:extLst>
+          </p:nvPr>
+        </p:nvGraphicFramePr>
+        <p:xfrm>
+          <a:off x="9214034" y="1026142"/>
+          <a:ext cx="746712" cy="741680"/>
+        </p:xfrm>
+        <a:graphic>
+          <a:graphicData uri="http://schemas.openxmlformats.org/drawingml/2006/table">
+            <a:tbl>
+              <a:tblPr firstRow="1" bandRow="1">
+                <a:tableStyleId>{5C22544A-7EE6-4342-B048-85BDC9FD1C3A}</a:tableStyleId>
+              </a:tblPr>
+              <a:tblGrid>
+                <a:gridCol w="373356">
+                  <a:extLst>
+                    <a:ext uri="{9D8B030D-6E8A-4147-A177-3AD203B41FA5}">
+                      <a16:colId xmlns:a16="http://schemas.microsoft.com/office/drawing/2014/main" val="664843416"/>
+                    </a:ext>
+                  </a:extLst>
+                </a:gridCol>
+                <a:gridCol w="373356">
+                  <a:extLst>
+                    <a:ext uri="{9D8B030D-6E8A-4147-A177-3AD203B41FA5}">
+                      <a16:colId xmlns:a16="http://schemas.microsoft.com/office/drawing/2014/main" val="2889235340"/>
+                    </a:ext>
+                  </a:extLst>
+                </a:gridCol>
+              </a:tblGrid>
+              <a:tr h="370840">
+                <a:tc>
+                  <a:txBody>
+                    <a:bodyPr/>
+                    <a:lstStyle/>
+                    <a:p>
+                      <a:r>
+                        <a:rPr lang="en-US" altLang="zh-CN" dirty="0"/>
+                        <a:t>2</a:t>
+                      </a:r>
+                      <a:endParaRPr lang="zh-CN" altLang="en-US" dirty="0"/>
+                    </a:p>
+                  </a:txBody>
+                  <a:tcPr/>
+                </a:tc>
+                <a:tc>
+                  <a:txBody>
+                    <a:bodyPr/>
+                    <a:lstStyle/>
+                    <a:p>
+                      <a:r>
+                        <a:rPr lang="en-US" altLang="zh-CN" dirty="0"/>
+                        <a:t>3</a:t>
+                      </a:r>
+                      <a:endParaRPr lang="zh-CN" altLang="en-US" dirty="0"/>
+                    </a:p>
+                  </a:txBody>
+                  <a:tcPr/>
+                </a:tc>
+                <a:extLst>
+                  <a:ext uri="{0D108BD9-81ED-4DB2-BD59-A6C34878D82A}">
+                    <a16:rowId xmlns:a16="http://schemas.microsoft.com/office/drawing/2014/main" val="4065274786"/>
+                  </a:ext>
+                </a:extLst>
+              </a:tr>
+              <a:tr h="370840">
+                <a:tc>
+                  <a:txBody>
+                    <a:bodyPr/>
+                    <a:lstStyle/>
+                    <a:p>
+                      <a:r>
+                        <a:rPr lang="en-US" altLang="zh-CN" dirty="0"/>
+                        <a:t>5</a:t>
+                      </a:r>
+                      <a:endParaRPr lang="zh-CN" altLang="en-US" dirty="0"/>
+                    </a:p>
+                  </a:txBody>
+                  <a:tcPr/>
+                </a:tc>
+                <a:tc>
+                  <a:txBody>
+                    <a:bodyPr/>
+                    <a:lstStyle/>
+                    <a:p>
+                      <a:r>
+                        <a:rPr lang="en-US" altLang="zh-CN" dirty="0"/>
+                        <a:t>1</a:t>
+                      </a:r>
+                      <a:endParaRPr lang="zh-CN" altLang="en-US" dirty="0"/>
+                    </a:p>
+                  </a:txBody>
+                  <a:tcPr/>
+                </a:tc>
+                <a:extLst>
+                  <a:ext uri="{0D108BD9-81ED-4DB2-BD59-A6C34878D82A}">
+                    <a16:rowId xmlns:a16="http://schemas.microsoft.com/office/drawing/2014/main" val="101206423"/>
+                  </a:ext>
+                </a:extLst>
+              </a:tr>
+            </a:tbl>
+          </a:graphicData>
+        </a:graphic>
+      </p:graphicFrame>
+      <p:sp>
+        <p:nvSpPr>
+          <p:cNvPr id="15" name="文本框 14">
+            <a:extLst>
+              <a:ext uri="{FF2B5EF4-FFF2-40B4-BE49-F238E27FC236}">
+                <a16:creationId xmlns:a16="http://schemas.microsoft.com/office/drawing/2014/main" id="{0BB7AEE3-4343-F74D-9B40-0AD35A016B61}"/>
+              </a:ext>
+            </a:extLst>
+          </p:cNvPr>
+          <p:cNvSpPr txBox="1"/>
+          <p:nvPr/>
+        </p:nvSpPr>
+        <p:spPr>
+          <a:xfrm>
+            <a:off x="7563775" y="1127464"/>
+            <a:ext cx="1313895" cy="646331"/>
+          </a:xfrm>
+          <a:prstGeom prst="rect">
+            <a:avLst/>
+          </a:prstGeom>
+          <a:noFill/>
+        </p:spPr>
+        <p:txBody>
+          <a:bodyPr wrap="square" rtlCol="0">
+            <a:spAutoFit/>
+          </a:bodyPr>
+          <a:lstStyle/>
+          <a:p>
+            <a:r>
+              <a:rPr kumimoji="1" lang="en-US" altLang="zh-CN" dirty="0" err="1"/>
+              <a:t>Ceil_model</a:t>
+            </a:r>
+            <a:r>
+              <a:rPr kumimoji="1" lang="en-US" altLang="zh-CN" dirty="0"/>
+              <a:t>=True</a:t>
+            </a:r>
+            <a:endParaRPr kumimoji="1" lang="zh-CN" altLang="en-US" dirty="0"/>
+          </a:p>
+        </p:txBody>
+      </p:sp>
+      <p:sp>
+        <p:nvSpPr>
+          <p:cNvPr id="16" name="文本框 15">
+            <a:extLst>
+              <a:ext uri="{FF2B5EF4-FFF2-40B4-BE49-F238E27FC236}">
+                <a16:creationId xmlns:a16="http://schemas.microsoft.com/office/drawing/2014/main" id="{94386474-EDBE-6B43-A5B0-84672E823021}"/>
+              </a:ext>
+            </a:extLst>
+          </p:cNvPr>
+          <p:cNvSpPr txBox="1"/>
+          <p:nvPr/>
+        </p:nvSpPr>
+        <p:spPr>
+          <a:xfrm>
+            <a:off x="7563775" y="3160459"/>
+            <a:ext cx="1313895" cy="646331"/>
+          </a:xfrm>
+          <a:prstGeom prst="rect">
+            <a:avLst/>
+          </a:prstGeom>
+          <a:noFill/>
+        </p:spPr>
+        <p:txBody>
+          <a:bodyPr wrap="square" rtlCol="0">
+            <a:spAutoFit/>
+          </a:bodyPr>
+          <a:lstStyle/>
+          <a:p>
+            <a:r>
+              <a:rPr kumimoji="1" lang="en-US" altLang="zh-CN" dirty="0" err="1"/>
+              <a:t>Ceil_model</a:t>
+            </a:r>
+            <a:r>
+              <a:rPr kumimoji="1" lang="en-US" altLang="zh-CN" dirty="0"/>
+              <a:t>=False</a:t>
+            </a:r>
+            <a:endParaRPr kumimoji="1" lang="zh-CN" altLang="en-US" dirty="0"/>
+          </a:p>
+        </p:txBody>
+      </p:sp>
+      <p:graphicFrame>
+        <p:nvGraphicFramePr>
+          <p:cNvPr id="17" name="表格 14">
+            <a:extLst>
+              <a:ext uri="{FF2B5EF4-FFF2-40B4-BE49-F238E27FC236}">
+                <a16:creationId xmlns:a16="http://schemas.microsoft.com/office/drawing/2014/main" id="{D2DAE400-8A49-9242-9828-E1CE57DDC6F1}"/>
+              </a:ext>
+            </a:extLst>
+          </p:cNvPr>
+          <p:cNvGraphicFramePr>
+            <a:graphicFrameLocks noGrp="1"/>
+          </p:cNvGraphicFramePr>
+          <p:nvPr>
+            <p:extLst>
+              <p:ext uri="{D42A27DB-BD31-4B8C-83A1-F6EECF244321}">
+                <p14:modId xmlns:p14="http://schemas.microsoft.com/office/powerpoint/2010/main" val="2703246605"/>
+              </p:ext>
+            </p:extLst>
+          </p:nvPr>
+        </p:nvGraphicFramePr>
+        <p:xfrm>
+          <a:off x="9214034" y="3191291"/>
+          <a:ext cx="453748" cy="370840"/>
+        </p:xfrm>
+        <a:graphic>
+          <a:graphicData uri="http://schemas.openxmlformats.org/drawingml/2006/table">
+            <a:tbl>
+              <a:tblPr firstRow="1" bandRow="1">
+                <a:tableStyleId>{5C22544A-7EE6-4342-B048-85BDC9FD1C3A}</a:tableStyleId>
+              </a:tblPr>
+              <a:tblGrid>
+                <a:gridCol w="453748">
+                  <a:extLst>
+                    <a:ext uri="{9D8B030D-6E8A-4147-A177-3AD203B41FA5}">
+                      <a16:colId xmlns:a16="http://schemas.microsoft.com/office/drawing/2014/main" val="664843416"/>
+                    </a:ext>
+                  </a:extLst>
+                </a:gridCol>
+              </a:tblGrid>
+              <a:tr h="370840">
+                <a:tc>
+                  <a:txBody>
+                    <a:bodyPr/>
+                    <a:lstStyle/>
+                    <a:p>
+                      <a:r>
+                        <a:rPr lang="en-US" altLang="zh-CN" dirty="0"/>
+                        <a:t>2</a:t>
+                      </a:r>
+                      <a:endParaRPr lang="zh-CN" altLang="en-US" dirty="0"/>
+                    </a:p>
+                  </a:txBody>
+                  <a:tcPr/>
+                </a:tc>
+                <a:extLst>
+                  <a:ext uri="{0D108BD9-81ED-4DB2-BD59-A6C34878D82A}">
+                    <a16:rowId xmlns:a16="http://schemas.microsoft.com/office/drawing/2014/main" val="4065274786"/>
+                  </a:ext>
+                </a:extLst>
+              </a:tr>
+            </a:tbl>
+          </a:graphicData>
+        </a:graphic>
+      </p:graphicFrame>
+    </p:spTree>
+    <p:extLst>
+      <p:ext uri="{BB962C8B-B14F-4D97-AF65-F5344CB8AC3E}">
+        <p14:creationId xmlns:p14="http://schemas.microsoft.com/office/powerpoint/2010/main" val="660359613"/>
       </p:ext>
     </p:extLst>
   </p:cSld>

--- a/notes/演示.pptx
+++ b/notes/演示.pptx
@@ -11,6 +11,10 @@
     <p:sldId id="259" r:id="rId5"/>
     <p:sldId id="260" r:id="rId6"/>
     <p:sldId id="261" r:id="rId7"/>
+    <p:sldId id="262" r:id="rId8"/>
+    <p:sldId id="263" r:id="rId9"/>
+    <p:sldId id="264" r:id="rId10"/>
+    <p:sldId id="265" r:id="rId11"/>
   </p:sldIdLst>
   <p:sldSz cx="12192000" cy="6858000"/>
   <p:notesSz cx="6858000" cy="9144000"/>
@@ -3612,6 +3616,152 @@
 </p:sld>
 </file>
 
+<file path=ppt/slides/slide10.xml><?xml version="1.0" encoding="utf-8"?>
+<p:sld xmlns:a="http://schemas.openxmlformats.org/drawingml/2006/main" xmlns:r="http://schemas.openxmlformats.org/officeDocument/2006/relationships" xmlns:p="http://schemas.openxmlformats.org/presentationml/2006/main">
+  <p:cSld>
+    <p:spTree>
+      <p:nvGrpSpPr>
+        <p:cNvPr id="1" name=""/>
+        <p:cNvGrpSpPr/>
+        <p:nvPr/>
+      </p:nvGrpSpPr>
+      <p:grpSpPr>
+        <a:xfrm>
+          <a:off x="0" y="0"/>
+          <a:ext cx="0" cy="0"/>
+          <a:chOff x="0" y="0"/>
+          <a:chExt cx="0" cy="0"/>
+        </a:xfrm>
+      </p:grpSpPr>
+      <p:pic>
+        <p:nvPicPr>
+          <p:cNvPr id="2050" name="Picture 2" descr="Structure of CIFAR10-quick model. | Download Scientific Diagram">
+            <a:extLst>
+              <a:ext uri="{FF2B5EF4-FFF2-40B4-BE49-F238E27FC236}">
+                <a16:creationId xmlns:a16="http://schemas.microsoft.com/office/drawing/2014/main" id="{7D4DCC8A-4A50-ED4A-9CDA-18CD59EE157B}"/>
+              </a:ext>
+            </a:extLst>
+          </p:cNvPr>
+          <p:cNvPicPr>
+            <a:picLocks noChangeAspect="1" noChangeArrowheads="1"/>
+          </p:cNvPicPr>
+          <p:nvPr/>
+        </p:nvPicPr>
+        <p:blipFill>
+          <a:blip r:embed="rId2">
+            <a:extLst>
+              <a:ext uri="{28A0092B-C50C-407E-A947-70E740481C1C}">
+                <a14:useLocalDpi xmlns:a14="http://schemas.microsoft.com/office/drawing/2010/main" val="0"/>
+              </a:ext>
+            </a:extLst>
+          </a:blip>
+          <a:srcRect/>
+          <a:stretch>
+            <a:fillRect/>
+          </a:stretch>
+        </p:blipFill>
+        <p:spPr bwMode="auto">
+          <a:xfrm>
+            <a:off x="591969" y="2152650"/>
+            <a:ext cx="10795000" cy="2552700"/>
+          </a:xfrm>
+          <a:prstGeom prst="rect">
+            <a:avLst/>
+          </a:prstGeom>
+          <a:noFill/>
+          <a:extLst>
+            <a:ext uri="{909E8E84-426E-40DD-AFC4-6F175D3DCCD1}">
+              <a14:hiddenFill xmlns:a14="http://schemas.microsoft.com/office/drawing/2010/main">
+                <a:solidFill>
+                  <a:srgbClr val="FFFFFF"/>
+                </a:solidFill>
+              </a14:hiddenFill>
+            </a:ext>
+          </a:extLst>
+        </p:spPr>
+      </p:pic>
+      <p:sp>
+        <p:nvSpPr>
+          <p:cNvPr id="2" name="文本框 1">
+            <a:extLst>
+              <a:ext uri="{FF2B5EF4-FFF2-40B4-BE49-F238E27FC236}">
+                <a16:creationId xmlns:a16="http://schemas.microsoft.com/office/drawing/2014/main" id="{2E4C5648-C25B-C549-B0CF-DC2236AF2951}"/>
+              </a:ext>
+            </a:extLst>
+          </p:cNvPr>
+          <p:cNvSpPr txBox="1"/>
+          <p:nvPr/>
+        </p:nvSpPr>
+        <p:spPr>
+          <a:xfrm>
+            <a:off x="4919708" y="5708342"/>
+            <a:ext cx="2352583" cy="369332"/>
+          </a:xfrm>
+          <a:prstGeom prst="rect">
+            <a:avLst/>
+          </a:prstGeom>
+          <a:noFill/>
+        </p:spPr>
+        <p:txBody>
+          <a:bodyPr wrap="square" rtlCol="0">
+            <a:spAutoFit/>
+          </a:bodyPr>
+          <a:lstStyle/>
+          <a:p>
+            <a:r>
+              <a:rPr kumimoji="1" lang="en-US" altLang="zh-CN" dirty="0"/>
+              <a:t>CIFAR 10 model </a:t>
+            </a:r>
+            <a:r>
+              <a:rPr kumimoji="1" lang="zh-CN" altLang="en-US" dirty="0"/>
+              <a:t>结构</a:t>
+            </a:r>
+          </a:p>
+        </p:txBody>
+      </p:sp>
+      <p:pic>
+        <p:nvPicPr>
+          <p:cNvPr id="5" name="图片 4">
+            <a:extLst>
+              <a:ext uri="{FF2B5EF4-FFF2-40B4-BE49-F238E27FC236}">
+                <a16:creationId xmlns:a16="http://schemas.microsoft.com/office/drawing/2014/main" id="{5802BACC-A243-394D-9895-3407BE608539}"/>
+              </a:ext>
+            </a:extLst>
+          </p:cNvPr>
+          <p:cNvPicPr>
+            <a:picLocks noChangeAspect="1"/>
+          </p:cNvPicPr>
+          <p:nvPr/>
+        </p:nvPicPr>
+        <p:blipFill>
+          <a:blip r:embed="rId3"/>
+          <a:stretch>
+            <a:fillRect/>
+          </a:stretch>
+        </p:blipFill>
+        <p:spPr>
+          <a:xfrm>
+            <a:off x="2246051" y="-279427"/>
+            <a:ext cx="8273988" cy="2505204"/>
+          </a:xfrm>
+          <a:prstGeom prst="rect">
+            <a:avLst/>
+          </a:prstGeom>
+        </p:spPr>
+      </p:pic>
+    </p:spTree>
+    <p:extLst>
+      <p:ext uri="{BB962C8B-B14F-4D97-AF65-F5344CB8AC3E}">
+        <p14:creationId xmlns:p14="http://schemas.microsoft.com/office/powerpoint/2010/main" val="2520674396"/>
+      </p:ext>
+    </p:extLst>
+  </p:cSld>
+  <p:clrMapOvr>
+    <a:masterClrMapping/>
+  </p:clrMapOvr>
+</p:sld>
+</file>
+
 <file path=ppt/slides/slide2.xml><?xml version="1.0" encoding="utf-8"?>
 <p:sld xmlns:a="http://schemas.openxmlformats.org/drawingml/2006/main" xmlns:r="http://schemas.openxmlformats.org/officeDocument/2006/relationships" xmlns:p="http://schemas.openxmlformats.org/presentationml/2006/main">
   <p:cSld>
@@ -18379,6 +18529,1108 @@
 </p:sld>
 </file>
 
+<file path=ppt/slides/slide7.xml><?xml version="1.0" encoding="utf-8"?>
+<p:sld xmlns:a="http://schemas.openxmlformats.org/drawingml/2006/main" xmlns:r="http://schemas.openxmlformats.org/officeDocument/2006/relationships" xmlns:p="http://schemas.openxmlformats.org/presentationml/2006/main">
+  <p:cSld>
+    <p:spTree>
+      <p:nvGrpSpPr>
+        <p:cNvPr id="1" name=""/>
+        <p:cNvGrpSpPr/>
+        <p:nvPr/>
+      </p:nvGrpSpPr>
+      <p:grpSpPr>
+        <a:xfrm>
+          <a:off x="0" y="0"/>
+          <a:ext cx="0" cy="0"/>
+          <a:chOff x="0" y="0"/>
+          <a:chExt cx="0" cy="0"/>
+        </a:xfrm>
+      </p:grpSpPr>
+      <p:sp>
+        <p:nvSpPr>
+          <p:cNvPr id="2" name="文本框 1">
+            <a:extLst>
+              <a:ext uri="{FF2B5EF4-FFF2-40B4-BE49-F238E27FC236}">
+                <a16:creationId xmlns:a16="http://schemas.microsoft.com/office/drawing/2014/main" id="{90CBAC33-0289-2A4B-A2B4-D6DF9C67761E}"/>
+              </a:ext>
+            </a:extLst>
+          </p:cNvPr>
+          <p:cNvSpPr txBox="1"/>
+          <p:nvPr/>
+        </p:nvSpPr>
+        <p:spPr>
+          <a:xfrm>
+            <a:off x="2601158" y="754602"/>
+            <a:ext cx="2902998" cy="923330"/>
+          </a:xfrm>
+          <a:prstGeom prst="rect">
+            <a:avLst/>
+          </a:prstGeom>
+          <a:noFill/>
+        </p:spPr>
+        <p:txBody>
+          <a:bodyPr wrap="square" rtlCol="0">
+            <a:spAutoFit/>
+          </a:bodyPr>
+          <a:lstStyle/>
+          <a:p>
+            <a:r>
+              <a:rPr kumimoji="1" lang="en-US" altLang="zh-CN" dirty="0"/>
+              <a:t>Input = -1</a:t>
+            </a:r>
+          </a:p>
+          <a:p>
+            <a:r>
+              <a:rPr kumimoji="1" lang="en-US" altLang="zh-CN" dirty="0" err="1"/>
+              <a:t>Relu</a:t>
+            </a:r>
+            <a:r>
+              <a:rPr kumimoji="1" lang="en-US" altLang="zh-CN" dirty="0"/>
+              <a:t>(input, </a:t>
+            </a:r>
+            <a:r>
+              <a:rPr kumimoji="1" lang="en-US" altLang="zh-CN" dirty="0" err="1"/>
+              <a:t>inplace</a:t>
+            </a:r>
+            <a:r>
+              <a:rPr kumimoji="1" lang="en-US" altLang="zh-CN" dirty="0"/>
+              <a:t>=True)</a:t>
+            </a:r>
+          </a:p>
+          <a:p>
+            <a:r>
+              <a:rPr kumimoji="1" lang="en-US" altLang="zh-CN" dirty="0"/>
+              <a:t>Input = 0</a:t>
+            </a:r>
+            <a:endParaRPr kumimoji="1" lang="zh-CN" altLang="en-US" dirty="0"/>
+          </a:p>
+        </p:txBody>
+      </p:sp>
+      <p:sp>
+        <p:nvSpPr>
+          <p:cNvPr id="3" name="文本框 2">
+            <a:extLst>
+              <a:ext uri="{FF2B5EF4-FFF2-40B4-BE49-F238E27FC236}">
+                <a16:creationId xmlns:a16="http://schemas.microsoft.com/office/drawing/2014/main" id="{E20052A1-B82C-904D-89A8-B88F83CF8AE0}"/>
+              </a:ext>
+            </a:extLst>
+          </p:cNvPr>
+          <p:cNvSpPr txBox="1"/>
+          <p:nvPr/>
+        </p:nvSpPr>
+        <p:spPr>
+          <a:xfrm>
+            <a:off x="6970451" y="649550"/>
+            <a:ext cx="4144392" cy="1200329"/>
+          </a:xfrm>
+          <a:prstGeom prst="rect">
+            <a:avLst/>
+          </a:prstGeom>
+          <a:noFill/>
+        </p:spPr>
+        <p:txBody>
+          <a:bodyPr wrap="square" rtlCol="0">
+            <a:spAutoFit/>
+          </a:bodyPr>
+          <a:lstStyle/>
+          <a:p>
+            <a:r>
+              <a:rPr kumimoji="1" lang="en-US" altLang="zh-CN" dirty="0"/>
+              <a:t>Input = -1</a:t>
+            </a:r>
+          </a:p>
+          <a:p>
+            <a:r>
+              <a:rPr kumimoji="1" lang="en-US" altLang="zh-CN" dirty="0"/>
+              <a:t>Output = </a:t>
+            </a:r>
+            <a:r>
+              <a:rPr kumimoji="1" lang="en-US" altLang="zh-CN" dirty="0" err="1"/>
+              <a:t>Relu</a:t>
+            </a:r>
+            <a:r>
+              <a:rPr kumimoji="1" lang="en-US" altLang="zh-CN" dirty="0"/>
+              <a:t>(input, </a:t>
+            </a:r>
+            <a:r>
+              <a:rPr kumimoji="1" lang="en-US" altLang="zh-CN" dirty="0" err="1"/>
+              <a:t>inplace</a:t>
+            </a:r>
+            <a:r>
+              <a:rPr kumimoji="1" lang="en-US" altLang="zh-CN" dirty="0"/>
+              <a:t>=False)</a:t>
+            </a:r>
+          </a:p>
+          <a:p>
+            <a:r>
+              <a:rPr kumimoji="1" lang="en-US" altLang="zh-CN" dirty="0"/>
+              <a:t>Input = -1</a:t>
+            </a:r>
+          </a:p>
+          <a:p>
+            <a:r>
+              <a:rPr kumimoji="1" lang="en-US" altLang="zh-CN" dirty="0"/>
+              <a:t>Output = 0</a:t>
+            </a:r>
+            <a:endParaRPr kumimoji="1" lang="zh-CN" altLang="en-US" dirty="0"/>
+          </a:p>
+        </p:txBody>
+      </p:sp>
+    </p:spTree>
+    <p:extLst>
+      <p:ext uri="{BB962C8B-B14F-4D97-AF65-F5344CB8AC3E}">
+        <p14:creationId xmlns:p14="http://schemas.microsoft.com/office/powerpoint/2010/main" val="2365881395"/>
+      </p:ext>
+    </p:extLst>
+  </p:cSld>
+  <p:clrMapOvr>
+    <a:masterClrMapping/>
+  </p:clrMapOvr>
+</p:sld>
+</file>
+
+<file path=ppt/slides/slide8.xml><?xml version="1.0" encoding="utf-8"?>
+<p:sld xmlns:a="http://schemas.openxmlformats.org/drawingml/2006/main" xmlns:r="http://schemas.openxmlformats.org/officeDocument/2006/relationships" xmlns:p="http://schemas.openxmlformats.org/presentationml/2006/main">
+  <p:cSld>
+    <p:spTree>
+      <p:nvGrpSpPr>
+        <p:cNvPr id="1" name=""/>
+        <p:cNvGrpSpPr/>
+        <p:nvPr/>
+      </p:nvGrpSpPr>
+      <p:grpSpPr>
+        <a:xfrm>
+          <a:off x="0" y="0"/>
+          <a:ext cx="0" cy="0"/>
+          <a:chOff x="0" y="0"/>
+          <a:chExt cx="0" cy="0"/>
+        </a:xfrm>
+      </p:grpSpPr>
+      <p:pic>
+        <p:nvPicPr>
+          <p:cNvPr id="1026" name="Picture 2" descr="Water | Free Full-Text | Comparison of Multiple Linear Regression,  Artificial Neural Network, Extreme Learning Machine, and Support Vector  Machine in Deriving Operation Rule of Hydropower Reservoir">
+            <a:extLst>
+              <a:ext uri="{FF2B5EF4-FFF2-40B4-BE49-F238E27FC236}">
+                <a16:creationId xmlns:a16="http://schemas.microsoft.com/office/drawing/2014/main" id="{C09B1B9F-FAF2-5244-A9CA-3FA33418188F}"/>
+              </a:ext>
+            </a:extLst>
+          </p:cNvPr>
+          <p:cNvPicPr>
+            <a:picLocks noChangeAspect="1" noChangeArrowheads="1"/>
+          </p:cNvPicPr>
+          <p:nvPr/>
+        </p:nvPicPr>
+        <p:blipFill>
+          <a:blip r:embed="rId2">
+            <a:extLst>
+              <a:ext uri="{28A0092B-C50C-407E-A947-70E740481C1C}">
+                <a14:useLocalDpi xmlns:a14="http://schemas.microsoft.com/office/drawing/2010/main" val="0"/>
+              </a:ext>
+            </a:extLst>
+          </a:blip>
+          <a:srcRect/>
+          <a:stretch>
+            <a:fillRect/>
+          </a:stretch>
+        </p:blipFill>
+        <p:spPr bwMode="auto">
+          <a:xfrm>
+            <a:off x="942975" y="0"/>
+            <a:ext cx="10306050" cy="6858000"/>
+          </a:xfrm>
+          <a:prstGeom prst="rect">
+            <a:avLst/>
+          </a:prstGeom>
+          <a:noFill/>
+          <a:extLst>
+            <a:ext uri="{909E8E84-426E-40DD-AFC4-6F175D3DCCD1}">
+              <a14:hiddenFill xmlns:a14="http://schemas.microsoft.com/office/drawing/2010/main">
+                <a:solidFill>
+                  <a:srgbClr val="FFFFFF"/>
+                </a:solidFill>
+              </a14:hiddenFill>
+            </a:ext>
+          </a:extLst>
+        </p:spPr>
+      </p:pic>
+      <p:sp>
+        <p:nvSpPr>
+          <p:cNvPr id="3" name="文本框 2">
+            <a:extLst>
+              <a:ext uri="{FF2B5EF4-FFF2-40B4-BE49-F238E27FC236}">
+                <a16:creationId xmlns:a16="http://schemas.microsoft.com/office/drawing/2014/main" id="{9325ACFF-E6D0-CF4E-B138-0B138E83BD7E}"/>
+              </a:ext>
+            </a:extLst>
+          </p:cNvPr>
+          <p:cNvSpPr txBox="1"/>
+          <p:nvPr/>
+        </p:nvSpPr>
+        <p:spPr>
+          <a:xfrm>
+            <a:off x="4057095" y="337351"/>
+            <a:ext cx="1305018" cy="369332"/>
+          </a:xfrm>
+          <a:prstGeom prst="rect">
+            <a:avLst/>
+          </a:prstGeom>
+          <a:noFill/>
+        </p:spPr>
+        <p:txBody>
+          <a:bodyPr wrap="square" rtlCol="0">
+            <a:spAutoFit/>
+          </a:bodyPr>
+          <a:lstStyle/>
+          <a:p>
+            <a:r>
+              <a:rPr kumimoji="1" lang="en-US" altLang="zh-CN" dirty="0"/>
+              <a:t>K1*x1+b1</a:t>
+            </a:r>
+            <a:endParaRPr kumimoji="1" lang="zh-CN" altLang="en-US" dirty="0"/>
+          </a:p>
+        </p:txBody>
+      </p:sp>
+      <p:sp>
+        <p:nvSpPr>
+          <p:cNvPr id="6" name="文本框 5">
+            <a:extLst>
+              <a:ext uri="{FF2B5EF4-FFF2-40B4-BE49-F238E27FC236}">
+                <a16:creationId xmlns:a16="http://schemas.microsoft.com/office/drawing/2014/main" id="{613B52B0-2C5E-B44B-BF45-7228C0938FE1}"/>
+              </a:ext>
+            </a:extLst>
+          </p:cNvPr>
+          <p:cNvSpPr txBox="1"/>
+          <p:nvPr/>
+        </p:nvSpPr>
+        <p:spPr>
+          <a:xfrm>
+            <a:off x="3978675" y="1306497"/>
+            <a:ext cx="1305018" cy="369332"/>
+          </a:xfrm>
+          <a:prstGeom prst="rect">
+            <a:avLst/>
+          </a:prstGeom>
+          <a:noFill/>
+        </p:spPr>
+        <p:txBody>
+          <a:bodyPr wrap="square" rtlCol="0">
+            <a:spAutoFit/>
+          </a:bodyPr>
+          <a:lstStyle/>
+          <a:p>
+            <a:r>
+              <a:rPr kumimoji="1" lang="en-US" altLang="zh-CN" dirty="0"/>
+              <a:t>K2*x2+b2</a:t>
+            </a:r>
+            <a:endParaRPr kumimoji="1" lang="zh-CN" altLang="en-US" dirty="0"/>
+          </a:p>
+        </p:txBody>
+      </p:sp>
+      <p:sp>
+        <p:nvSpPr>
+          <p:cNvPr id="7" name="文本框 6">
+            <a:extLst>
+              <a:ext uri="{FF2B5EF4-FFF2-40B4-BE49-F238E27FC236}">
+                <a16:creationId xmlns:a16="http://schemas.microsoft.com/office/drawing/2014/main" id="{F84294C9-C375-5047-899C-CC9D5AA8AA76}"/>
+              </a:ext>
+            </a:extLst>
+          </p:cNvPr>
+          <p:cNvSpPr txBox="1"/>
+          <p:nvPr/>
+        </p:nvSpPr>
+        <p:spPr>
+          <a:xfrm>
+            <a:off x="3882500" y="2408808"/>
+            <a:ext cx="1305018" cy="369332"/>
+          </a:xfrm>
+          <a:prstGeom prst="rect">
+            <a:avLst/>
+          </a:prstGeom>
+          <a:noFill/>
+        </p:spPr>
+        <p:txBody>
+          <a:bodyPr wrap="square" rtlCol="0">
+            <a:spAutoFit/>
+          </a:bodyPr>
+          <a:lstStyle/>
+          <a:p>
+            <a:r>
+              <a:rPr kumimoji="1" lang="en-US" altLang="zh-CN" dirty="0"/>
+              <a:t>K…*</a:t>
+            </a:r>
+            <a:r>
+              <a:rPr kumimoji="1" lang="en-US" altLang="zh-CN" dirty="0" err="1"/>
+              <a:t>x..+b</a:t>
+            </a:r>
+            <a:r>
+              <a:rPr kumimoji="1" lang="en-US" altLang="zh-CN" dirty="0"/>
+              <a:t>…</a:t>
+            </a:r>
+            <a:endParaRPr kumimoji="1" lang="zh-CN" altLang="en-US" dirty="0"/>
+          </a:p>
+        </p:txBody>
+      </p:sp>
+      <p:sp>
+        <p:nvSpPr>
+          <p:cNvPr id="8" name="文本框 7">
+            <a:extLst>
+              <a:ext uri="{FF2B5EF4-FFF2-40B4-BE49-F238E27FC236}">
+                <a16:creationId xmlns:a16="http://schemas.microsoft.com/office/drawing/2014/main" id="{163713C1-3896-CF40-8C30-4EF0AF7ACA00}"/>
+              </a:ext>
+            </a:extLst>
+          </p:cNvPr>
+          <p:cNvSpPr txBox="1"/>
+          <p:nvPr/>
+        </p:nvSpPr>
+        <p:spPr>
+          <a:xfrm>
+            <a:off x="3040601" y="4264072"/>
+            <a:ext cx="1305018" cy="369332"/>
+          </a:xfrm>
+          <a:prstGeom prst="rect">
+            <a:avLst/>
+          </a:prstGeom>
+          <a:noFill/>
+        </p:spPr>
+        <p:txBody>
+          <a:bodyPr wrap="square" rtlCol="0">
+            <a:spAutoFit/>
+          </a:bodyPr>
+          <a:lstStyle/>
+          <a:p>
+            <a:r>
+              <a:rPr kumimoji="1" lang="en-US" altLang="zh-CN" dirty="0" err="1"/>
+              <a:t>Kd</a:t>
+            </a:r>
+            <a:r>
+              <a:rPr kumimoji="1" lang="en-US" altLang="zh-CN" dirty="0"/>
+              <a:t>*</a:t>
+            </a:r>
+            <a:r>
+              <a:rPr kumimoji="1" lang="en-US" altLang="zh-CN" dirty="0" err="1"/>
+              <a:t>xd+bd</a:t>
+            </a:r>
+            <a:endParaRPr kumimoji="1" lang="zh-CN" altLang="en-US" dirty="0"/>
+          </a:p>
+        </p:txBody>
+      </p:sp>
+    </p:spTree>
+    <p:extLst>
+      <p:ext uri="{BB962C8B-B14F-4D97-AF65-F5344CB8AC3E}">
+        <p14:creationId xmlns:p14="http://schemas.microsoft.com/office/powerpoint/2010/main" val="363101002"/>
+      </p:ext>
+    </p:extLst>
+  </p:cSld>
+  <p:clrMapOvr>
+    <a:masterClrMapping/>
+  </p:clrMapOvr>
+</p:sld>
+</file>
+
+<file path=ppt/slides/slide9.xml><?xml version="1.0" encoding="utf-8"?>
+<p:sld xmlns:a="http://schemas.openxmlformats.org/drawingml/2006/main" xmlns:r="http://schemas.openxmlformats.org/officeDocument/2006/relationships" xmlns:p="http://schemas.openxmlformats.org/presentationml/2006/main">
+  <p:cSld>
+    <p:spTree>
+      <p:nvGrpSpPr>
+        <p:cNvPr id="1" name=""/>
+        <p:cNvGrpSpPr/>
+        <p:nvPr/>
+      </p:nvGrpSpPr>
+      <p:grpSpPr>
+        <a:xfrm>
+          <a:off x="0" y="0"/>
+          <a:ext cx="0" cy="0"/>
+          <a:chOff x="0" y="0"/>
+          <a:chExt cx="0" cy="0"/>
+        </a:xfrm>
+      </p:grpSpPr>
+      <p:graphicFrame>
+        <p:nvGraphicFramePr>
+          <p:cNvPr id="2" name="表格 2">
+            <a:extLst>
+              <a:ext uri="{FF2B5EF4-FFF2-40B4-BE49-F238E27FC236}">
+                <a16:creationId xmlns:a16="http://schemas.microsoft.com/office/drawing/2014/main" id="{56675535-E049-DA47-8A11-48AB9ED25E08}"/>
+              </a:ext>
+            </a:extLst>
+          </p:cNvPr>
+          <p:cNvGraphicFramePr>
+            <a:graphicFrameLocks noGrp="1"/>
+          </p:cNvGraphicFramePr>
+          <p:nvPr>
+            <p:extLst>
+              <p:ext uri="{D42A27DB-BD31-4B8C-83A1-F6EECF244321}">
+                <p14:modId xmlns:p14="http://schemas.microsoft.com/office/powerpoint/2010/main" val="2736544365"/>
+              </p:ext>
+            </p:extLst>
+          </p:nvPr>
+        </p:nvGraphicFramePr>
+        <p:xfrm>
+          <a:off x="1135356" y="1119161"/>
+          <a:ext cx="2025095" cy="1854200"/>
+        </p:xfrm>
+        <a:graphic>
+          <a:graphicData uri="http://schemas.openxmlformats.org/drawingml/2006/table">
+            <a:tbl>
+              <a:tblPr firstRow="1" bandRow="1">
+                <a:tableStyleId>{5C22544A-7EE6-4342-B048-85BDC9FD1C3A}</a:tableStyleId>
+              </a:tblPr>
+              <a:tblGrid>
+                <a:gridCol w="405019">
+                  <a:extLst>
+                    <a:ext uri="{9D8B030D-6E8A-4147-A177-3AD203B41FA5}">
+                      <a16:colId xmlns:a16="http://schemas.microsoft.com/office/drawing/2014/main" val="778897999"/>
+                    </a:ext>
+                  </a:extLst>
+                </a:gridCol>
+                <a:gridCol w="405019">
+                  <a:extLst>
+                    <a:ext uri="{9D8B030D-6E8A-4147-A177-3AD203B41FA5}">
+                      <a16:colId xmlns:a16="http://schemas.microsoft.com/office/drawing/2014/main" val="3691834744"/>
+                    </a:ext>
+                  </a:extLst>
+                </a:gridCol>
+                <a:gridCol w="405019">
+                  <a:extLst>
+                    <a:ext uri="{9D8B030D-6E8A-4147-A177-3AD203B41FA5}">
+                      <a16:colId xmlns:a16="http://schemas.microsoft.com/office/drawing/2014/main" val="261426251"/>
+                    </a:ext>
+                  </a:extLst>
+                </a:gridCol>
+                <a:gridCol w="405019">
+                  <a:extLst>
+                    <a:ext uri="{9D8B030D-6E8A-4147-A177-3AD203B41FA5}">
+                      <a16:colId xmlns:a16="http://schemas.microsoft.com/office/drawing/2014/main" val="2171298578"/>
+                    </a:ext>
+                  </a:extLst>
+                </a:gridCol>
+                <a:gridCol w="405019">
+                  <a:extLst>
+                    <a:ext uri="{9D8B030D-6E8A-4147-A177-3AD203B41FA5}">
+                      <a16:colId xmlns:a16="http://schemas.microsoft.com/office/drawing/2014/main" val="3626951452"/>
+                    </a:ext>
+                  </a:extLst>
+                </a:gridCol>
+              </a:tblGrid>
+              <a:tr h="370840">
+                <a:tc>
+                  <a:txBody>
+                    <a:bodyPr/>
+                    <a:lstStyle/>
+                    <a:p>
+                      <a:endParaRPr lang="zh-CN" altLang="en-US"/>
+                    </a:p>
+                  </a:txBody>
+                  <a:tcPr/>
+                </a:tc>
+                <a:tc>
+                  <a:txBody>
+                    <a:bodyPr/>
+                    <a:lstStyle/>
+                    <a:p>
+                      <a:endParaRPr lang="zh-CN" altLang="en-US"/>
+                    </a:p>
+                  </a:txBody>
+                  <a:tcPr/>
+                </a:tc>
+                <a:tc>
+                  <a:txBody>
+                    <a:bodyPr/>
+                    <a:lstStyle/>
+                    <a:p>
+                      <a:endParaRPr lang="zh-CN" altLang="en-US"/>
+                    </a:p>
+                  </a:txBody>
+                  <a:tcPr/>
+                </a:tc>
+                <a:tc>
+                  <a:txBody>
+                    <a:bodyPr/>
+                    <a:lstStyle/>
+                    <a:p>
+                      <a:endParaRPr lang="zh-CN" altLang="en-US" dirty="0"/>
+                    </a:p>
+                  </a:txBody>
+                  <a:tcPr/>
+                </a:tc>
+                <a:tc>
+                  <a:txBody>
+                    <a:bodyPr/>
+                    <a:lstStyle/>
+                    <a:p>
+                      <a:endParaRPr lang="zh-CN" altLang="en-US"/>
+                    </a:p>
+                  </a:txBody>
+                  <a:tcPr/>
+                </a:tc>
+                <a:extLst>
+                  <a:ext uri="{0D108BD9-81ED-4DB2-BD59-A6C34878D82A}">
+                    <a16:rowId xmlns:a16="http://schemas.microsoft.com/office/drawing/2014/main" val="2146921560"/>
+                  </a:ext>
+                </a:extLst>
+              </a:tr>
+              <a:tr h="370840">
+                <a:tc>
+                  <a:txBody>
+                    <a:bodyPr/>
+                    <a:lstStyle/>
+                    <a:p>
+                      <a:endParaRPr lang="zh-CN" altLang="en-US"/>
+                    </a:p>
+                  </a:txBody>
+                  <a:tcPr/>
+                </a:tc>
+                <a:tc>
+                  <a:txBody>
+                    <a:bodyPr/>
+                    <a:lstStyle/>
+                    <a:p>
+                      <a:endParaRPr lang="zh-CN" altLang="en-US"/>
+                    </a:p>
+                  </a:txBody>
+                  <a:tcPr/>
+                </a:tc>
+                <a:tc>
+                  <a:txBody>
+                    <a:bodyPr/>
+                    <a:lstStyle/>
+                    <a:p>
+                      <a:endParaRPr lang="zh-CN" altLang="en-US"/>
+                    </a:p>
+                  </a:txBody>
+                  <a:tcPr/>
+                </a:tc>
+                <a:tc>
+                  <a:txBody>
+                    <a:bodyPr/>
+                    <a:lstStyle/>
+                    <a:p>
+                      <a:endParaRPr lang="zh-CN" altLang="en-US"/>
+                    </a:p>
+                  </a:txBody>
+                  <a:tcPr/>
+                </a:tc>
+                <a:tc>
+                  <a:txBody>
+                    <a:bodyPr/>
+                    <a:lstStyle/>
+                    <a:p>
+                      <a:endParaRPr lang="zh-CN" altLang="en-US"/>
+                    </a:p>
+                  </a:txBody>
+                  <a:tcPr/>
+                </a:tc>
+                <a:extLst>
+                  <a:ext uri="{0D108BD9-81ED-4DB2-BD59-A6C34878D82A}">
+                    <a16:rowId xmlns:a16="http://schemas.microsoft.com/office/drawing/2014/main" val="3759941326"/>
+                  </a:ext>
+                </a:extLst>
+              </a:tr>
+              <a:tr h="370840">
+                <a:tc>
+                  <a:txBody>
+                    <a:bodyPr/>
+                    <a:lstStyle/>
+                    <a:p>
+                      <a:endParaRPr lang="zh-CN" altLang="en-US"/>
+                    </a:p>
+                  </a:txBody>
+                  <a:tcPr/>
+                </a:tc>
+                <a:tc>
+                  <a:txBody>
+                    <a:bodyPr/>
+                    <a:lstStyle/>
+                    <a:p>
+                      <a:endParaRPr lang="zh-CN" altLang="en-US"/>
+                    </a:p>
+                  </a:txBody>
+                  <a:tcPr/>
+                </a:tc>
+                <a:tc>
+                  <a:txBody>
+                    <a:bodyPr/>
+                    <a:lstStyle/>
+                    <a:p>
+                      <a:endParaRPr lang="zh-CN" altLang="en-US"/>
+                    </a:p>
+                  </a:txBody>
+                  <a:tcPr/>
+                </a:tc>
+                <a:tc>
+                  <a:txBody>
+                    <a:bodyPr/>
+                    <a:lstStyle/>
+                    <a:p>
+                      <a:endParaRPr lang="zh-CN" altLang="en-US"/>
+                    </a:p>
+                  </a:txBody>
+                  <a:tcPr/>
+                </a:tc>
+                <a:tc>
+                  <a:txBody>
+                    <a:bodyPr/>
+                    <a:lstStyle/>
+                    <a:p>
+                      <a:endParaRPr lang="zh-CN" altLang="en-US"/>
+                    </a:p>
+                  </a:txBody>
+                  <a:tcPr/>
+                </a:tc>
+                <a:extLst>
+                  <a:ext uri="{0D108BD9-81ED-4DB2-BD59-A6C34878D82A}">
+                    <a16:rowId xmlns:a16="http://schemas.microsoft.com/office/drawing/2014/main" val="2113964809"/>
+                  </a:ext>
+                </a:extLst>
+              </a:tr>
+              <a:tr h="370840">
+                <a:tc>
+                  <a:txBody>
+                    <a:bodyPr/>
+                    <a:lstStyle/>
+                    <a:p>
+                      <a:endParaRPr lang="zh-CN" altLang="en-US"/>
+                    </a:p>
+                  </a:txBody>
+                  <a:tcPr/>
+                </a:tc>
+                <a:tc>
+                  <a:txBody>
+                    <a:bodyPr/>
+                    <a:lstStyle/>
+                    <a:p>
+                      <a:endParaRPr lang="zh-CN" altLang="en-US"/>
+                    </a:p>
+                  </a:txBody>
+                  <a:tcPr/>
+                </a:tc>
+                <a:tc>
+                  <a:txBody>
+                    <a:bodyPr/>
+                    <a:lstStyle/>
+                    <a:p>
+                      <a:endParaRPr lang="zh-CN" altLang="en-US"/>
+                    </a:p>
+                  </a:txBody>
+                  <a:tcPr/>
+                </a:tc>
+                <a:tc>
+                  <a:txBody>
+                    <a:bodyPr/>
+                    <a:lstStyle/>
+                    <a:p>
+                      <a:endParaRPr lang="zh-CN" altLang="en-US"/>
+                    </a:p>
+                  </a:txBody>
+                  <a:tcPr/>
+                </a:tc>
+                <a:tc>
+                  <a:txBody>
+                    <a:bodyPr/>
+                    <a:lstStyle/>
+                    <a:p>
+                      <a:endParaRPr lang="zh-CN" altLang="en-US"/>
+                    </a:p>
+                  </a:txBody>
+                  <a:tcPr/>
+                </a:tc>
+                <a:extLst>
+                  <a:ext uri="{0D108BD9-81ED-4DB2-BD59-A6C34878D82A}">
+                    <a16:rowId xmlns:a16="http://schemas.microsoft.com/office/drawing/2014/main" val="3134668713"/>
+                  </a:ext>
+                </a:extLst>
+              </a:tr>
+              <a:tr h="370840">
+                <a:tc>
+                  <a:txBody>
+                    <a:bodyPr/>
+                    <a:lstStyle/>
+                    <a:p>
+                      <a:endParaRPr lang="zh-CN" altLang="en-US"/>
+                    </a:p>
+                  </a:txBody>
+                  <a:tcPr/>
+                </a:tc>
+                <a:tc>
+                  <a:txBody>
+                    <a:bodyPr/>
+                    <a:lstStyle/>
+                    <a:p>
+                      <a:endParaRPr lang="zh-CN" altLang="en-US"/>
+                    </a:p>
+                  </a:txBody>
+                  <a:tcPr/>
+                </a:tc>
+                <a:tc>
+                  <a:txBody>
+                    <a:bodyPr/>
+                    <a:lstStyle/>
+                    <a:p>
+                      <a:endParaRPr lang="zh-CN" altLang="en-US"/>
+                    </a:p>
+                  </a:txBody>
+                  <a:tcPr/>
+                </a:tc>
+                <a:tc>
+                  <a:txBody>
+                    <a:bodyPr/>
+                    <a:lstStyle/>
+                    <a:p>
+                      <a:endParaRPr lang="zh-CN" altLang="en-US"/>
+                    </a:p>
+                  </a:txBody>
+                  <a:tcPr/>
+                </a:tc>
+                <a:tc>
+                  <a:txBody>
+                    <a:bodyPr/>
+                    <a:lstStyle/>
+                    <a:p>
+                      <a:endParaRPr lang="zh-CN" altLang="en-US" dirty="0"/>
+                    </a:p>
+                  </a:txBody>
+                  <a:tcPr/>
+                </a:tc>
+                <a:extLst>
+                  <a:ext uri="{0D108BD9-81ED-4DB2-BD59-A6C34878D82A}">
+                    <a16:rowId xmlns:a16="http://schemas.microsoft.com/office/drawing/2014/main" val="2754168914"/>
+                  </a:ext>
+                </a:extLst>
+              </a:tr>
+            </a:tbl>
+          </a:graphicData>
+        </a:graphic>
+      </p:graphicFrame>
+      <p:graphicFrame>
+        <p:nvGraphicFramePr>
+          <p:cNvPr id="3" name="表格 3">
+            <a:extLst>
+              <a:ext uri="{FF2B5EF4-FFF2-40B4-BE49-F238E27FC236}">
+                <a16:creationId xmlns:a16="http://schemas.microsoft.com/office/drawing/2014/main" id="{21032D2E-F85D-D948-A1BC-F849BD60D24E}"/>
+              </a:ext>
+            </a:extLst>
+          </p:cNvPr>
+          <p:cNvGraphicFramePr>
+            <a:graphicFrameLocks noGrp="1"/>
+          </p:cNvGraphicFramePr>
+          <p:nvPr>
+            <p:extLst>
+              <p:ext uri="{D42A27DB-BD31-4B8C-83A1-F6EECF244321}">
+                <p14:modId xmlns:p14="http://schemas.microsoft.com/office/powerpoint/2010/main" val="2630790785"/>
+              </p:ext>
+            </p:extLst>
+          </p:nvPr>
+        </p:nvGraphicFramePr>
+        <p:xfrm>
+          <a:off x="3816906" y="1927028"/>
+          <a:ext cx="4903930" cy="370840"/>
+        </p:xfrm>
+        <a:graphic>
+          <a:graphicData uri="http://schemas.openxmlformats.org/drawingml/2006/table">
+            <a:tbl>
+              <a:tblPr firstRow="1" bandRow="1">
+                <a:tableStyleId>{5C22544A-7EE6-4342-B048-85BDC9FD1C3A}</a:tableStyleId>
+              </a:tblPr>
+              <a:tblGrid>
+                <a:gridCol w="490393">
+                  <a:extLst>
+                    <a:ext uri="{9D8B030D-6E8A-4147-A177-3AD203B41FA5}">
+                      <a16:colId xmlns:a16="http://schemas.microsoft.com/office/drawing/2014/main" val="2083723658"/>
+                    </a:ext>
+                  </a:extLst>
+                </a:gridCol>
+                <a:gridCol w="490393">
+                  <a:extLst>
+                    <a:ext uri="{9D8B030D-6E8A-4147-A177-3AD203B41FA5}">
+                      <a16:colId xmlns:a16="http://schemas.microsoft.com/office/drawing/2014/main" val="336568852"/>
+                    </a:ext>
+                  </a:extLst>
+                </a:gridCol>
+                <a:gridCol w="490393">
+                  <a:extLst>
+                    <a:ext uri="{9D8B030D-6E8A-4147-A177-3AD203B41FA5}">
+                      <a16:colId xmlns:a16="http://schemas.microsoft.com/office/drawing/2014/main" val="118891190"/>
+                    </a:ext>
+                  </a:extLst>
+                </a:gridCol>
+                <a:gridCol w="490393">
+                  <a:extLst>
+                    <a:ext uri="{9D8B030D-6E8A-4147-A177-3AD203B41FA5}">
+                      <a16:colId xmlns:a16="http://schemas.microsoft.com/office/drawing/2014/main" val="2575652022"/>
+                    </a:ext>
+                  </a:extLst>
+                </a:gridCol>
+                <a:gridCol w="490393">
+                  <a:extLst>
+                    <a:ext uri="{9D8B030D-6E8A-4147-A177-3AD203B41FA5}">
+                      <a16:colId xmlns:a16="http://schemas.microsoft.com/office/drawing/2014/main" val="3170977073"/>
+                    </a:ext>
+                  </a:extLst>
+                </a:gridCol>
+                <a:gridCol w="490393">
+                  <a:extLst>
+                    <a:ext uri="{9D8B030D-6E8A-4147-A177-3AD203B41FA5}">
+                      <a16:colId xmlns:a16="http://schemas.microsoft.com/office/drawing/2014/main" val="765970879"/>
+                    </a:ext>
+                  </a:extLst>
+                </a:gridCol>
+                <a:gridCol w="490393">
+                  <a:extLst>
+                    <a:ext uri="{9D8B030D-6E8A-4147-A177-3AD203B41FA5}">
+                      <a16:colId xmlns:a16="http://schemas.microsoft.com/office/drawing/2014/main" val="137734321"/>
+                    </a:ext>
+                  </a:extLst>
+                </a:gridCol>
+                <a:gridCol w="490393">
+                  <a:extLst>
+                    <a:ext uri="{9D8B030D-6E8A-4147-A177-3AD203B41FA5}">
+                      <a16:colId xmlns:a16="http://schemas.microsoft.com/office/drawing/2014/main" val="2702692639"/>
+                    </a:ext>
+                  </a:extLst>
+                </a:gridCol>
+                <a:gridCol w="490393">
+                  <a:extLst>
+                    <a:ext uri="{9D8B030D-6E8A-4147-A177-3AD203B41FA5}">
+                      <a16:colId xmlns:a16="http://schemas.microsoft.com/office/drawing/2014/main" val="794247858"/>
+                    </a:ext>
+                  </a:extLst>
+                </a:gridCol>
+                <a:gridCol w="490393">
+                  <a:extLst>
+                    <a:ext uri="{9D8B030D-6E8A-4147-A177-3AD203B41FA5}">
+                      <a16:colId xmlns:a16="http://schemas.microsoft.com/office/drawing/2014/main" val="2303405708"/>
+                    </a:ext>
+                  </a:extLst>
+                </a:gridCol>
+              </a:tblGrid>
+              <a:tr h="370840">
+                <a:tc>
+                  <a:txBody>
+                    <a:bodyPr/>
+                    <a:lstStyle/>
+                    <a:p>
+                      <a:r>
+                        <a:rPr lang="en-US" altLang="zh-CN" dirty="0"/>
+                        <a:t>1</a:t>
+                      </a:r>
+                      <a:endParaRPr lang="zh-CN" altLang="en-US" dirty="0"/>
+                    </a:p>
+                  </a:txBody>
+                  <a:tcPr/>
+                </a:tc>
+                <a:tc>
+                  <a:txBody>
+                    <a:bodyPr/>
+                    <a:lstStyle/>
+                    <a:p>
+                      <a:endParaRPr lang="zh-CN" altLang="en-US"/>
+                    </a:p>
+                  </a:txBody>
+                  <a:tcPr/>
+                </a:tc>
+                <a:tc>
+                  <a:txBody>
+                    <a:bodyPr/>
+                    <a:lstStyle/>
+                    <a:p>
+                      <a:endParaRPr lang="zh-CN" altLang="en-US"/>
+                    </a:p>
+                  </a:txBody>
+                  <a:tcPr/>
+                </a:tc>
+                <a:tc>
+                  <a:txBody>
+                    <a:bodyPr/>
+                    <a:lstStyle/>
+                    <a:p>
+                      <a:endParaRPr lang="zh-CN" altLang="en-US"/>
+                    </a:p>
+                  </a:txBody>
+                  <a:tcPr/>
+                </a:tc>
+                <a:tc>
+                  <a:txBody>
+                    <a:bodyPr/>
+                    <a:lstStyle/>
+                    <a:p>
+                      <a:r>
+                        <a:rPr lang="en-US" altLang="zh-CN" dirty="0"/>
+                        <a:t>…</a:t>
+                      </a:r>
+                      <a:endParaRPr lang="zh-CN" altLang="en-US" dirty="0"/>
+                    </a:p>
+                  </a:txBody>
+                  <a:tcPr/>
+                </a:tc>
+                <a:tc>
+                  <a:txBody>
+                    <a:bodyPr/>
+                    <a:lstStyle/>
+                    <a:p>
+                      <a:endParaRPr lang="zh-CN" altLang="en-US"/>
+                    </a:p>
+                  </a:txBody>
+                  <a:tcPr/>
+                </a:tc>
+                <a:tc>
+                  <a:txBody>
+                    <a:bodyPr/>
+                    <a:lstStyle/>
+                    <a:p>
+                      <a:endParaRPr lang="zh-CN" altLang="en-US"/>
+                    </a:p>
+                  </a:txBody>
+                  <a:tcPr/>
+                </a:tc>
+                <a:tc>
+                  <a:txBody>
+                    <a:bodyPr/>
+                    <a:lstStyle/>
+                    <a:p>
+                      <a:endParaRPr lang="zh-CN" altLang="en-US"/>
+                    </a:p>
+                  </a:txBody>
+                  <a:tcPr/>
+                </a:tc>
+                <a:tc>
+                  <a:txBody>
+                    <a:bodyPr/>
+                    <a:lstStyle/>
+                    <a:p>
+                      <a:endParaRPr lang="zh-CN" altLang="en-US"/>
+                    </a:p>
+                  </a:txBody>
+                  <a:tcPr/>
+                </a:tc>
+                <a:tc>
+                  <a:txBody>
+                    <a:bodyPr/>
+                    <a:lstStyle/>
+                    <a:p>
+                      <a:r>
+                        <a:rPr lang="en-US" altLang="zh-CN" dirty="0"/>
+                        <a:t>25</a:t>
+                      </a:r>
+                      <a:endParaRPr lang="zh-CN" altLang="en-US" dirty="0"/>
+                    </a:p>
+                  </a:txBody>
+                  <a:tcPr/>
+                </a:tc>
+                <a:extLst>
+                  <a:ext uri="{0D108BD9-81ED-4DB2-BD59-A6C34878D82A}">
+                    <a16:rowId xmlns:a16="http://schemas.microsoft.com/office/drawing/2014/main" val="4083063128"/>
+                  </a:ext>
+                </a:extLst>
+              </a:tr>
+            </a:tbl>
+          </a:graphicData>
+        </a:graphic>
+      </p:graphicFrame>
+      <p:graphicFrame>
+        <p:nvGraphicFramePr>
+          <p:cNvPr id="4" name="表格 4">
+            <a:extLst>
+              <a:ext uri="{FF2B5EF4-FFF2-40B4-BE49-F238E27FC236}">
+                <a16:creationId xmlns:a16="http://schemas.microsoft.com/office/drawing/2014/main" id="{C12A6D11-EE57-5E47-86B9-E0E2F88654CC}"/>
+              </a:ext>
+            </a:extLst>
+          </p:cNvPr>
+          <p:cNvGraphicFramePr>
+            <a:graphicFrameLocks noGrp="1"/>
+          </p:cNvGraphicFramePr>
+          <p:nvPr>
+            <p:extLst>
+              <p:ext uri="{D42A27DB-BD31-4B8C-83A1-F6EECF244321}">
+                <p14:modId xmlns:p14="http://schemas.microsoft.com/office/powerpoint/2010/main" val="3471479550"/>
+              </p:ext>
+            </p:extLst>
+          </p:nvPr>
+        </p:nvGraphicFramePr>
+        <p:xfrm>
+          <a:off x="9666797" y="1927603"/>
+          <a:ext cx="1784904" cy="370840"/>
+        </p:xfrm>
+        <a:graphic>
+          <a:graphicData uri="http://schemas.openxmlformats.org/drawingml/2006/table">
+            <a:tbl>
+              <a:tblPr firstRow="1" bandRow="1">
+                <a:tableStyleId>{5C22544A-7EE6-4342-B048-85BDC9FD1C3A}</a:tableStyleId>
+              </a:tblPr>
+              <a:tblGrid>
+                <a:gridCol w="594968">
+                  <a:extLst>
+                    <a:ext uri="{9D8B030D-6E8A-4147-A177-3AD203B41FA5}">
+                      <a16:colId xmlns:a16="http://schemas.microsoft.com/office/drawing/2014/main" val="3485795140"/>
+                    </a:ext>
+                  </a:extLst>
+                </a:gridCol>
+                <a:gridCol w="594968">
+                  <a:extLst>
+                    <a:ext uri="{9D8B030D-6E8A-4147-A177-3AD203B41FA5}">
+                      <a16:colId xmlns:a16="http://schemas.microsoft.com/office/drawing/2014/main" val="3039846990"/>
+                    </a:ext>
+                  </a:extLst>
+                </a:gridCol>
+                <a:gridCol w="594968">
+                  <a:extLst>
+                    <a:ext uri="{9D8B030D-6E8A-4147-A177-3AD203B41FA5}">
+                      <a16:colId xmlns:a16="http://schemas.microsoft.com/office/drawing/2014/main" val="3678025776"/>
+                    </a:ext>
+                  </a:extLst>
+                </a:gridCol>
+              </a:tblGrid>
+              <a:tr h="370840">
+                <a:tc>
+                  <a:txBody>
+                    <a:bodyPr/>
+                    <a:lstStyle/>
+                    <a:p>
+                      <a:endParaRPr lang="zh-CN" altLang="en-US"/>
+                    </a:p>
+                  </a:txBody>
+                  <a:tcPr/>
+                </a:tc>
+                <a:tc>
+                  <a:txBody>
+                    <a:bodyPr/>
+                    <a:lstStyle/>
+                    <a:p>
+                      <a:endParaRPr lang="zh-CN" altLang="en-US"/>
+                    </a:p>
+                  </a:txBody>
+                  <a:tcPr/>
+                </a:tc>
+                <a:tc>
+                  <a:txBody>
+                    <a:bodyPr/>
+                    <a:lstStyle/>
+                    <a:p>
+                      <a:endParaRPr lang="zh-CN" altLang="en-US" dirty="0"/>
+                    </a:p>
+                  </a:txBody>
+                  <a:tcPr/>
+                </a:tc>
+                <a:extLst>
+                  <a:ext uri="{0D108BD9-81ED-4DB2-BD59-A6C34878D82A}">
+                    <a16:rowId xmlns:a16="http://schemas.microsoft.com/office/drawing/2014/main" val="2545095636"/>
+                  </a:ext>
+                </a:extLst>
+              </a:tr>
+            </a:tbl>
+          </a:graphicData>
+        </a:graphic>
+      </p:graphicFrame>
+    </p:spTree>
+    <p:extLst>
+      <p:ext uri="{BB962C8B-B14F-4D97-AF65-F5344CB8AC3E}">
+        <p14:creationId xmlns:p14="http://schemas.microsoft.com/office/powerpoint/2010/main" val="2130668643"/>
+      </p:ext>
+    </p:extLst>
+  </p:cSld>
+  <p:clrMapOvr>
+    <a:masterClrMapping/>
+  </p:clrMapOvr>
+</p:sld>
+</file>
+
 <file path=ppt/theme/theme1.xml><?xml version="1.0" encoding="utf-8"?>
 <a:theme xmlns:a="http://schemas.openxmlformats.org/drawingml/2006/main" name="Office 主题​​">
   <a:themeElements>

--- a/notes/演示.pptx
+++ b/notes/演示.pptx
@@ -4,6 +4,9 @@
   <p:sldMasterIdLst>
     <p:sldMasterId id="2147483648" r:id="rId1"/>
   </p:sldMasterIdLst>
+  <p:notesMasterIdLst>
+    <p:notesMasterId r:id="rId15"/>
+  </p:notesMasterIdLst>
   <p:sldIdLst>
     <p:sldId id="256" r:id="rId2"/>
     <p:sldId id="257" r:id="rId3"/>
@@ -15,6 +18,9 @@
     <p:sldId id="263" r:id="rId9"/>
     <p:sldId id="264" r:id="rId10"/>
     <p:sldId id="265" r:id="rId11"/>
+    <p:sldId id="266" r:id="rId12"/>
+    <p:sldId id="267" r:id="rId13"/>
+    <p:sldId id="268" r:id="rId14"/>
   </p:sldIdLst>
   <p:sldSz cx="12192000" cy="6858000"/>
   <p:notesSz cx="6858000" cy="9144000"/>
@@ -119,6 +125,355 @@
     </p:ext>
   </p:extLst>
 </p:presentation>
+</file>
+
+<file path=ppt/notesMasters/notesMaster1.xml><?xml version="1.0" encoding="utf-8"?>
+<p:notesMaster xmlns:a="http://schemas.openxmlformats.org/drawingml/2006/main" xmlns:r="http://schemas.openxmlformats.org/officeDocument/2006/relationships" xmlns:p="http://schemas.openxmlformats.org/presentationml/2006/main">
+  <p:cSld>
+    <p:bg>
+      <p:bgRef idx="1001">
+        <a:schemeClr val="bg1"/>
+      </p:bgRef>
+    </p:bg>
+    <p:spTree>
+      <p:nvGrpSpPr>
+        <p:cNvPr id="1" name=""/>
+        <p:cNvGrpSpPr/>
+        <p:nvPr/>
+      </p:nvGrpSpPr>
+      <p:grpSpPr>
+        <a:xfrm>
+          <a:off x="0" y="0"/>
+          <a:ext cx="0" cy="0"/>
+          <a:chOff x="0" y="0"/>
+          <a:chExt cx="0" cy="0"/>
+        </a:xfrm>
+      </p:grpSpPr>
+      <p:sp>
+        <p:nvSpPr>
+          <p:cNvPr id="2" name="页眉占位符 1"/>
+          <p:cNvSpPr>
+            <a:spLocks noGrp="1"/>
+          </p:cNvSpPr>
+          <p:nvPr>
+            <p:ph type="hdr" sz="quarter"/>
+          </p:nvPr>
+        </p:nvSpPr>
+        <p:spPr>
+          <a:xfrm>
+            <a:off x="0" y="0"/>
+            <a:ext cx="2971800" cy="458788"/>
+          </a:xfrm>
+          <a:prstGeom prst="rect">
+            <a:avLst/>
+          </a:prstGeom>
+        </p:spPr>
+        <p:txBody>
+          <a:bodyPr vert="horz" lIns="91440" tIns="45720" rIns="91440" bIns="45720" rtlCol="0"/>
+          <a:lstStyle>
+            <a:lvl1pPr algn="l">
+              <a:defRPr sz="1200"/>
+            </a:lvl1pPr>
+          </a:lstStyle>
+          <a:p>
+            <a:endParaRPr kumimoji="1" lang="zh-CN" altLang="en-US"/>
+          </a:p>
+        </p:txBody>
+      </p:sp>
+      <p:sp>
+        <p:nvSpPr>
+          <p:cNvPr id="3" name="日期占位符 2"/>
+          <p:cNvSpPr>
+            <a:spLocks noGrp="1"/>
+          </p:cNvSpPr>
+          <p:nvPr>
+            <p:ph type="dt" idx="1"/>
+          </p:nvPr>
+        </p:nvSpPr>
+        <p:spPr>
+          <a:xfrm>
+            <a:off x="3884613" y="0"/>
+            <a:ext cx="2971800" cy="458788"/>
+          </a:xfrm>
+          <a:prstGeom prst="rect">
+            <a:avLst/>
+          </a:prstGeom>
+        </p:spPr>
+        <p:txBody>
+          <a:bodyPr vert="horz" lIns="91440" tIns="45720" rIns="91440" bIns="45720" rtlCol="0"/>
+          <a:lstStyle>
+            <a:lvl1pPr algn="r">
+              <a:defRPr sz="1200"/>
+            </a:lvl1pPr>
+          </a:lstStyle>
+          <a:p>
+            <a:fld id="{4E4BEC4E-2CA9-7B4A-960D-5AD8761FD9EA}" type="datetimeFigureOut">
+              <a:rPr kumimoji="1" lang="zh-CN" altLang="en-US" smtClean="0"/>
+              <a:t>2021/5/23</a:t>
+            </a:fld>
+            <a:endParaRPr kumimoji="1" lang="zh-CN" altLang="en-US"/>
+          </a:p>
+        </p:txBody>
+      </p:sp>
+      <p:sp>
+        <p:nvSpPr>
+          <p:cNvPr id="4" name="幻灯片图像占位符 3"/>
+          <p:cNvSpPr>
+            <a:spLocks noGrp="1" noRot="1" noChangeAspect="1"/>
+          </p:cNvSpPr>
+          <p:nvPr>
+            <p:ph type="sldImg" idx="2"/>
+          </p:nvPr>
+        </p:nvSpPr>
+        <p:spPr>
+          <a:xfrm>
+            <a:off x="685800" y="1143000"/>
+            <a:ext cx="5486400" cy="3086100"/>
+          </a:xfrm>
+          <a:prstGeom prst="rect">
+            <a:avLst/>
+          </a:prstGeom>
+          <a:noFill/>
+          <a:ln w="12700">
+            <a:solidFill>
+              <a:prstClr val="black"/>
+            </a:solidFill>
+          </a:ln>
+        </p:spPr>
+        <p:txBody>
+          <a:bodyPr vert="horz" lIns="91440" tIns="45720" rIns="91440" bIns="45720" rtlCol="0" anchor="ctr"/>
+          <a:lstStyle/>
+          <a:p>
+            <a:endParaRPr lang="zh-CN" altLang="en-US"/>
+          </a:p>
+        </p:txBody>
+      </p:sp>
+      <p:sp>
+        <p:nvSpPr>
+          <p:cNvPr id="5" name="备注占位符 4"/>
+          <p:cNvSpPr>
+            <a:spLocks noGrp="1"/>
+          </p:cNvSpPr>
+          <p:nvPr>
+            <p:ph type="body" sz="quarter" idx="3"/>
+          </p:nvPr>
+        </p:nvSpPr>
+        <p:spPr>
+          <a:xfrm>
+            <a:off x="685800" y="4400550"/>
+            <a:ext cx="5486400" cy="3600450"/>
+          </a:xfrm>
+          <a:prstGeom prst="rect">
+            <a:avLst/>
+          </a:prstGeom>
+        </p:spPr>
+        <p:txBody>
+          <a:bodyPr vert="horz" lIns="91440" tIns="45720" rIns="91440" bIns="45720" rtlCol="0"/>
+          <a:lstStyle/>
+          <a:p>
+            <a:pPr lvl="0"/>
+            <a:r>
+              <a:rPr kumimoji="1" lang="zh-CN" altLang="en-US"/>
+              <a:t>单击此处编辑母版文本样式</a:t>
+            </a:r>
+          </a:p>
+          <a:p>
+            <a:pPr lvl="1"/>
+            <a:r>
+              <a:rPr kumimoji="1" lang="zh-CN" altLang="en-US"/>
+              <a:t>二级</a:t>
+            </a:r>
+          </a:p>
+          <a:p>
+            <a:pPr lvl="2"/>
+            <a:r>
+              <a:rPr kumimoji="1" lang="zh-CN" altLang="en-US"/>
+              <a:t>三级</a:t>
+            </a:r>
+          </a:p>
+          <a:p>
+            <a:pPr lvl="3"/>
+            <a:r>
+              <a:rPr kumimoji="1" lang="zh-CN" altLang="en-US"/>
+              <a:t>四级</a:t>
+            </a:r>
+          </a:p>
+          <a:p>
+            <a:pPr lvl="4"/>
+            <a:r>
+              <a:rPr kumimoji="1" lang="zh-CN" altLang="en-US"/>
+              <a:t>五级</a:t>
+            </a:r>
+          </a:p>
+        </p:txBody>
+      </p:sp>
+      <p:sp>
+        <p:nvSpPr>
+          <p:cNvPr id="6" name="页脚占位符 5"/>
+          <p:cNvSpPr>
+            <a:spLocks noGrp="1"/>
+          </p:cNvSpPr>
+          <p:nvPr>
+            <p:ph type="ftr" sz="quarter" idx="4"/>
+          </p:nvPr>
+        </p:nvSpPr>
+        <p:spPr>
+          <a:xfrm>
+            <a:off x="0" y="8685213"/>
+            <a:ext cx="2971800" cy="458787"/>
+          </a:xfrm>
+          <a:prstGeom prst="rect">
+            <a:avLst/>
+          </a:prstGeom>
+        </p:spPr>
+        <p:txBody>
+          <a:bodyPr vert="horz" lIns="91440" tIns="45720" rIns="91440" bIns="45720" rtlCol="0" anchor="b"/>
+          <a:lstStyle>
+            <a:lvl1pPr algn="l">
+              <a:defRPr sz="1200"/>
+            </a:lvl1pPr>
+          </a:lstStyle>
+          <a:p>
+            <a:endParaRPr kumimoji="1" lang="zh-CN" altLang="en-US"/>
+          </a:p>
+        </p:txBody>
+      </p:sp>
+      <p:sp>
+        <p:nvSpPr>
+          <p:cNvPr id="7" name="灯片编号占位符 6"/>
+          <p:cNvSpPr>
+            <a:spLocks noGrp="1"/>
+          </p:cNvSpPr>
+          <p:nvPr>
+            <p:ph type="sldNum" sz="quarter" idx="5"/>
+          </p:nvPr>
+        </p:nvSpPr>
+        <p:spPr>
+          <a:xfrm>
+            <a:off x="3884613" y="8685213"/>
+            <a:ext cx="2971800" cy="458787"/>
+          </a:xfrm>
+          <a:prstGeom prst="rect">
+            <a:avLst/>
+          </a:prstGeom>
+        </p:spPr>
+        <p:txBody>
+          <a:bodyPr vert="horz" lIns="91440" tIns="45720" rIns="91440" bIns="45720" rtlCol="0" anchor="b"/>
+          <a:lstStyle>
+            <a:lvl1pPr algn="r">
+              <a:defRPr sz="1200"/>
+            </a:lvl1pPr>
+          </a:lstStyle>
+          <a:p>
+            <a:fld id="{6BCE5492-DA11-3E40-85FD-1ACC03E0520D}" type="slidenum">
+              <a:rPr kumimoji="1" lang="zh-CN" altLang="en-US" smtClean="0"/>
+              <a:t>‹#›</a:t>
+            </a:fld>
+            <a:endParaRPr kumimoji="1" lang="zh-CN" altLang="en-US"/>
+          </a:p>
+        </p:txBody>
+      </p:sp>
+    </p:spTree>
+    <p:extLst>
+      <p:ext uri="{BB962C8B-B14F-4D97-AF65-F5344CB8AC3E}">
+        <p14:creationId xmlns:p14="http://schemas.microsoft.com/office/powerpoint/2010/main" val="4164938203"/>
+      </p:ext>
+    </p:extLst>
+  </p:cSld>
+  <p:clrMap bg1="lt1" tx1="dk1" bg2="lt2" tx2="dk2" accent1="accent1" accent2="accent2" accent3="accent3" accent4="accent4" accent5="accent5" accent6="accent6" hlink="hlink" folHlink="folHlink"/>
+  <p:notesStyle>
+    <a:lvl1pPr marL="0" algn="l" defTabSz="914400" rtl="0" eaLnBrk="1" latinLnBrk="0" hangingPunct="1">
+      <a:defRPr sz="1200" kern="1200">
+        <a:solidFill>
+          <a:schemeClr val="tx1"/>
+        </a:solidFill>
+        <a:latin typeface="+mn-lt"/>
+        <a:ea typeface="+mn-ea"/>
+        <a:cs typeface="+mn-cs"/>
+      </a:defRPr>
+    </a:lvl1pPr>
+    <a:lvl2pPr marL="457200" algn="l" defTabSz="914400" rtl="0" eaLnBrk="1" latinLnBrk="0" hangingPunct="1">
+      <a:defRPr sz="1200" kern="1200">
+        <a:solidFill>
+          <a:schemeClr val="tx1"/>
+        </a:solidFill>
+        <a:latin typeface="+mn-lt"/>
+        <a:ea typeface="+mn-ea"/>
+        <a:cs typeface="+mn-cs"/>
+      </a:defRPr>
+    </a:lvl2pPr>
+    <a:lvl3pPr marL="914400" algn="l" defTabSz="914400" rtl="0" eaLnBrk="1" latinLnBrk="0" hangingPunct="1">
+      <a:defRPr sz="1200" kern="1200">
+        <a:solidFill>
+          <a:schemeClr val="tx1"/>
+        </a:solidFill>
+        <a:latin typeface="+mn-lt"/>
+        <a:ea typeface="+mn-ea"/>
+        <a:cs typeface="+mn-cs"/>
+      </a:defRPr>
+    </a:lvl3pPr>
+    <a:lvl4pPr marL="1371600" algn="l" defTabSz="914400" rtl="0" eaLnBrk="1" latinLnBrk="0" hangingPunct="1">
+      <a:defRPr sz="1200" kern="1200">
+        <a:solidFill>
+          <a:schemeClr val="tx1"/>
+        </a:solidFill>
+        <a:latin typeface="+mn-lt"/>
+        <a:ea typeface="+mn-ea"/>
+        <a:cs typeface="+mn-cs"/>
+      </a:defRPr>
+    </a:lvl4pPr>
+    <a:lvl5pPr marL="1828800" algn="l" defTabSz="914400" rtl="0" eaLnBrk="1" latinLnBrk="0" hangingPunct="1">
+      <a:defRPr sz="1200" kern="1200">
+        <a:solidFill>
+          <a:schemeClr val="tx1"/>
+        </a:solidFill>
+        <a:latin typeface="+mn-lt"/>
+        <a:ea typeface="+mn-ea"/>
+        <a:cs typeface="+mn-cs"/>
+      </a:defRPr>
+    </a:lvl5pPr>
+    <a:lvl6pPr marL="2286000" algn="l" defTabSz="914400" rtl="0" eaLnBrk="1" latinLnBrk="0" hangingPunct="1">
+      <a:defRPr sz="1200" kern="1200">
+        <a:solidFill>
+          <a:schemeClr val="tx1"/>
+        </a:solidFill>
+        <a:latin typeface="+mn-lt"/>
+        <a:ea typeface="+mn-ea"/>
+        <a:cs typeface="+mn-cs"/>
+      </a:defRPr>
+    </a:lvl6pPr>
+    <a:lvl7pPr marL="2743200" algn="l" defTabSz="914400" rtl="0" eaLnBrk="1" latinLnBrk="0" hangingPunct="1">
+      <a:defRPr sz="1200" kern="1200">
+        <a:solidFill>
+          <a:schemeClr val="tx1"/>
+        </a:solidFill>
+        <a:latin typeface="+mn-lt"/>
+        <a:ea typeface="+mn-ea"/>
+        <a:cs typeface="+mn-cs"/>
+      </a:defRPr>
+    </a:lvl7pPr>
+    <a:lvl8pPr marL="3200400" algn="l" defTabSz="914400" rtl="0" eaLnBrk="1" latinLnBrk="0" hangingPunct="1">
+      <a:defRPr sz="1200" kern="1200">
+        <a:solidFill>
+          <a:schemeClr val="tx1"/>
+        </a:solidFill>
+        <a:latin typeface="+mn-lt"/>
+        <a:ea typeface="+mn-ea"/>
+        <a:cs typeface="+mn-cs"/>
+      </a:defRPr>
+    </a:lvl8pPr>
+    <a:lvl9pPr marL="3657600" algn="l" defTabSz="914400" rtl="0" eaLnBrk="1" latinLnBrk="0" hangingPunct="1">
+      <a:defRPr sz="1200" kern="1200">
+        <a:solidFill>
+          <a:schemeClr val="tx1"/>
+        </a:solidFill>
+        <a:latin typeface="+mn-lt"/>
+        <a:ea typeface="+mn-ea"/>
+        <a:cs typeface="+mn-cs"/>
+      </a:defRPr>
+    </a:lvl9pPr>
+  </p:notesStyle>
+</p:notesMaster>
 </file>
 
 <file path=ppt/slideLayouts/slideLayout1.xml><?xml version="1.0" encoding="utf-8"?>
@@ -3662,7 +4017,7 @@
         </p:blipFill>
         <p:spPr bwMode="auto">
           <a:xfrm>
-            <a:off x="591969" y="2152650"/>
+            <a:off x="627479" y="3004906"/>
             <a:ext cx="10795000" cy="2552700"/>
           </a:xfrm>
           <a:prstGeom prst="rect">
@@ -3741,7 +4096,7 @@
         </p:blipFill>
         <p:spPr>
           <a:xfrm>
-            <a:off x="2246051" y="-279427"/>
+            <a:off x="2219418" y="47792"/>
             <a:ext cx="8273988" cy="2505204"/>
           </a:xfrm>
           <a:prstGeom prst="rect">
@@ -3753,6 +4108,895 @@
     <p:extLst>
       <p:ext uri="{BB962C8B-B14F-4D97-AF65-F5344CB8AC3E}">
         <p14:creationId xmlns:p14="http://schemas.microsoft.com/office/powerpoint/2010/main" val="2520674396"/>
+      </p:ext>
+    </p:extLst>
+  </p:cSld>
+  <p:clrMapOvr>
+    <a:masterClrMapping/>
+  </p:clrMapOvr>
+</p:sld>
+</file>
+
+<file path=ppt/slides/slide11.xml><?xml version="1.0" encoding="utf-8"?>
+<p:sld xmlns:a="http://schemas.openxmlformats.org/drawingml/2006/main" xmlns:r="http://schemas.openxmlformats.org/officeDocument/2006/relationships" xmlns:p="http://schemas.openxmlformats.org/presentationml/2006/main">
+  <p:cSld>
+    <p:spTree>
+      <p:nvGrpSpPr>
+        <p:cNvPr id="1" name=""/>
+        <p:cNvGrpSpPr/>
+        <p:nvPr/>
+      </p:nvGrpSpPr>
+      <p:grpSpPr>
+        <a:xfrm>
+          <a:off x="0" y="0"/>
+          <a:ext cx="0" cy="0"/>
+          <a:chOff x="0" y="0"/>
+          <a:chExt cx="0" cy="0"/>
+        </a:xfrm>
+      </p:grpSpPr>
+      <p:sp>
+        <p:nvSpPr>
+          <p:cNvPr id="2" name="文本框 1">
+            <a:extLst>
+              <a:ext uri="{FF2B5EF4-FFF2-40B4-BE49-F238E27FC236}">
+                <a16:creationId xmlns:a16="http://schemas.microsoft.com/office/drawing/2014/main" id="{D7DFED98-0E67-5A40-8274-78C957166B4F}"/>
+              </a:ext>
+            </a:extLst>
+          </p:cNvPr>
+          <p:cNvSpPr txBox="1"/>
+          <p:nvPr/>
+        </p:nvSpPr>
+        <p:spPr>
+          <a:xfrm>
+            <a:off x="7865615" y="2867487"/>
+            <a:ext cx="1384917" cy="1477328"/>
+          </a:xfrm>
+          <a:prstGeom prst="rect">
+            <a:avLst/>
+          </a:prstGeom>
+          <a:noFill/>
+        </p:spPr>
+        <p:txBody>
+          <a:bodyPr wrap="square" rtlCol="0">
+            <a:spAutoFit/>
+          </a:bodyPr>
+          <a:lstStyle/>
+          <a:p>
+            <a:r>
+              <a:rPr kumimoji="1" lang="zh-CN" altLang="en-US" dirty="0"/>
+              <a:t>选择（</a:t>
+            </a:r>
+            <a:r>
+              <a:rPr kumimoji="1" lang="en-US" altLang="zh-CN" dirty="0"/>
+              <a:t>30</a:t>
+            </a:r>
+            <a:r>
+              <a:rPr kumimoji="1" lang="zh-CN" altLang="en-US" dirty="0"/>
+              <a:t>）</a:t>
+            </a:r>
+            <a:endParaRPr kumimoji="1" lang="en-US" altLang="zh-CN" dirty="0"/>
+          </a:p>
+          <a:p>
+            <a:endParaRPr kumimoji="1" lang="en-US" altLang="zh-CN" dirty="0"/>
+          </a:p>
+          <a:p>
+            <a:r>
+              <a:rPr kumimoji="1" lang="zh-CN" altLang="en-US" dirty="0"/>
+              <a:t>填空（</a:t>
+            </a:r>
+            <a:r>
+              <a:rPr kumimoji="1" lang="en-US" altLang="zh-CN" dirty="0"/>
+              <a:t>20</a:t>
+            </a:r>
+            <a:r>
+              <a:rPr kumimoji="1" lang="zh-CN" altLang="en-US" dirty="0"/>
+              <a:t>）</a:t>
+            </a:r>
+            <a:endParaRPr kumimoji="1" lang="en-US" altLang="zh-CN" dirty="0"/>
+          </a:p>
+          <a:p>
+            <a:endParaRPr kumimoji="1" lang="en-US" altLang="zh-CN" dirty="0"/>
+          </a:p>
+          <a:p>
+            <a:r>
+              <a:rPr kumimoji="1" lang="zh-CN" altLang="en-US" dirty="0"/>
+              <a:t>解答（</a:t>
+            </a:r>
+            <a:r>
+              <a:rPr kumimoji="1" lang="en-US" altLang="zh-CN" dirty="0"/>
+              <a:t>50</a:t>
+            </a:r>
+            <a:r>
+              <a:rPr kumimoji="1" lang="zh-CN" altLang="en-US" dirty="0"/>
+              <a:t>）</a:t>
+            </a:r>
+          </a:p>
+        </p:txBody>
+      </p:sp>
+      <p:sp>
+        <p:nvSpPr>
+          <p:cNvPr id="3" name="文本框 2">
+            <a:extLst>
+              <a:ext uri="{FF2B5EF4-FFF2-40B4-BE49-F238E27FC236}">
+                <a16:creationId xmlns:a16="http://schemas.microsoft.com/office/drawing/2014/main" id="{5FB66B8F-5F8D-184F-9472-B747F5B2E4CC}"/>
+              </a:ext>
+            </a:extLst>
+          </p:cNvPr>
+          <p:cNvSpPr txBox="1"/>
+          <p:nvPr/>
+        </p:nvSpPr>
+        <p:spPr>
+          <a:xfrm>
+            <a:off x="4910830" y="2867487"/>
+            <a:ext cx="1384917" cy="1477328"/>
+          </a:xfrm>
+          <a:prstGeom prst="rect">
+            <a:avLst/>
+          </a:prstGeom>
+          <a:noFill/>
+        </p:spPr>
+        <p:txBody>
+          <a:bodyPr wrap="square" rtlCol="0">
+            <a:spAutoFit/>
+          </a:bodyPr>
+          <a:lstStyle/>
+          <a:p>
+            <a:r>
+              <a:rPr kumimoji="1" lang="zh-CN" altLang="en-US" dirty="0"/>
+              <a:t>选择（</a:t>
+            </a:r>
+            <a:r>
+              <a:rPr kumimoji="1" lang="en-US" altLang="zh-CN" dirty="0"/>
+              <a:t>10</a:t>
+            </a:r>
+            <a:r>
+              <a:rPr kumimoji="1" lang="zh-CN" altLang="en-US" dirty="0"/>
+              <a:t>）</a:t>
+            </a:r>
+            <a:endParaRPr kumimoji="1" lang="en-US" altLang="zh-CN" dirty="0"/>
+          </a:p>
+          <a:p>
+            <a:endParaRPr kumimoji="1" lang="en-US" altLang="zh-CN" dirty="0"/>
+          </a:p>
+          <a:p>
+            <a:r>
+              <a:rPr kumimoji="1" lang="zh-CN" altLang="en-US" dirty="0"/>
+              <a:t>填空（</a:t>
+            </a:r>
+            <a:r>
+              <a:rPr kumimoji="1" lang="en-US" altLang="zh-CN" dirty="0"/>
+              <a:t>10</a:t>
+            </a:r>
+            <a:r>
+              <a:rPr kumimoji="1" lang="zh-CN" altLang="en-US" dirty="0"/>
+              <a:t>）</a:t>
+            </a:r>
+            <a:endParaRPr kumimoji="1" lang="en-US" altLang="zh-CN" dirty="0"/>
+          </a:p>
+          <a:p>
+            <a:endParaRPr kumimoji="1" lang="en-US" altLang="zh-CN" dirty="0"/>
+          </a:p>
+          <a:p>
+            <a:r>
+              <a:rPr kumimoji="1" lang="zh-CN" altLang="en-US" dirty="0"/>
+              <a:t>解答（</a:t>
+            </a:r>
+            <a:r>
+              <a:rPr kumimoji="1" lang="en-US" altLang="zh-CN" dirty="0"/>
+              <a:t>20</a:t>
+            </a:r>
+            <a:r>
+              <a:rPr kumimoji="1" lang="zh-CN" altLang="en-US" dirty="0"/>
+              <a:t>）</a:t>
+            </a:r>
+          </a:p>
+        </p:txBody>
+      </p:sp>
+      <p:sp>
+        <p:nvSpPr>
+          <p:cNvPr id="4" name="文本框 3">
+            <a:extLst>
+              <a:ext uri="{FF2B5EF4-FFF2-40B4-BE49-F238E27FC236}">
+                <a16:creationId xmlns:a16="http://schemas.microsoft.com/office/drawing/2014/main" id="{651FE4AD-DA7E-4643-B4BA-0691F330E8F2}"/>
+              </a:ext>
+            </a:extLst>
+          </p:cNvPr>
+          <p:cNvSpPr txBox="1"/>
+          <p:nvPr/>
+        </p:nvSpPr>
+        <p:spPr>
+          <a:xfrm>
+            <a:off x="8158578" y="2201662"/>
+            <a:ext cx="2467993" cy="369332"/>
+          </a:xfrm>
+          <a:prstGeom prst="rect">
+            <a:avLst/>
+          </a:prstGeom>
+          <a:noFill/>
+        </p:spPr>
+        <p:txBody>
+          <a:bodyPr wrap="square" rtlCol="0">
+            <a:spAutoFit/>
+          </a:bodyPr>
+          <a:lstStyle/>
+          <a:p>
+            <a:r>
+              <a:rPr kumimoji="1" lang="en-US" altLang="zh-CN" dirty="0"/>
+              <a:t>target</a:t>
+            </a:r>
+            <a:endParaRPr kumimoji="1" lang="zh-CN" altLang="en-US" dirty="0"/>
+          </a:p>
+        </p:txBody>
+      </p:sp>
+      <p:sp>
+        <p:nvSpPr>
+          <p:cNvPr id="5" name="文本框 4">
+            <a:extLst>
+              <a:ext uri="{FF2B5EF4-FFF2-40B4-BE49-F238E27FC236}">
+                <a16:creationId xmlns:a16="http://schemas.microsoft.com/office/drawing/2014/main" id="{9AEF78F8-EDEF-004B-8785-26152A7C6272}"/>
+              </a:ext>
+            </a:extLst>
+          </p:cNvPr>
+          <p:cNvSpPr txBox="1"/>
+          <p:nvPr/>
+        </p:nvSpPr>
+        <p:spPr>
+          <a:xfrm>
+            <a:off x="5061750" y="2201662"/>
+            <a:ext cx="2467993" cy="369332"/>
+          </a:xfrm>
+          <a:prstGeom prst="rect">
+            <a:avLst/>
+          </a:prstGeom>
+          <a:noFill/>
+        </p:spPr>
+        <p:txBody>
+          <a:bodyPr wrap="square" rtlCol="0">
+            <a:spAutoFit/>
+          </a:bodyPr>
+          <a:lstStyle/>
+          <a:p>
+            <a:r>
+              <a:rPr kumimoji="1" lang="en-US" altLang="zh-CN" dirty="0"/>
+              <a:t>output</a:t>
+            </a:r>
+            <a:endParaRPr kumimoji="1" lang="zh-CN" altLang="en-US" dirty="0"/>
+          </a:p>
+        </p:txBody>
+      </p:sp>
+      <p:sp>
+        <p:nvSpPr>
+          <p:cNvPr id="6" name="文本框 5">
+            <a:extLst>
+              <a:ext uri="{FF2B5EF4-FFF2-40B4-BE49-F238E27FC236}">
+                <a16:creationId xmlns:a16="http://schemas.microsoft.com/office/drawing/2014/main" id="{84C86D1F-8D22-D145-A068-4AEADD8E58F3}"/>
+              </a:ext>
+            </a:extLst>
+          </p:cNvPr>
+          <p:cNvSpPr txBox="1"/>
+          <p:nvPr/>
+        </p:nvSpPr>
+        <p:spPr>
+          <a:xfrm>
+            <a:off x="4989249" y="5095783"/>
+            <a:ext cx="5903651" cy="1200329"/>
+          </a:xfrm>
+          <a:prstGeom prst="rect">
+            <a:avLst/>
+          </a:prstGeom>
+          <a:noFill/>
+        </p:spPr>
+        <p:txBody>
+          <a:bodyPr wrap="square" rtlCol="0">
+            <a:spAutoFit/>
+          </a:bodyPr>
+          <a:lstStyle/>
+          <a:p>
+            <a:r>
+              <a:rPr kumimoji="1" lang="en-US" altLang="zh-CN" dirty="0"/>
+              <a:t>Loss=(30-10)+(20-10)+(50-10)=70</a:t>
+            </a:r>
+          </a:p>
+          <a:p>
+            <a:endParaRPr kumimoji="1" lang="en-US" altLang="zh-CN" dirty="0"/>
+          </a:p>
+          <a:p>
+            <a:pPr marL="342900" indent="-342900">
+              <a:buAutoNum type="arabicPeriod"/>
+            </a:pPr>
+            <a:r>
+              <a:rPr kumimoji="1" lang="zh-CN" altLang="en-US" dirty="0"/>
+              <a:t>计算实际输出和目标之间的差距</a:t>
+            </a:r>
+            <a:endParaRPr kumimoji="1" lang="en-US" altLang="zh-CN" dirty="0"/>
+          </a:p>
+          <a:p>
+            <a:pPr marL="342900" indent="-342900">
+              <a:buAutoNum type="arabicPeriod"/>
+            </a:pPr>
+            <a:r>
+              <a:rPr kumimoji="1" lang="zh-CN" altLang="en-US" dirty="0"/>
+              <a:t>为我们更新输出提供一定的依据（反向传播）</a:t>
+            </a:r>
+            <a:r>
+              <a:rPr kumimoji="1" lang="en-US" altLang="zh-CN" dirty="0"/>
+              <a:t>, grad</a:t>
+            </a:r>
+            <a:endParaRPr kumimoji="1" lang="zh-CN" altLang="en-US" dirty="0"/>
+          </a:p>
+        </p:txBody>
+      </p:sp>
+      <p:sp>
+        <p:nvSpPr>
+          <p:cNvPr id="7" name="文本框 6">
+            <a:extLst>
+              <a:ext uri="{FF2B5EF4-FFF2-40B4-BE49-F238E27FC236}">
+                <a16:creationId xmlns:a16="http://schemas.microsoft.com/office/drawing/2014/main" id="{18CD1516-1988-3F49-A301-14298A956E4B}"/>
+              </a:ext>
+            </a:extLst>
+          </p:cNvPr>
+          <p:cNvSpPr txBox="1"/>
+          <p:nvPr/>
+        </p:nvSpPr>
+        <p:spPr>
+          <a:xfrm>
+            <a:off x="559293" y="985421"/>
+            <a:ext cx="3835154" cy="1200329"/>
+          </a:xfrm>
+          <a:prstGeom prst="rect">
+            <a:avLst/>
+          </a:prstGeom>
+          <a:noFill/>
+        </p:spPr>
+        <p:txBody>
+          <a:bodyPr wrap="square" rtlCol="0">
+            <a:spAutoFit/>
+          </a:bodyPr>
+          <a:lstStyle/>
+          <a:p>
+            <a:r>
+              <a:rPr kumimoji="1" lang="en-US" altLang="zh-CN" dirty="0"/>
+              <a:t>X:1, 2, 3</a:t>
+            </a:r>
+          </a:p>
+          <a:p>
+            <a:r>
+              <a:rPr kumimoji="1" lang="en-US" altLang="zh-CN" dirty="0"/>
+              <a:t>Y:1, 2, 5</a:t>
+            </a:r>
+          </a:p>
+          <a:p>
+            <a:r>
+              <a:rPr kumimoji="1" lang="en-US" altLang="zh-CN" dirty="0"/>
+              <a:t>L1loss = (0+0+2) /3=0.6</a:t>
+            </a:r>
+          </a:p>
+          <a:p>
+            <a:r>
+              <a:rPr kumimoji="1" lang="en-US" altLang="zh-CN" dirty="0"/>
+              <a:t>MSE = (0+0+2^2)/3=4/3=1.333</a:t>
+            </a:r>
+            <a:endParaRPr kumimoji="1" lang="zh-CN" altLang="en-US" dirty="0"/>
+          </a:p>
+        </p:txBody>
+      </p:sp>
+    </p:spTree>
+    <p:extLst>
+      <p:ext uri="{BB962C8B-B14F-4D97-AF65-F5344CB8AC3E}">
+        <p14:creationId xmlns:p14="http://schemas.microsoft.com/office/powerpoint/2010/main" val="2335554738"/>
+      </p:ext>
+    </p:extLst>
+  </p:cSld>
+  <p:clrMapOvr>
+    <a:masterClrMapping/>
+  </p:clrMapOvr>
+</p:sld>
+</file>
+
+<file path=ppt/slides/slide12.xml><?xml version="1.0" encoding="utf-8"?>
+<p:sld xmlns:a="http://schemas.openxmlformats.org/drawingml/2006/main" xmlns:r="http://schemas.openxmlformats.org/officeDocument/2006/relationships" xmlns:p="http://schemas.openxmlformats.org/presentationml/2006/main">
+  <p:cSld>
+    <p:spTree>
+      <p:nvGrpSpPr>
+        <p:cNvPr id="1" name=""/>
+        <p:cNvGrpSpPr/>
+        <p:nvPr/>
+      </p:nvGrpSpPr>
+      <p:grpSpPr>
+        <a:xfrm>
+          <a:off x="0" y="0"/>
+          <a:ext cx="0" cy="0"/>
+          <a:chOff x="0" y="0"/>
+          <a:chExt cx="0" cy="0"/>
+        </a:xfrm>
+      </p:grpSpPr>
+      <p:pic>
+        <p:nvPicPr>
+          <p:cNvPr id="2" name="图片 1">
+            <a:extLst>
+              <a:ext uri="{FF2B5EF4-FFF2-40B4-BE49-F238E27FC236}">
+                <a16:creationId xmlns:a16="http://schemas.microsoft.com/office/drawing/2014/main" id="{F6F87281-CD1F-1C4A-A46C-3379EAF51FBB}"/>
+              </a:ext>
+            </a:extLst>
+          </p:cNvPr>
+          <p:cNvPicPr>
+            <a:picLocks noChangeAspect="1"/>
+          </p:cNvPicPr>
+          <p:nvPr/>
+        </p:nvPicPr>
+        <p:blipFill>
+          <a:blip r:embed="rId2"/>
+          <a:stretch>
+            <a:fillRect/>
+          </a:stretch>
+        </p:blipFill>
+        <p:spPr>
+          <a:xfrm>
+            <a:off x="1308100" y="215345"/>
+            <a:ext cx="9575800" cy="1739900"/>
+          </a:xfrm>
+          <a:prstGeom prst="rect">
+            <a:avLst/>
+          </a:prstGeom>
+        </p:spPr>
+      </p:pic>
+      <p:sp>
+        <p:nvSpPr>
+          <p:cNvPr id="3" name="文本框 2">
+            <a:extLst>
+              <a:ext uri="{FF2B5EF4-FFF2-40B4-BE49-F238E27FC236}">
+                <a16:creationId xmlns:a16="http://schemas.microsoft.com/office/drawing/2014/main" id="{A0226BD6-9CCC-7445-AA3E-7F81BE03D04C}"/>
+              </a:ext>
+            </a:extLst>
+          </p:cNvPr>
+          <p:cNvSpPr txBox="1"/>
+          <p:nvPr/>
+        </p:nvSpPr>
+        <p:spPr>
+          <a:xfrm>
+            <a:off x="6883277" y="1770579"/>
+            <a:ext cx="1932250" cy="646331"/>
+          </a:xfrm>
+          <a:prstGeom prst="rect">
+            <a:avLst/>
+          </a:prstGeom>
+          <a:noFill/>
+        </p:spPr>
+        <p:txBody>
+          <a:bodyPr wrap="square" rtlCol="0">
+            <a:spAutoFit/>
+          </a:bodyPr>
+          <a:lstStyle/>
+          <a:p>
+            <a:r>
+              <a:rPr kumimoji="1" lang="en-US" altLang="zh-CN" dirty="0"/>
+              <a:t>Person, dog, cat</a:t>
+            </a:r>
+          </a:p>
+          <a:p>
+            <a:r>
+              <a:rPr kumimoji="1" lang="en-US" altLang="zh-CN" dirty="0"/>
+              <a:t>0,            1,     2</a:t>
+            </a:r>
+            <a:endParaRPr kumimoji="1" lang="zh-CN" altLang="en-US" dirty="0"/>
+          </a:p>
+        </p:txBody>
+      </p:sp>
+      <p:pic>
+        <p:nvPicPr>
+          <p:cNvPr id="5" name="图片 4">
+            <a:extLst>
+              <a:ext uri="{FF2B5EF4-FFF2-40B4-BE49-F238E27FC236}">
+                <a16:creationId xmlns:a16="http://schemas.microsoft.com/office/drawing/2014/main" id="{6CA7E3D8-7974-6643-AB8B-C11EA2F4855F}"/>
+              </a:ext>
+            </a:extLst>
+          </p:cNvPr>
+          <p:cNvPicPr>
+            <a:picLocks noChangeAspect="1"/>
+          </p:cNvPicPr>
+          <p:nvPr/>
+        </p:nvPicPr>
+        <p:blipFill>
+          <a:blip r:embed="rId3"/>
+          <a:stretch>
+            <a:fillRect/>
+          </a:stretch>
+        </p:blipFill>
+        <p:spPr>
+          <a:xfrm>
+            <a:off x="406215" y="2485070"/>
+            <a:ext cx="1655191" cy="1554367"/>
+          </a:xfrm>
+          <a:prstGeom prst="rect">
+            <a:avLst/>
+          </a:prstGeom>
+        </p:spPr>
+      </p:pic>
+      <p:pic>
+        <p:nvPicPr>
+          <p:cNvPr id="6" name="图片 5">
+            <a:extLst>
+              <a:ext uri="{FF2B5EF4-FFF2-40B4-BE49-F238E27FC236}">
+                <a16:creationId xmlns:a16="http://schemas.microsoft.com/office/drawing/2014/main" id="{0A3DF823-C24D-694A-8A5B-1030ED302F10}"/>
+              </a:ext>
+            </a:extLst>
+          </p:cNvPr>
+          <p:cNvPicPr>
+            <a:picLocks noChangeAspect="1"/>
+          </p:cNvPicPr>
+          <p:nvPr/>
+        </p:nvPicPr>
+        <p:blipFill>
+          <a:blip r:embed="rId4"/>
+          <a:stretch>
+            <a:fillRect/>
+          </a:stretch>
+        </p:blipFill>
+        <p:spPr>
+          <a:xfrm>
+            <a:off x="2938200" y="2453427"/>
+            <a:ext cx="2451100" cy="1562100"/>
+          </a:xfrm>
+          <a:prstGeom prst="rect">
+            <a:avLst/>
+          </a:prstGeom>
+        </p:spPr>
+      </p:pic>
+      <p:sp>
+        <p:nvSpPr>
+          <p:cNvPr id="7" name="文本框 6">
+            <a:extLst>
+              <a:ext uri="{FF2B5EF4-FFF2-40B4-BE49-F238E27FC236}">
+                <a16:creationId xmlns:a16="http://schemas.microsoft.com/office/drawing/2014/main" id="{150D1A11-A0A3-D649-80CD-A8B47A2A6496}"/>
+              </a:ext>
+            </a:extLst>
+          </p:cNvPr>
+          <p:cNvSpPr txBox="1"/>
+          <p:nvPr/>
+        </p:nvSpPr>
+        <p:spPr>
+          <a:xfrm>
+            <a:off x="5956917" y="2741435"/>
+            <a:ext cx="1464815" cy="1200329"/>
+          </a:xfrm>
+          <a:prstGeom prst="rect">
+            <a:avLst/>
+          </a:prstGeom>
+          <a:noFill/>
+        </p:spPr>
+        <p:txBody>
+          <a:bodyPr wrap="square" rtlCol="0">
+            <a:spAutoFit/>
+          </a:bodyPr>
+          <a:lstStyle/>
+          <a:p>
+            <a:r>
+              <a:rPr kumimoji="1" lang="en-US" altLang="zh-CN" dirty="0"/>
+              <a:t>output</a:t>
+            </a:r>
+          </a:p>
+          <a:p>
+            <a:r>
+              <a:rPr kumimoji="1" lang="en-US" altLang="zh-CN" dirty="0"/>
+              <a:t>[0.1, 0.2, 0.3]</a:t>
+            </a:r>
+          </a:p>
+          <a:p>
+            <a:endParaRPr kumimoji="1" lang="en-US" altLang="zh-CN" dirty="0"/>
+          </a:p>
+          <a:p>
+            <a:r>
+              <a:rPr kumimoji="1" lang="en-US" altLang="zh-CN" dirty="0"/>
+              <a:t>x</a:t>
+            </a:r>
+            <a:endParaRPr kumimoji="1" lang="zh-CN" altLang="en-US" dirty="0"/>
+          </a:p>
+        </p:txBody>
+      </p:sp>
+      <p:sp>
+        <p:nvSpPr>
+          <p:cNvPr id="8" name="文本框 7">
+            <a:extLst>
+              <a:ext uri="{FF2B5EF4-FFF2-40B4-BE49-F238E27FC236}">
+                <a16:creationId xmlns:a16="http://schemas.microsoft.com/office/drawing/2014/main" id="{000E1CF9-7305-544E-B6A8-AEB26C727316}"/>
+              </a:ext>
+            </a:extLst>
+          </p:cNvPr>
+          <p:cNvSpPr txBox="1"/>
+          <p:nvPr/>
+        </p:nvSpPr>
+        <p:spPr>
+          <a:xfrm>
+            <a:off x="8632363" y="2782669"/>
+            <a:ext cx="2263683" cy="923330"/>
+          </a:xfrm>
+          <a:prstGeom prst="rect">
+            <a:avLst/>
+          </a:prstGeom>
+          <a:noFill/>
+        </p:spPr>
+        <p:txBody>
+          <a:bodyPr wrap="square" rtlCol="0">
+            <a:spAutoFit/>
+          </a:bodyPr>
+          <a:lstStyle/>
+          <a:p>
+            <a:r>
+              <a:rPr kumimoji="1" lang="en-US" altLang="zh-CN" dirty="0"/>
+              <a:t>Target</a:t>
+            </a:r>
+          </a:p>
+          <a:p>
+            <a:r>
+              <a:rPr kumimoji="1" lang="en-US" altLang="zh-CN" dirty="0"/>
+              <a:t>1</a:t>
+            </a:r>
+          </a:p>
+          <a:p>
+            <a:r>
+              <a:rPr kumimoji="1" lang="en-US" altLang="zh-CN" dirty="0"/>
+              <a:t>class</a:t>
+            </a:r>
+            <a:endParaRPr kumimoji="1" lang="zh-CN" altLang="en-US" dirty="0"/>
+          </a:p>
+        </p:txBody>
+      </p:sp>
+      <p:sp>
+        <p:nvSpPr>
+          <p:cNvPr id="9" name="文本框 8">
+            <a:extLst>
+              <a:ext uri="{FF2B5EF4-FFF2-40B4-BE49-F238E27FC236}">
+                <a16:creationId xmlns:a16="http://schemas.microsoft.com/office/drawing/2014/main" id="{BB941E9B-6D15-D842-8D06-A000432E2BAC}"/>
+              </a:ext>
+            </a:extLst>
+          </p:cNvPr>
+          <p:cNvSpPr txBox="1"/>
+          <p:nvPr/>
+        </p:nvSpPr>
+        <p:spPr>
+          <a:xfrm>
+            <a:off x="3995074" y="4902756"/>
+            <a:ext cx="5512910" cy="369332"/>
+          </a:xfrm>
+          <a:prstGeom prst="rect">
+            <a:avLst/>
+          </a:prstGeom>
+          <a:noFill/>
+        </p:spPr>
+        <p:txBody>
+          <a:bodyPr wrap="square" rtlCol="0">
+            <a:spAutoFit/>
+          </a:bodyPr>
+          <a:lstStyle/>
+          <a:p>
+            <a:r>
+              <a:rPr kumimoji="1" lang="en-US" altLang="zh-CN" dirty="0"/>
+              <a:t>Loss(x, class) = -0.2+log(exp(0.1)+exp(0.2)+exp(0.3))</a:t>
+            </a:r>
+            <a:endParaRPr kumimoji="1" lang="zh-CN" altLang="en-US" dirty="0"/>
+          </a:p>
+        </p:txBody>
+      </p:sp>
+    </p:spTree>
+    <p:extLst>
+      <p:ext uri="{BB962C8B-B14F-4D97-AF65-F5344CB8AC3E}">
+        <p14:creationId xmlns:p14="http://schemas.microsoft.com/office/powerpoint/2010/main" val="997157978"/>
+      </p:ext>
+    </p:extLst>
+  </p:cSld>
+  <p:clrMapOvr>
+    <a:masterClrMapping/>
+  </p:clrMapOvr>
+</p:sld>
+</file>
+
+<file path=ppt/slides/slide13.xml><?xml version="1.0" encoding="utf-8"?>
+<p:sld xmlns:a="http://schemas.openxmlformats.org/drawingml/2006/main" xmlns:r="http://schemas.openxmlformats.org/officeDocument/2006/relationships" xmlns:p="http://schemas.openxmlformats.org/presentationml/2006/main">
+  <p:cSld>
+    <p:spTree>
+      <p:nvGrpSpPr>
+        <p:cNvPr id="1" name=""/>
+        <p:cNvGrpSpPr/>
+        <p:nvPr/>
+      </p:nvGrpSpPr>
+      <p:grpSpPr>
+        <a:xfrm>
+          <a:off x="0" y="0"/>
+          <a:ext cx="0" cy="0"/>
+          <a:chOff x="0" y="0"/>
+          <a:chExt cx="0" cy="0"/>
+        </a:xfrm>
+      </p:grpSpPr>
+      <p:sp>
+        <p:nvSpPr>
+          <p:cNvPr id="2" name="文本框 1">
+            <a:extLst>
+              <a:ext uri="{FF2B5EF4-FFF2-40B4-BE49-F238E27FC236}">
+                <a16:creationId xmlns:a16="http://schemas.microsoft.com/office/drawing/2014/main" id="{579EEA2B-6F10-8A4E-808B-EEDB37EA0335}"/>
+              </a:ext>
+            </a:extLst>
+          </p:cNvPr>
+          <p:cNvSpPr txBox="1"/>
+          <p:nvPr/>
+        </p:nvSpPr>
+        <p:spPr>
+          <a:xfrm>
+            <a:off x="2352583" y="710214"/>
+            <a:ext cx="5495277" cy="369332"/>
+          </a:xfrm>
+          <a:prstGeom prst="rect">
+            <a:avLst/>
+          </a:prstGeom>
+          <a:noFill/>
+        </p:spPr>
+        <p:txBody>
+          <a:bodyPr wrap="square" rtlCol="0">
+            <a:spAutoFit/>
+          </a:bodyPr>
+          <a:lstStyle/>
+          <a:p>
+            <a:r>
+              <a:rPr kumimoji="1" lang="en-US" altLang="zh-CN" dirty="0"/>
+              <a:t>Lr = learning rate </a:t>
+            </a:r>
+            <a:r>
+              <a:rPr kumimoji="1" lang="zh-CN" altLang="en-US" dirty="0"/>
+              <a:t>学习速率</a:t>
+            </a:r>
+          </a:p>
+        </p:txBody>
+      </p:sp>
+      <p:sp>
+        <p:nvSpPr>
+          <p:cNvPr id="3" name="文本框 2">
+            <a:extLst>
+              <a:ext uri="{FF2B5EF4-FFF2-40B4-BE49-F238E27FC236}">
+                <a16:creationId xmlns:a16="http://schemas.microsoft.com/office/drawing/2014/main" id="{CD5114CC-5C4D-D644-ADBE-EA8A291F8F86}"/>
+              </a:ext>
+            </a:extLst>
+          </p:cNvPr>
+          <p:cNvSpPr txBox="1"/>
+          <p:nvPr/>
+        </p:nvSpPr>
+        <p:spPr>
+          <a:xfrm>
+            <a:off x="1242874" y="1890944"/>
+            <a:ext cx="6418555" cy="2862322"/>
+          </a:xfrm>
+          <a:prstGeom prst="rect">
+            <a:avLst/>
+          </a:prstGeom>
+          <a:noFill/>
+        </p:spPr>
+        <p:txBody>
+          <a:bodyPr wrap="square" rtlCol="0">
+            <a:spAutoFit/>
+          </a:bodyPr>
+          <a:lstStyle/>
+          <a:p>
+            <a:r>
+              <a:rPr kumimoji="1" lang="en-US" altLang="zh-CN" dirty="0"/>
+              <a:t>Loss</a:t>
+            </a:r>
+          </a:p>
+          <a:p>
+            <a:r>
+              <a:rPr kumimoji="1" lang="en-US" altLang="zh-CN" dirty="0" err="1"/>
+              <a:t>Optim</a:t>
+            </a:r>
+            <a:endParaRPr kumimoji="1" lang="en-US" altLang="zh-CN" dirty="0"/>
+          </a:p>
+          <a:p>
+            <a:endParaRPr kumimoji="1" lang="en-US" altLang="zh-CN" dirty="0"/>
+          </a:p>
+          <a:p>
+            <a:r>
+              <a:rPr kumimoji="1" lang="en-US" altLang="zh-CN" dirty="0"/>
+              <a:t>For data in </a:t>
+            </a:r>
+            <a:r>
+              <a:rPr kumimoji="1" lang="en-US" altLang="zh-CN" dirty="0" err="1"/>
+              <a:t>dataloader</a:t>
+            </a:r>
+            <a:r>
+              <a:rPr kumimoji="1" lang="en-US" altLang="zh-CN" dirty="0"/>
+              <a:t>:</a:t>
+            </a:r>
+          </a:p>
+          <a:p>
+            <a:r>
+              <a:rPr kumimoji="1" lang="en-US" altLang="zh-CN" dirty="0"/>
+              <a:t>	</a:t>
+            </a:r>
+            <a:r>
+              <a:rPr kumimoji="1" lang="en-US" altLang="zh-CN" dirty="0" err="1"/>
+              <a:t>imgs</a:t>
+            </a:r>
+            <a:r>
+              <a:rPr kumimoji="1" lang="en-US" altLang="zh-CN" dirty="0"/>
+              <a:t>, targets = data</a:t>
+            </a:r>
+          </a:p>
+          <a:p>
+            <a:r>
+              <a:rPr kumimoji="1" lang="en-US" altLang="zh-CN" dirty="0"/>
+              <a:t>	output = model(</a:t>
+            </a:r>
+            <a:r>
+              <a:rPr kumimoji="1" lang="en-US" altLang="zh-CN" dirty="0" err="1"/>
+              <a:t>imgs</a:t>
+            </a:r>
+            <a:r>
+              <a:rPr kumimoji="1" lang="en-US" altLang="zh-CN" dirty="0"/>
+              <a:t>)</a:t>
+            </a:r>
+          </a:p>
+          <a:p>
+            <a:r>
+              <a:rPr kumimoji="1" lang="en-US" altLang="zh-CN" dirty="0"/>
+              <a:t>	</a:t>
+            </a:r>
+            <a:r>
+              <a:rPr kumimoji="1" lang="en-US" altLang="zh-CN" dirty="0" err="1"/>
+              <a:t>loss_result</a:t>
+            </a:r>
+            <a:r>
+              <a:rPr kumimoji="1" lang="en-US" altLang="zh-CN" dirty="0"/>
+              <a:t> = loss(output, targets)</a:t>
+            </a:r>
+          </a:p>
+          <a:p>
+            <a:r>
+              <a:rPr kumimoji="1" lang="en-US" altLang="zh-CN" dirty="0"/>
+              <a:t>	</a:t>
+            </a:r>
+            <a:r>
+              <a:rPr kumimoji="1" lang="en-US" altLang="zh-CN" dirty="0" err="1"/>
+              <a:t>optim.zero_grad</a:t>
+            </a:r>
+            <a:r>
+              <a:rPr kumimoji="1" lang="en-US" altLang="zh-CN" dirty="0"/>
+              <a:t>()</a:t>
+            </a:r>
+          </a:p>
+          <a:p>
+            <a:r>
+              <a:rPr kumimoji="1" lang="en-US" altLang="zh-CN" dirty="0"/>
+              <a:t>	</a:t>
+            </a:r>
+            <a:r>
+              <a:rPr kumimoji="1" lang="en-US" altLang="zh-CN" dirty="0" err="1"/>
+              <a:t>loss_result.backward</a:t>
+            </a:r>
+            <a:r>
+              <a:rPr kumimoji="1" lang="en-US" altLang="zh-CN" dirty="0"/>
+              <a:t>()</a:t>
+            </a:r>
+          </a:p>
+          <a:p>
+            <a:r>
+              <a:rPr kumimoji="1" lang="en-US" altLang="zh-CN" dirty="0"/>
+              <a:t>	</a:t>
+            </a:r>
+            <a:r>
+              <a:rPr kumimoji="1" lang="en-US" altLang="zh-CN" dirty="0" err="1"/>
+              <a:t>optim.step</a:t>
+            </a:r>
+            <a:r>
+              <a:rPr kumimoji="1" lang="en-US" altLang="zh-CN"/>
+              <a:t>(</a:t>
+            </a:r>
+            <a:r>
+              <a:rPr kumimoji="1" lang="en-US" altLang="zh-CN" dirty="0"/>
+              <a:t>)</a:t>
+            </a:r>
+          </a:p>
+        </p:txBody>
+      </p:sp>
+    </p:spTree>
+    <p:extLst>
+      <p:ext uri="{BB962C8B-B14F-4D97-AF65-F5344CB8AC3E}">
+        <p14:creationId xmlns:p14="http://schemas.microsoft.com/office/powerpoint/2010/main" val="1188152626"/>
       </p:ext>
     </p:extLst>
   </p:cSld>
@@ -19924,4 +21168,299 @@
     </a:ext>
   </a:extLst>
 </a:theme>
+</file>
+
+<file path=ppt/theme/theme2.xml><?xml version="1.0" encoding="utf-8"?>
+<a:theme xmlns:a="http://schemas.openxmlformats.org/drawingml/2006/main" name="Office 主题​​">
+  <a:themeElements>
+    <a:clrScheme name="Office">
+      <a:dk1>
+        <a:sysClr val="windowText" lastClr="000000"/>
+      </a:dk1>
+      <a:lt1>
+        <a:sysClr val="window" lastClr="FFFFFF"/>
+      </a:lt1>
+      <a:dk2>
+        <a:srgbClr val="44546A"/>
+      </a:dk2>
+      <a:lt2>
+        <a:srgbClr val="E7E6E6"/>
+      </a:lt2>
+      <a:accent1>
+        <a:srgbClr val="4472C4"/>
+      </a:accent1>
+      <a:accent2>
+        <a:srgbClr val="ED7D31"/>
+      </a:accent2>
+      <a:accent3>
+        <a:srgbClr val="A5A5A5"/>
+      </a:accent3>
+      <a:accent4>
+        <a:srgbClr val="FFC000"/>
+      </a:accent4>
+      <a:accent5>
+        <a:srgbClr val="5B9BD5"/>
+      </a:accent5>
+      <a:accent6>
+        <a:srgbClr val="70AD47"/>
+      </a:accent6>
+      <a:hlink>
+        <a:srgbClr val="0563C1"/>
+      </a:hlink>
+      <a:folHlink>
+        <a:srgbClr val="954F72"/>
+      </a:folHlink>
+    </a:clrScheme>
+    <a:fontScheme name="Office">
+      <a:majorFont>
+        <a:latin typeface="等线 Light" panose="020F0302020204030204"/>
+        <a:ea typeface=""/>
+        <a:cs typeface=""/>
+        <a:font script="Jpan" typeface="游ゴシック Light"/>
+        <a:font script="Hang" typeface="맑은 고딕"/>
+        <a:font script="Hans" typeface="等线 Light"/>
+        <a:font script="Hant" typeface="新細明體"/>
+        <a:font script="Arab" typeface="Times New Roman"/>
+        <a:font script="Hebr" typeface="Times New Roman"/>
+        <a:font script="Thai" typeface="Angsana New"/>
+        <a:font script="Ethi" typeface="Nyala"/>
+        <a:font script="Beng" typeface="Vrinda"/>
+        <a:font script="Gujr" typeface="Shruti"/>
+        <a:font script="Khmr" typeface="MoolBoran"/>
+        <a:font script="Knda" typeface="Tunga"/>
+        <a:font script="Guru" typeface="Raavi"/>
+        <a:font script="Cans" typeface="Euphemia"/>
+        <a:font script="Cher" typeface="Plantagenet Cherokee"/>
+        <a:font script="Yiii" typeface="Microsoft Yi Baiti"/>
+        <a:font script="Tibt" typeface="Microsoft Himalaya"/>
+        <a:font script="Thaa" typeface="MV Boli"/>
+        <a:font script="Deva" typeface="Mangal"/>
+        <a:font script="Telu" typeface="Gautami"/>
+        <a:font script="Taml" typeface="Latha"/>
+        <a:font script="Syrc" typeface="Estrangelo Edessa"/>
+        <a:font script="Orya" typeface="Kalinga"/>
+        <a:font script="Mlym" typeface="Kartika"/>
+        <a:font script="Laoo" typeface="DokChampa"/>
+        <a:font script="Sinh" typeface="Iskoola Pota"/>
+        <a:font script="Mong" typeface="Mongolian Baiti"/>
+        <a:font script="Viet" typeface="Times New Roman"/>
+        <a:font script="Uigh" typeface="Microsoft Uighur"/>
+        <a:font script="Geor" typeface="Sylfaen"/>
+        <a:font script="Armn" typeface="Arial"/>
+        <a:font script="Bugi" typeface="Leelawadee UI"/>
+        <a:font script="Bopo" typeface="Microsoft JhengHei"/>
+        <a:font script="Java" typeface="Javanese Text"/>
+        <a:font script="Lisu" typeface="Segoe UI"/>
+        <a:font script="Mymr" typeface="Myanmar Text"/>
+        <a:font script="Nkoo" typeface="Ebrima"/>
+        <a:font script="Olck" typeface="Nirmala UI"/>
+        <a:font script="Osma" typeface="Ebrima"/>
+        <a:font script="Phag" typeface="Phagspa"/>
+        <a:font script="Syrn" typeface="Estrangelo Edessa"/>
+        <a:font script="Syrj" typeface="Estrangelo Edessa"/>
+        <a:font script="Syre" typeface="Estrangelo Edessa"/>
+        <a:font script="Sora" typeface="Nirmala UI"/>
+        <a:font script="Tale" typeface="Microsoft Tai Le"/>
+        <a:font script="Talu" typeface="Microsoft New Tai Lue"/>
+        <a:font script="Tfng" typeface="Ebrima"/>
+      </a:majorFont>
+      <a:minorFont>
+        <a:latin typeface="等线" panose="020F0502020204030204"/>
+        <a:ea typeface=""/>
+        <a:cs typeface=""/>
+        <a:font script="Jpan" typeface="游ゴシック"/>
+        <a:font script="Hang" typeface="맑은 고딕"/>
+        <a:font script="Hans" typeface="等线"/>
+        <a:font script="Hant" typeface="新細明體"/>
+        <a:font script="Arab" typeface="Arial"/>
+        <a:font script="Hebr" typeface="Arial"/>
+        <a:font script="Thai" typeface="Cordia New"/>
+        <a:font script="Ethi" typeface="Nyala"/>
+        <a:font script="Beng" typeface="Vrinda"/>
+        <a:font script="Gujr" typeface="Shruti"/>
+        <a:font script="Khmr" typeface="DaunPenh"/>
+        <a:font script="Knda" typeface="Tunga"/>
+        <a:font script="Guru" typeface="Raavi"/>
+        <a:font script="Cans" typeface="Euphemia"/>
+        <a:font script="Cher" typeface="Plantagenet Cherokee"/>
+        <a:font script="Yiii" typeface="Microsoft Yi Baiti"/>
+        <a:font script="Tibt" typeface="Microsoft Himalaya"/>
+        <a:font script="Thaa" typeface="MV Boli"/>
+        <a:font script="Deva" typeface="Mangal"/>
+        <a:font script="Telu" typeface="Gautami"/>
+        <a:font script="Taml" typeface="Latha"/>
+        <a:font script="Syrc" typeface="Estrangelo Edessa"/>
+        <a:font script="Orya" typeface="Kalinga"/>
+        <a:font script="Mlym" typeface="Kartika"/>
+        <a:font script="Laoo" typeface="DokChampa"/>
+        <a:font script="Sinh" typeface="Iskoola Pota"/>
+        <a:font script="Mong" typeface="Mongolian Baiti"/>
+        <a:font script="Viet" typeface="Arial"/>
+        <a:font script="Uigh" typeface="Microsoft Uighur"/>
+        <a:font script="Geor" typeface="Sylfaen"/>
+        <a:font script="Armn" typeface="Arial"/>
+        <a:font script="Bugi" typeface="Leelawadee UI"/>
+        <a:font script="Bopo" typeface="Microsoft JhengHei"/>
+        <a:font script="Java" typeface="Javanese Text"/>
+        <a:font script="Lisu" typeface="Segoe UI"/>
+        <a:font script="Mymr" typeface="Myanmar Text"/>
+        <a:font script="Nkoo" typeface="Ebrima"/>
+        <a:font script="Olck" typeface="Nirmala UI"/>
+        <a:font script="Osma" typeface="Ebrima"/>
+        <a:font script="Phag" typeface="Phagspa"/>
+        <a:font script="Syrn" typeface="Estrangelo Edessa"/>
+        <a:font script="Syrj" typeface="Estrangelo Edessa"/>
+        <a:font script="Syre" typeface="Estrangelo Edessa"/>
+        <a:font script="Sora" typeface="Nirmala UI"/>
+        <a:font script="Tale" typeface="Microsoft Tai Le"/>
+        <a:font script="Talu" typeface="Microsoft New Tai Lue"/>
+        <a:font script="Tfng" typeface="Ebrima"/>
+      </a:minorFont>
+    </a:fontScheme>
+    <a:fmtScheme name="Office">
+      <a:fillStyleLst>
+        <a:solidFill>
+          <a:schemeClr val="phClr"/>
+        </a:solidFill>
+        <a:gradFill rotWithShape="1">
+          <a:gsLst>
+            <a:gs pos="0">
+              <a:schemeClr val="phClr">
+                <a:lumMod val="110000"/>
+                <a:satMod val="105000"/>
+                <a:tint val="67000"/>
+              </a:schemeClr>
+            </a:gs>
+            <a:gs pos="50000">
+              <a:schemeClr val="phClr">
+                <a:lumMod val="105000"/>
+                <a:satMod val="103000"/>
+                <a:tint val="73000"/>
+              </a:schemeClr>
+            </a:gs>
+            <a:gs pos="100000">
+              <a:schemeClr val="phClr">
+                <a:lumMod val="105000"/>
+                <a:satMod val="109000"/>
+                <a:tint val="81000"/>
+              </a:schemeClr>
+            </a:gs>
+          </a:gsLst>
+          <a:lin ang="5400000" scaled="0"/>
+        </a:gradFill>
+        <a:gradFill rotWithShape="1">
+          <a:gsLst>
+            <a:gs pos="0">
+              <a:schemeClr val="phClr">
+                <a:satMod val="103000"/>
+                <a:lumMod val="102000"/>
+                <a:tint val="94000"/>
+              </a:schemeClr>
+            </a:gs>
+            <a:gs pos="50000">
+              <a:schemeClr val="phClr">
+                <a:satMod val="110000"/>
+                <a:lumMod val="100000"/>
+                <a:shade val="100000"/>
+              </a:schemeClr>
+            </a:gs>
+            <a:gs pos="100000">
+              <a:schemeClr val="phClr">
+                <a:lumMod val="99000"/>
+                <a:satMod val="120000"/>
+                <a:shade val="78000"/>
+              </a:schemeClr>
+            </a:gs>
+          </a:gsLst>
+          <a:lin ang="5400000" scaled="0"/>
+        </a:gradFill>
+      </a:fillStyleLst>
+      <a:lnStyleLst>
+        <a:ln w="6350" cap="flat" cmpd="sng" algn="ctr">
+          <a:solidFill>
+            <a:schemeClr val="phClr"/>
+          </a:solidFill>
+          <a:prstDash val="solid"/>
+          <a:miter lim="800000"/>
+        </a:ln>
+        <a:ln w="12700" cap="flat" cmpd="sng" algn="ctr">
+          <a:solidFill>
+            <a:schemeClr val="phClr"/>
+          </a:solidFill>
+          <a:prstDash val="solid"/>
+          <a:miter lim="800000"/>
+        </a:ln>
+        <a:ln w="19050" cap="flat" cmpd="sng" algn="ctr">
+          <a:solidFill>
+            <a:schemeClr val="phClr"/>
+          </a:solidFill>
+          <a:prstDash val="solid"/>
+          <a:miter lim="800000"/>
+        </a:ln>
+      </a:lnStyleLst>
+      <a:effectStyleLst>
+        <a:effectStyle>
+          <a:effectLst/>
+        </a:effectStyle>
+        <a:effectStyle>
+          <a:effectLst/>
+        </a:effectStyle>
+        <a:effectStyle>
+          <a:effectLst>
+            <a:outerShdw blurRad="57150" dist="19050" dir="5400000" algn="ctr" rotWithShape="0">
+              <a:srgbClr val="000000">
+                <a:alpha val="63000"/>
+              </a:srgbClr>
+            </a:outerShdw>
+          </a:effectLst>
+        </a:effectStyle>
+      </a:effectStyleLst>
+      <a:bgFillStyleLst>
+        <a:solidFill>
+          <a:schemeClr val="phClr"/>
+        </a:solidFill>
+        <a:solidFill>
+          <a:schemeClr val="phClr">
+            <a:tint val="95000"/>
+            <a:satMod val="170000"/>
+          </a:schemeClr>
+        </a:solidFill>
+        <a:gradFill rotWithShape="1">
+          <a:gsLst>
+            <a:gs pos="0">
+              <a:schemeClr val="phClr">
+                <a:tint val="93000"/>
+                <a:satMod val="150000"/>
+                <a:shade val="98000"/>
+                <a:lumMod val="102000"/>
+              </a:schemeClr>
+            </a:gs>
+            <a:gs pos="50000">
+              <a:schemeClr val="phClr">
+                <a:tint val="98000"/>
+                <a:satMod val="130000"/>
+                <a:shade val="90000"/>
+                <a:lumMod val="103000"/>
+              </a:schemeClr>
+            </a:gs>
+            <a:gs pos="100000">
+              <a:schemeClr val="phClr">
+                <a:shade val="63000"/>
+                <a:satMod val="120000"/>
+              </a:schemeClr>
+            </a:gs>
+          </a:gsLst>
+          <a:lin ang="5400000" scaled="0"/>
+        </a:gradFill>
+      </a:bgFillStyleLst>
+    </a:fmtScheme>
+  </a:themeElements>
+  <a:objectDefaults/>
+  <a:extraClrSchemeLst/>
+  <a:extLst>
+    <a:ext uri="{05A4C25C-085E-4340-85A3-A5531E510DB2}">
+      <thm15:themeFamily xmlns:thm15="http://schemas.microsoft.com/office/thememl/2012/main" name="Office Theme" id="{62F939B6-93AF-4DB8-9C6B-D6C7DFDC589F}" vid="{4A3C46E8-61CC-4603-A589-7422A47A8E4A}"/>
+    </a:ext>
+  </a:extLst>
+</a:theme>
 </file>
--- a/notes/演示.pptx
+++ b/notes/演示.pptx
@@ -5,7 +5,7 @@
     <p:sldMasterId id="2147483648" r:id="rId1"/>
   </p:sldMasterIdLst>
   <p:notesMasterIdLst>
-    <p:notesMasterId r:id="rId15"/>
+    <p:notesMasterId r:id="rId19"/>
   </p:notesMasterIdLst>
   <p:sldIdLst>
     <p:sldId id="256" r:id="rId2"/>
@@ -21,6 +21,10 @@
     <p:sldId id="266" r:id="rId12"/>
     <p:sldId id="267" r:id="rId13"/>
     <p:sldId id="268" r:id="rId14"/>
+    <p:sldId id="269" r:id="rId15"/>
+    <p:sldId id="270" r:id="rId16"/>
+    <p:sldId id="271" r:id="rId17"/>
+    <p:sldId id="272" r:id="rId18"/>
   </p:sldIdLst>
   <p:sldSz cx="12192000" cy="6858000"/>
   <p:notesSz cx="6858000" cy="9144000"/>
@@ -209,7 +213,7 @@
           <a:p>
             <a:fld id="{4E4BEC4E-2CA9-7B4A-960D-5AD8761FD9EA}" type="datetimeFigureOut">
               <a:rPr kumimoji="1" lang="zh-CN" altLang="en-US" smtClean="0"/>
-              <a:t>2021/5/23</a:t>
+              <a:t>2021/5/30</a:t>
             </a:fld>
             <a:endParaRPr kumimoji="1" lang="zh-CN" altLang="en-US"/>
           </a:p>
@@ -623,7 +627,7 @@
           <a:p>
             <a:fld id="{1B839DDA-FDEA-D74D-B0E8-579EAEAB0023}" type="datetimeFigureOut">
               <a:rPr kumimoji="1" lang="zh-CN" altLang="en-US" smtClean="0"/>
-              <a:t>2021/5/22</a:t>
+              <a:t>2021/5/30</a:t>
             </a:fld>
             <a:endParaRPr kumimoji="1" lang="zh-CN" altLang="en-US"/>
           </a:p>
@@ -821,7 +825,7 @@
           <a:p>
             <a:fld id="{1B839DDA-FDEA-D74D-B0E8-579EAEAB0023}" type="datetimeFigureOut">
               <a:rPr kumimoji="1" lang="zh-CN" altLang="en-US" smtClean="0"/>
-              <a:t>2021/5/22</a:t>
+              <a:t>2021/5/30</a:t>
             </a:fld>
             <a:endParaRPr kumimoji="1" lang="zh-CN" altLang="en-US"/>
           </a:p>
@@ -1029,7 +1033,7 @@
           <a:p>
             <a:fld id="{1B839DDA-FDEA-D74D-B0E8-579EAEAB0023}" type="datetimeFigureOut">
               <a:rPr kumimoji="1" lang="zh-CN" altLang="en-US" smtClean="0"/>
-              <a:t>2021/5/22</a:t>
+              <a:t>2021/5/30</a:t>
             </a:fld>
             <a:endParaRPr kumimoji="1" lang="zh-CN" altLang="en-US"/>
           </a:p>
@@ -1227,7 +1231,7 @@
           <a:p>
             <a:fld id="{1B839DDA-FDEA-D74D-B0E8-579EAEAB0023}" type="datetimeFigureOut">
               <a:rPr kumimoji="1" lang="zh-CN" altLang="en-US" smtClean="0"/>
-              <a:t>2021/5/22</a:t>
+              <a:t>2021/5/30</a:t>
             </a:fld>
             <a:endParaRPr kumimoji="1" lang="zh-CN" altLang="en-US"/>
           </a:p>
@@ -1502,7 +1506,7 @@
           <a:p>
             <a:fld id="{1B839DDA-FDEA-D74D-B0E8-579EAEAB0023}" type="datetimeFigureOut">
               <a:rPr kumimoji="1" lang="zh-CN" altLang="en-US" smtClean="0"/>
-              <a:t>2021/5/22</a:t>
+              <a:t>2021/5/30</a:t>
             </a:fld>
             <a:endParaRPr kumimoji="1" lang="zh-CN" altLang="en-US"/>
           </a:p>
@@ -1767,7 +1771,7 @@
           <a:p>
             <a:fld id="{1B839DDA-FDEA-D74D-B0E8-579EAEAB0023}" type="datetimeFigureOut">
               <a:rPr kumimoji="1" lang="zh-CN" altLang="en-US" smtClean="0"/>
-              <a:t>2021/5/22</a:t>
+              <a:t>2021/5/30</a:t>
             </a:fld>
             <a:endParaRPr kumimoji="1" lang="zh-CN" altLang="en-US"/>
           </a:p>
@@ -2179,7 +2183,7 @@
           <a:p>
             <a:fld id="{1B839DDA-FDEA-D74D-B0E8-579EAEAB0023}" type="datetimeFigureOut">
               <a:rPr kumimoji="1" lang="zh-CN" altLang="en-US" smtClean="0"/>
-              <a:t>2021/5/22</a:t>
+              <a:t>2021/5/30</a:t>
             </a:fld>
             <a:endParaRPr kumimoji="1" lang="zh-CN" altLang="en-US"/>
           </a:p>
@@ -2320,7 +2324,7 @@
           <a:p>
             <a:fld id="{1B839DDA-FDEA-D74D-B0E8-579EAEAB0023}" type="datetimeFigureOut">
               <a:rPr kumimoji="1" lang="zh-CN" altLang="en-US" smtClean="0"/>
-              <a:t>2021/5/22</a:t>
+              <a:t>2021/5/30</a:t>
             </a:fld>
             <a:endParaRPr kumimoji="1" lang="zh-CN" altLang="en-US"/>
           </a:p>
@@ -2433,7 +2437,7 @@
           <a:p>
             <a:fld id="{1B839DDA-FDEA-D74D-B0E8-579EAEAB0023}" type="datetimeFigureOut">
               <a:rPr kumimoji="1" lang="zh-CN" altLang="en-US" smtClean="0"/>
-              <a:t>2021/5/22</a:t>
+              <a:t>2021/5/30</a:t>
             </a:fld>
             <a:endParaRPr kumimoji="1" lang="zh-CN" altLang="en-US"/>
           </a:p>
@@ -2744,7 +2748,7 @@
           <a:p>
             <a:fld id="{1B839DDA-FDEA-D74D-B0E8-579EAEAB0023}" type="datetimeFigureOut">
               <a:rPr kumimoji="1" lang="zh-CN" altLang="en-US" smtClean="0"/>
-              <a:t>2021/5/22</a:t>
+              <a:t>2021/5/30</a:t>
             </a:fld>
             <a:endParaRPr kumimoji="1" lang="zh-CN" altLang="en-US"/>
           </a:p>
@@ -3032,7 +3036,7 @@
           <a:p>
             <a:fld id="{1B839DDA-FDEA-D74D-B0E8-579EAEAB0023}" type="datetimeFigureOut">
               <a:rPr kumimoji="1" lang="zh-CN" altLang="en-US" smtClean="0"/>
-              <a:t>2021/5/22</a:t>
+              <a:t>2021/5/30</a:t>
             </a:fld>
             <a:endParaRPr kumimoji="1" lang="zh-CN" altLang="en-US"/>
           </a:p>
@@ -3273,7 +3277,7 @@
           <a:p>
             <a:fld id="{1B839DDA-FDEA-D74D-B0E8-579EAEAB0023}" type="datetimeFigureOut">
               <a:rPr kumimoji="1" lang="zh-CN" altLang="en-US" smtClean="0"/>
-              <a:t>2021/5/22</a:t>
+              <a:t>2021/5/30</a:t>
             </a:fld>
             <a:endParaRPr kumimoji="1" lang="zh-CN" altLang="en-US"/>
           </a:p>
@@ -4997,6 +5001,612 @@
     <p:extLst>
       <p:ext uri="{BB962C8B-B14F-4D97-AF65-F5344CB8AC3E}">
         <p14:creationId xmlns:p14="http://schemas.microsoft.com/office/powerpoint/2010/main" val="1188152626"/>
+      </p:ext>
+    </p:extLst>
+  </p:cSld>
+  <p:clrMapOvr>
+    <a:masterClrMapping/>
+  </p:clrMapOvr>
+</p:sld>
+</file>
+
+<file path=ppt/slides/slide14.xml><?xml version="1.0" encoding="utf-8"?>
+<p:sld xmlns:a="http://schemas.openxmlformats.org/drawingml/2006/main" xmlns:r="http://schemas.openxmlformats.org/officeDocument/2006/relationships" xmlns:p="http://schemas.openxmlformats.org/presentationml/2006/main">
+  <p:cSld>
+    <p:spTree>
+      <p:nvGrpSpPr>
+        <p:cNvPr id="1" name=""/>
+        <p:cNvGrpSpPr/>
+        <p:nvPr/>
+      </p:nvGrpSpPr>
+      <p:grpSpPr>
+        <a:xfrm>
+          <a:off x="0" y="0"/>
+          <a:ext cx="0" cy="0"/>
+          <a:chOff x="0" y="0"/>
+          <a:chExt cx="0" cy="0"/>
+        </a:xfrm>
+      </p:grpSpPr>
+      <p:sp>
+        <p:nvSpPr>
+          <p:cNvPr id="2" name="文本框 1">
+            <a:extLst>
+              <a:ext uri="{FF2B5EF4-FFF2-40B4-BE49-F238E27FC236}">
+                <a16:creationId xmlns:a16="http://schemas.microsoft.com/office/drawing/2014/main" id="{686C561D-F5A6-0840-88E3-1E8E85CB1EAC}"/>
+              </a:ext>
+            </a:extLst>
+          </p:cNvPr>
+          <p:cNvSpPr txBox="1"/>
+          <p:nvPr/>
+        </p:nvSpPr>
+        <p:spPr>
+          <a:xfrm>
+            <a:off x="3657600" y="1340527"/>
+            <a:ext cx="6951216" cy="2862322"/>
+          </a:xfrm>
+          <a:prstGeom prst="rect">
+            <a:avLst/>
+          </a:prstGeom>
+          <a:noFill/>
+        </p:spPr>
+        <p:txBody>
+          <a:bodyPr wrap="square" rtlCol="0">
+            <a:spAutoFit/>
+          </a:bodyPr>
+          <a:lstStyle/>
+          <a:p>
+            <a:r>
+              <a:rPr kumimoji="1" lang="zh-CN" altLang="en-US" dirty="0"/>
+              <a:t>模型的保存和加载</a:t>
+            </a:r>
+            <a:endParaRPr kumimoji="1" lang="en-US" altLang="zh-CN" dirty="0"/>
+          </a:p>
+          <a:p>
+            <a:endParaRPr kumimoji="1" lang="en-US" altLang="zh-CN" dirty="0"/>
+          </a:p>
+          <a:p>
+            <a:r>
+              <a:rPr kumimoji="1" lang="zh-CN" altLang="en-US" dirty="0"/>
+              <a:t>完整的模型训练套路（以</a:t>
+            </a:r>
+            <a:r>
+              <a:rPr kumimoji="1" lang="en-US" altLang="zh-CN" dirty="0"/>
+              <a:t>CIFAR10</a:t>
+            </a:r>
+            <a:r>
+              <a:rPr kumimoji="1" lang="zh-CN" altLang="en-US" dirty="0"/>
+              <a:t>数据集）</a:t>
+            </a:r>
+            <a:endParaRPr kumimoji="1" lang="en-US" altLang="zh-CN" dirty="0"/>
+          </a:p>
+          <a:p>
+            <a:endParaRPr kumimoji="1" lang="en-US" altLang="zh-CN" dirty="0"/>
+          </a:p>
+          <a:p>
+            <a:r>
+              <a:rPr kumimoji="1" lang="en-US" altLang="zh-CN" dirty="0"/>
+              <a:t>GPU</a:t>
+            </a:r>
+            <a:r>
+              <a:rPr kumimoji="1" lang="zh-CN" altLang="en-US" dirty="0"/>
+              <a:t>训练</a:t>
+            </a:r>
+            <a:endParaRPr kumimoji="1" lang="en-US" altLang="zh-CN" dirty="0"/>
+          </a:p>
+          <a:p>
+            <a:endParaRPr kumimoji="1" lang="en-US" altLang="zh-CN" dirty="0"/>
+          </a:p>
+          <a:p>
+            <a:r>
+              <a:rPr kumimoji="1" lang="zh-CN" altLang="en-US" dirty="0"/>
+              <a:t>完整的模型验证</a:t>
+            </a:r>
+            <a:r>
+              <a:rPr kumimoji="1" lang="en-US" altLang="zh-CN" dirty="0"/>
+              <a:t>(</a:t>
+            </a:r>
+            <a:r>
+              <a:rPr kumimoji="1" lang="zh-CN" altLang="en-US" dirty="0"/>
+              <a:t>测试，</a:t>
+            </a:r>
+            <a:r>
+              <a:rPr kumimoji="1" lang="en-US" altLang="zh-CN" dirty="0"/>
+              <a:t>demo)</a:t>
+            </a:r>
+            <a:r>
+              <a:rPr kumimoji="1" lang="zh-CN" altLang="en-US" dirty="0"/>
+              <a:t>套路</a:t>
+            </a:r>
+            <a:r>
+              <a:rPr kumimoji="1" lang="en-US" altLang="zh-CN" dirty="0"/>
+              <a:t>-</a:t>
+            </a:r>
+            <a:r>
+              <a:rPr kumimoji="1" lang="zh-CN" altLang="en-US" dirty="0"/>
+              <a:t>利用已经训练好的模型，然后给它提供输入</a:t>
+            </a:r>
+            <a:endParaRPr kumimoji="1" lang="en-US" altLang="zh-CN" dirty="0"/>
+          </a:p>
+          <a:p>
+            <a:endParaRPr kumimoji="1" lang="en-US" altLang="zh-CN" dirty="0"/>
+          </a:p>
+          <a:p>
+            <a:r>
+              <a:rPr kumimoji="1" lang="zh-CN" altLang="en-US" dirty="0"/>
+              <a:t>再来看一下</a:t>
+            </a:r>
+            <a:r>
+              <a:rPr kumimoji="1" lang="en-US" altLang="zh-CN" dirty="0"/>
+              <a:t>GitHub</a:t>
+            </a:r>
+          </a:p>
+        </p:txBody>
+      </p:sp>
+    </p:spTree>
+    <p:extLst>
+      <p:ext uri="{BB962C8B-B14F-4D97-AF65-F5344CB8AC3E}">
+        <p14:creationId xmlns:p14="http://schemas.microsoft.com/office/powerpoint/2010/main" val="660512855"/>
+      </p:ext>
+    </p:extLst>
+  </p:cSld>
+  <p:clrMapOvr>
+    <a:masterClrMapping/>
+  </p:clrMapOvr>
+</p:sld>
+</file>
+
+<file path=ppt/slides/slide15.xml><?xml version="1.0" encoding="utf-8"?>
+<p:sld xmlns:a="http://schemas.openxmlformats.org/drawingml/2006/main" xmlns:r="http://schemas.openxmlformats.org/officeDocument/2006/relationships" xmlns:p="http://schemas.openxmlformats.org/presentationml/2006/main">
+  <p:cSld>
+    <p:spTree>
+      <p:nvGrpSpPr>
+        <p:cNvPr id="1" name=""/>
+        <p:cNvGrpSpPr/>
+        <p:nvPr/>
+      </p:nvGrpSpPr>
+      <p:grpSpPr>
+        <a:xfrm>
+          <a:off x="0" y="0"/>
+          <a:ext cx="0" cy="0"/>
+          <a:chOff x="0" y="0"/>
+          <a:chExt cx="0" cy="0"/>
+        </a:xfrm>
+      </p:grpSpPr>
+      <p:sp>
+        <p:nvSpPr>
+          <p:cNvPr id="2" name="文本框 1">
+            <a:extLst>
+              <a:ext uri="{FF2B5EF4-FFF2-40B4-BE49-F238E27FC236}">
+                <a16:creationId xmlns:a16="http://schemas.microsoft.com/office/drawing/2014/main" id="{A9D08990-79D2-A14C-9B99-9B6A511EA0D1}"/>
+              </a:ext>
+            </a:extLst>
+          </p:cNvPr>
+          <p:cNvSpPr txBox="1"/>
+          <p:nvPr/>
+        </p:nvSpPr>
+        <p:spPr>
+          <a:xfrm>
+            <a:off x="967666" y="656948"/>
+            <a:ext cx="6560598" cy="7294305"/>
+          </a:xfrm>
+          <a:prstGeom prst="rect">
+            <a:avLst/>
+          </a:prstGeom>
+          <a:noFill/>
+        </p:spPr>
+        <p:txBody>
+          <a:bodyPr wrap="square" rtlCol="0">
+            <a:spAutoFit/>
+          </a:bodyPr>
+          <a:lstStyle/>
+          <a:p>
+            <a:r>
+              <a:rPr kumimoji="1" lang="en-US" altLang="zh-CN" dirty="0"/>
+              <a:t>2 x input</a:t>
+            </a:r>
+          </a:p>
+          <a:p>
+            <a:endParaRPr kumimoji="1" lang="en-US" altLang="zh-CN" dirty="0"/>
+          </a:p>
+          <a:p>
+            <a:r>
+              <a:rPr kumimoji="1" lang="en-US" altLang="zh-CN" dirty="0"/>
+              <a:t>Model(2</a:t>
+            </a:r>
+            <a:r>
+              <a:rPr kumimoji="1" lang="zh-CN" altLang="en-US" dirty="0"/>
+              <a:t>分类）</a:t>
+            </a:r>
+            <a:endParaRPr kumimoji="1" lang="en-US" altLang="zh-CN" dirty="0"/>
+          </a:p>
+          <a:p>
+            <a:endParaRPr kumimoji="1" lang="en-US" altLang="zh-CN" dirty="0"/>
+          </a:p>
+          <a:p>
+            <a:r>
+              <a:rPr kumimoji="1" lang="en-US" altLang="zh-CN" dirty="0"/>
+              <a:t>Outputs = </a:t>
+            </a:r>
+          </a:p>
+          <a:p>
+            <a:r>
+              <a:rPr kumimoji="1" lang="en-US" altLang="zh-CN" dirty="0"/>
+              <a:t>[0.1, 0.2]</a:t>
+            </a:r>
+          </a:p>
+          <a:p>
+            <a:r>
+              <a:rPr kumimoji="1" lang="en-US" altLang="zh-CN" dirty="0"/>
+              <a:t>[0.3, 0.4]</a:t>
+            </a:r>
+          </a:p>
+          <a:p>
+            <a:endParaRPr kumimoji="1" lang="en-US" altLang="zh-CN" dirty="0"/>
+          </a:p>
+          <a:p>
+            <a:r>
+              <a:rPr kumimoji="1" lang="en-US" altLang="zh-CN" dirty="0"/>
+              <a:t> 0.    1</a:t>
+            </a:r>
+          </a:p>
+          <a:p>
+            <a:endParaRPr kumimoji="1" lang="en-US" altLang="zh-CN" dirty="0"/>
+          </a:p>
+          <a:p>
+            <a:endParaRPr kumimoji="1" lang="en-US" altLang="zh-CN" dirty="0"/>
+          </a:p>
+          <a:p>
+            <a:r>
+              <a:rPr kumimoji="1" lang="en-US" altLang="zh-CN" dirty="0"/>
+              <a:t>Argmax</a:t>
+            </a:r>
+          </a:p>
+          <a:p>
+            <a:endParaRPr kumimoji="1" lang="en-US" altLang="zh-CN" dirty="0"/>
+          </a:p>
+          <a:p>
+            <a:r>
+              <a:rPr kumimoji="1" lang="en-US" altLang="zh-CN" dirty="0" err="1"/>
+              <a:t>Preds</a:t>
+            </a:r>
+            <a:r>
+              <a:rPr kumimoji="1" lang="en-US" altLang="zh-CN" dirty="0"/>
+              <a:t> = [1]</a:t>
+            </a:r>
+          </a:p>
+          <a:p>
+            <a:r>
+              <a:rPr kumimoji="1" lang="en-US" altLang="zh-CN" dirty="0"/>
+              <a:t>	[1]</a:t>
+            </a:r>
+          </a:p>
+          <a:p>
+            <a:endParaRPr kumimoji="1" lang="en-US" altLang="zh-CN" dirty="0"/>
+          </a:p>
+          <a:p>
+            <a:r>
+              <a:rPr kumimoji="1" lang="en-US" altLang="zh-CN" dirty="0"/>
+              <a:t>Inputs target = [0][1]</a:t>
+            </a:r>
+          </a:p>
+          <a:p>
+            <a:endParaRPr kumimoji="1" lang="en-US" altLang="zh-CN" dirty="0"/>
+          </a:p>
+          <a:p>
+            <a:endParaRPr kumimoji="1" lang="en-US" altLang="zh-CN" dirty="0"/>
+          </a:p>
+          <a:p>
+            <a:r>
+              <a:rPr kumimoji="1" lang="en-US" altLang="zh-CN" dirty="0" err="1"/>
+              <a:t>Preds</a:t>
+            </a:r>
+            <a:r>
+              <a:rPr kumimoji="1" lang="en-US" altLang="zh-CN" dirty="0"/>
+              <a:t> == inputs target</a:t>
+            </a:r>
+          </a:p>
+          <a:p>
+            <a:endParaRPr kumimoji="1" lang="en-US" altLang="zh-CN" dirty="0"/>
+          </a:p>
+          <a:p>
+            <a:r>
+              <a:rPr kumimoji="1" lang="en-US" altLang="zh-CN" dirty="0"/>
+              <a:t>[false, true].sum() = 1</a:t>
+            </a:r>
+          </a:p>
+          <a:p>
+            <a:endParaRPr kumimoji="1" lang="en-US" altLang="zh-CN" dirty="0"/>
+          </a:p>
+          <a:p>
+            <a:endParaRPr kumimoji="1" lang="en-US" altLang="zh-CN" dirty="0"/>
+          </a:p>
+          <a:p>
+            <a:endParaRPr kumimoji="1" lang="en-US" altLang="zh-CN" dirty="0"/>
+          </a:p>
+          <a:p>
+            <a:endParaRPr kumimoji="1" lang="zh-CN" altLang="en-US" dirty="0"/>
+          </a:p>
+        </p:txBody>
+      </p:sp>
+    </p:spTree>
+    <p:extLst>
+      <p:ext uri="{BB962C8B-B14F-4D97-AF65-F5344CB8AC3E}">
+        <p14:creationId xmlns:p14="http://schemas.microsoft.com/office/powerpoint/2010/main" val="4101760269"/>
+      </p:ext>
+    </p:extLst>
+  </p:cSld>
+  <p:clrMapOvr>
+    <a:masterClrMapping/>
+  </p:clrMapOvr>
+</p:sld>
+</file>
+
+<file path=ppt/slides/slide16.xml><?xml version="1.0" encoding="utf-8"?>
+<p:sld xmlns:a="http://schemas.openxmlformats.org/drawingml/2006/main" xmlns:r="http://schemas.openxmlformats.org/officeDocument/2006/relationships" xmlns:p="http://schemas.openxmlformats.org/presentationml/2006/main">
+  <p:cSld>
+    <p:spTree>
+      <p:nvGrpSpPr>
+        <p:cNvPr id="1" name=""/>
+        <p:cNvGrpSpPr/>
+        <p:nvPr/>
+      </p:nvGrpSpPr>
+      <p:grpSpPr>
+        <a:xfrm>
+          <a:off x="0" y="0"/>
+          <a:ext cx="0" cy="0"/>
+          <a:chOff x="0" y="0"/>
+          <a:chExt cx="0" cy="0"/>
+        </a:xfrm>
+      </p:grpSpPr>
+      <p:sp>
+        <p:nvSpPr>
+          <p:cNvPr id="2" name="文本框 1">
+            <a:extLst>
+              <a:ext uri="{FF2B5EF4-FFF2-40B4-BE49-F238E27FC236}">
+                <a16:creationId xmlns:a16="http://schemas.microsoft.com/office/drawing/2014/main" id="{7F6EFDC1-1104-6D48-BBAC-8E493A569B3C}"/>
+              </a:ext>
+            </a:extLst>
+          </p:cNvPr>
+          <p:cNvSpPr txBox="1"/>
+          <p:nvPr/>
+        </p:nvSpPr>
+        <p:spPr>
+          <a:xfrm>
+            <a:off x="1127464" y="887767"/>
+            <a:ext cx="4190260" cy="2031325"/>
+          </a:xfrm>
+          <a:prstGeom prst="rect">
+            <a:avLst/>
+          </a:prstGeom>
+          <a:noFill/>
+        </p:spPr>
+        <p:txBody>
+          <a:bodyPr wrap="square" rtlCol="0">
+            <a:spAutoFit/>
+          </a:bodyPr>
+          <a:lstStyle/>
+          <a:p>
+            <a:r>
+              <a:rPr kumimoji="1" lang="zh-CN" altLang="en-US" dirty="0"/>
+              <a:t>网络模型</a:t>
+            </a:r>
+            <a:endParaRPr kumimoji="1" lang="en-US" altLang="zh-CN" dirty="0"/>
+          </a:p>
+          <a:p>
+            <a:endParaRPr kumimoji="1" lang="en-US" altLang="zh-CN" dirty="0"/>
+          </a:p>
+          <a:p>
+            <a:r>
+              <a:rPr kumimoji="1" lang="zh-CN" altLang="en-US" dirty="0"/>
+              <a:t>数据（输入，标注）</a:t>
+            </a:r>
+            <a:endParaRPr kumimoji="1" lang="en-US" altLang="zh-CN" dirty="0"/>
+          </a:p>
+          <a:p>
+            <a:endParaRPr kumimoji="1" lang="en-US" altLang="zh-CN" dirty="0"/>
+          </a:p>
+          <a:p>
+            <a:r>
+              <a:rPr kumimoji="1" lang="zh-CN" altLang="en-US" dirty="0"/>
+              <a:t>损失函数</a:t>
+            </a:r>
+            <a:endParaRPr kumimoji="1" lang="en-US" altLang="zh-CN" dirty="0"/>
+          </a:p>
+          <a:p>
+            <a:endParaRPr kumimoji="1" lang="en-US" altLang="zh-CN" dirty="0"/>
+          </a:p>
+          <a:p>
+            <a:r>
+              <a:rPr kumimoji="1" lang="en-US" altLang="zh-CN" dirty="0"/>
+              <a:t>.</a:t>
+            </a:r>
+            <a:r>
+              <a:rPr kumimoji="1" lang="en-US" altLang="zh-CN" dirty="0" err="1"/>
+              <a:t>cuda</a:t>
+            </a:r>
+            <a:r>
+              <a:rPr kumimoji="1" lang="en-US" altLang="zh-CN" dirty="0"/>
+              <a:t>()</a:t>
+            </a:r>
+            <a:endParaRPr kumimoji="1" lang="zh-CN" altLang="en-US" dirty="0"/>
+          </a:p>
+        </p:txBody>
+      </p:sp>
+      <p:sp>
+        <p:nvSpPr>
+          <p:cNvPr id="3" name="文本框 2">
+            <a:extLst>
+              <a:ext uri="{FF2B5EF4-FFF2-40B4-BE49-F238E27FC236}">
+                <a16:creationId xmlns:a16="http://schemas.microsoft.com/office/drawing/2014/main" id="{3D247BA4-CD7A-C24F-B38E-63BDD1EB1C32}"/>
+              </a:ext>
+            </a:extLst>
+          </p:cNvPr>
+          <p:cNvSpPr txBox="1"/>
+          <p:nvPr/>
+        </p:nvSpPr>
+        <p:spPr>
+          <a:xfrm>
+            <a:off x="6755907" y="807868"/>
+            <a:ext cx="4500978" cy="2862322"/>
+          </a:xfrm>
+          <a:prstGeom prst="rect">
+            <a:avLst/>
+          </a:prstGeom>
+          <a:noFill/>
+        </p:spPr>
+        <p:txBody>
+          <a:bodyPr wrap="square" rtlCol="0">
+            <a:spAutoFit/>
+          </a:bodyPr>
+          <a:lstStyle/>
+          <a:p>
+            <a:r>
+              <a:rPr kumimoji="1" lang="en-US" altLang="zh-CN" dirty="0"/>
+              <a:t>.to(device)</a:t>
+            </a:r>
+          </a:p>
+          <a:p>
+            <a:endParaRPr kumimoji="1" lang="en-US" altLang="zh-CN" dirty="0"/>
+          </a:p>
+          <a:p>
+            <a:r>
+              <a:rPr kumimoji="1" lang="en-US" altLang="zh-CN" dirty="0"/>
+              <a:t>Device = </a:t>
+            </a:r>
+            <a:r>
+              <a:rPr kumimoji="1" lang="en-US" altLang="zh-CN" dirty="0" err="1"/>
+              <a:t>torch.device</a:t>
+            </a:r>
+            <a:r>
+              <a:rPr kumimoji="1" lang="en-US" altLang="zh-CN" dirty="0"/>
+              <a:t>(“</a:t>
+            </a:r>
+            <a:r>
+              <a:rPr kumimoji="1" lang="en-US" altLang="zh-CN" dirty="0" err="1"/>
+              <a:t>cpu</a:t>
+            </a:r>
+            <a:r>
+              <a:rPr kumimoji="1" lang="en-US" altLang="zh-CN" dirty="0"/>
+              <a:t>”)</a:t>
+            </a:r>
+          </a:p>
+          <a:p>
+            <a:endParaRPr kumimoji="1" lang="en-US" altLang="zh-CN" dirty="0"/>
+          </a:p>
+          <a:p>
+            <a:endParaRPr kumimoji="1" lang="en-US" altLang="zh-CN" dirty="0"/>
+          </a:p>
+          <a:p>
+            <a:r>
+              <a:rPr kumimoji="1" lang="en-US" altLang="zh-CN" dirty="0" err="1"/>
+              <a:t>Torch.device</a:t>
+            </a:r>
+            <a:r>
+              <a:rPr kumimoji="1" lang="en-US" altLang="zh-CN" dirty="0"/>
+              <a:t>(“</a:t>
+            </a:r>
+            <a:r>
+              <a:rPr kumimoji="1" lang="en-US" altLang="zh-CN" dirty="0" err="1"/>
+              <a:t>cuda</a:t>
+            </a:r>
+            <a:r>
+              <a:rPr kumimoji="1" lang="en-US" altLang="zh-CN" dirty="0"/>
+              <a:t>”)</a:t>
+            </a:r>
+          </a:p>
+          <a:p>
+            <a:endParaRPr kumimoji="1" lang="en-US" altLang="zh-CN" dirty="0"/>
+          </a:p>
+          <a:p>
+            <a:r>
+              <a:rPr kumimoji="1" lang="en-US" altLang="zh-CN" dirty="0" err="1"/>
+              <a:t>Torch.device</a:t>
+            </a:r>
+            <a:r>
+              <a:rPr kumimoji="1" lang="en-US" altLang="zh-CN" dirty="0"/>
+              <a:t>(“cuda:0”)</a:t>
+            </a:r>
+          </a:p>
+          <a:p>
+            <a:endParaRPr kumimoji="1" lang="en-US" altLang="zh-CN" dirty="0"/>
+          </a:p>
+          <a:p>
+            <a:r>
+              <a:rPr kumimoji="1" lang="en-US" altLang="zh-CN" dirty="0" err="1"/>
+              <a:t>Torch.device</a:t>
+            </a:r>
+            <a:r>
+              <a:rPr kumimoji="1" lang="en-US" altLang="zh-CN" dirty="0"/>
+              <a:t>(“cuda:1”)</a:t>
+            </a:r>
+            <a:endParaRPr kumimoji="1" lang="zh-CN" altLang="en-US" dirty="0"/>
+          </a:p>
+        </p:txBody>
+      </p:sp>
+    </p:spTree>
+    <p:extLst>
+      <p:ext uri="{BB962C8B-B14F-4D97-AF65-F5344CB8AC3E}">
+        <p14:creationId xmlns:p14="http://schemas.microsoft.com/office/powerpoint/2010/main" val="1803975883"/>
+      </p:ext>
+    </p:extLst>
+  </p:cSld>
+  <p:clrMapOvr>
+    <a:masterClrMapping/>
+  </p:clrMapOvr>
+</p:sld>
+</file>
+
+<file path=ppt/slides/slide17.xml><?xml version="1.0" encoding="utf-8"?>
+<p:sld xmlns:a="http://schemas.openxmlformats.org/drawingml/2006/main" xmlns:r="http://schemas.openxmlformats.org/officeDocument/2006/relationships" xmlns:p="http://schemas.openxmlformats.org/presentationml/2006/main">
+  <p:cSld>
+    <p:spTree>
+      <p:nvGrpSpPr>
+        <p:cNvPr id="1" name=""/>
+        <p:cNvGrpSpPr/>
+        <p:nvPr/>
+      </p:nvGrpSpPr>
+      <p:grpSpPr>
+        <a:xfrm>
+          <a:off x="0" y="0"/>
+          <a:ext cx="0" cy="0"/>
+          <a:chOff x="0" y="0"/>
+          <a:chExt cx="0" cy="0"/>
+        </a:xfrm>
+      </p:grpSpPr>
+      <p:pic>
+        <p:nvPicPr>
+          <p:cNvPr id="2" name="图片 1">
+            <a:extLst>
+              <a:ext uri="{FF2B5EF4-FFF2-40B4-BE49-F238E27FC236}">
+                <a16:creationId xmlns:a16="http://schemas.microsoft.com/office/drawing/2014/main" id="{6E396138-BD69-8047-9C34-9B81D48C856E}"/>
+              </a:ext>
+            </a:extLst>
+          </p:cNvPr>
+          <p:cNvPicPr>
+            <a:picLocks noChangeAspect="1"/>
+          </p:cNvPicPr>
+          <p:nvPr/>
+        </p:nvPicPr>
+        <p:blipFill>
+          <a:blip r:embed="rId2"/>
+          <a:stretch>
+            <a:fillRect/>
+          </a:stretch>
+        </p:blipFill>
+        <p:spPr>
+          <a:xfrm>
+            <a:off x="1511300" y="1384978"/>
+            <a:ext cx="9169400" cy="3111500"/>
+          </a:xfrm>
+          <a:prstGeom prst="rect">
+            <a:avLst/>
+          </a:prstGeom>
+        </p:spPr>
+      </p:pic>
+    </p:spTree>
+    <p:extLst>
+      <p:ext uri="{BB962C8B-B14F-4D97-AF65-F5344CB8AC3E}">
+        <p14:creationId xmlns:p14="http://schemas.microsoft.com/office/powerpoint/2010/main" val="3495814872"/>
       </p:ext>
     </p:extLst>
   </p:cSld>

--- a/notes/演示.pptx
+++ b/notes/演示.pptx
@@ -5,7 +5,7 @@
     <p:sldMasterId id="2147483648" r:id="rId1"/>
   </p:sldMasterIdLst>
   <p:notesMasterIdLst>
-    <p:notesMasterId r:id="rId19"/>
+    <p:notesMasterId r:id="rId20"/>
   </p:notesMasterIdLst>
   <p:sldIdLst>
     <p:sldId id="256" r:id="rId2"/>
@@ -25,6 +25,7 @@
     <p:sldId id="270" r:id="rId16"/>
     <p:sldId id="271" r:id="rId17"/>
     <p:sldId id="272" r:id="rId18"/>
+    <p:sldId id="273" r:id="rId19"/>
   </p:sldIdLst>
   <p:sldSz cx="12192000" cy="6858000"/>
   <p:notesSz cx="6858000" cy="9144000"/>
@@ -213,7 +214,7 @@
           <a:p>
             <a:fld id="{4E4BEC4E-2CA9-7B4A-960D-5AD8761FD9EA}" type="datetimeFigureOut">
               <a:rPr kumimoji="1" lang="zh-CN" altLang="en-US" smtClean="0"/>
-              <a:t>2021/5/30</a:t>
+              <a:t>2021/6/2</a:t>
             </a:fld>
             <a:endParaRPr kumimoji="1" lang="zh-CN" altLang="en-US"/>
           </a:p>
@@ -627,7 +628,7 @@
           <a:p>
             <a:fld id="{1B839DDA-FDEA-D74D-B0E8-579EAEAB0023}" type="datetimeFigureOut">
               <a:rPr kumimoji="1" lang="zh-CN" altLang="en-US" smtClean="0"/>
-              <a:t>2021/5/30</a:t>
+              <a:t>2021/6/2</a:t>
             </a:fld>
             <a:endParaRPr kumimoji="1" lang="zh-CN" altLang="en-US"/>
           </a:p>
@@ -825,7 +826,7 @@
           <a:p>
             <a:fld id="{1B839DDA-FDEA-D74D-B0E8-579EAEAB0023}" type="datetimeFigureOut">
               <a:rPr kumimoji="1" lang="zh-CN" altLang="en-US" smtClean="0"/>
-              <a:t>2021/5/30</a:t>
+              <a:t>2021/6/2</a:t>
             </a:fld>
             <a:endParaRPr kumimoji="1" lang="zh-CN" altLang="en-US"/>
           </a:p>
@@ -1033,7 +1034,7 @@
           <a:p>
             <a:fld id="{1B839DDA-FDEA-D74D-B0E8-579EAEAB0023}" type="datetimeFigureOut">
               <a:rPr kumimoji="1" lang="zh-CN" altLang="en-US" smtClean="0"/>
-              <a:t>2021/5/30</a:t>
+              <a:t>2021/6/2</a:t>
             </a:fld>
             <a:endParaRPr kumimoji="1" lang="zh-CN" altLang="en-US"/>
           </a:p>
@@ -1231,7 +1232,7 @@
           <a:p>
             <a:fld id="{1B839DDA-FDEA-D74D-B0E8-579EAEAB0023}" type="datetimeFigureOut">
               <a:rPr kumimoji="1" lang="zh-CN" altLang="en-US" smtClean="0"/>
-              <a:t>2021/5/30</a:t>
+              <a:t>2021/6/2</a:t>
             </a:fld>
             <a:endParaRPr kumimoji="1" lang="zh-CN" altLang="en-US"/>
           </a:p>
@@ -1506,7 +1507,7 @@
           <a:p>
             <a:fld id="{1B839DDA-FDEA-D74D-B0E8-579EAEAB0023}" type="datetimeFigureOut">
               <a:rPr kumimoji="1" lang="zh-CN" altLang="en-US" smtClean="0"/>
-              <a:t>2021/5/30</a:t>
+              <a:t>2021/6/2</a:t>
             </a:fld>
             <a:endParaRPr kumimoji="1" lang="zh-CN" altLang="en-US"/>
           </a:p>
@@ -1771,7 +1772,7 @@
           <a:p>
             <a:fld id="{1B839DDA-FDEA-D74D-B0E8-579EAEAB0023}" type="datetimeFigureOut">
               <a:rPr kumimoji="1" lang="zh-CN" altLang="en-US" smtClean="0"/>
-              <a:t>2021/5/30</a:t>
+              <a:t>2021/6/2</a:t>
             </a:fld>
             <a:endParaRPr kumimoji="1" lang="zh-CN" altLang="en-US"/>
           </a:p>
@@ -2183,7 +2184,7 @@
           <a:p>
             <a:fld id="{1B839DDA-FDEA-D74D-B0E8-579EAEAB0023}" type="datetimeFigureOut">
               <a:rPr kumimoji="1" lang="zh-CN" altLang="en-US" smtClean="0"/>
-              <a:t>2021/5/30</a:t>
+              <a:t>2021/6/2</a:t>
             </a:fld>
             <a:endParaRPr kumimoji="1" lang="zh-CN" altLang="en-US"/>
           </a:p>
@@ -2324,7 +2325,7 @@
           <a:p>
             <a:fld id="{1B839DDA-FDEA-D74D-B0E8-579EAEAB0023}" type="datetimeFigureOut">
               <a:rPr kumimoji="1" lang="zh-CN" altLang="en-US" smtClean="0"/>
-              <a:t>2021/5/30</a:t>
+              <a:t>2021/6/2</a:t>
             </a:fld>
             <a:endParaRPr kumimoji="1" lang="zh-CN" altLang="en-US"/>
           </a:p>
@@ -2437,7 +2438,7 @@
           <a:p>
             <a:fld id="{1B839DDA-FDEA-D74D-B0E8-579EAEAB0023}" type="datetimeFigureOut">
               <a:rPr kumimoji="1" lang="zh-CN" altLang="en-US" smtClean="0"/>
-              <a:t>2021/5/30</a:t>
+              <a:t>2021/6/2</a:t>
             </a:fld>
             <a:endParaRPr kumimoji="1" lang="zh-CN" altLang="en-US"/>
           </a:p>
@@ -2748,7 +2749,7 @@
           <a:p>
             <a:fld id="{1B839DDA-FDEA-D74D-B0E8-579EAEAB0023}" type="datetimeFigureOut">
               <a:rPr kumimoji="1" lang="zh-CN" altLang="en-US" smtClean="0"/>
-              <a:t>2021/5/30</a:t>
+              <a:t>2021/6/2</a:t>
             </a:fld>
             <a:endParaRPr kumimoji="1" lang="zh-CN" altLang="en-US"/>
           </a:p>
@@ -3036,7 +3037,7 @@
           <a:p>
             <a:fld id="{1B839DDA-FDEA-D74D-B0E8-579EAEAB0023}" type="datetimeFigureOut">
               <a:rPr kumimoji="1" lang="zh-CN" altLang="en-US" smtClean="0"/>
-              <a:t>2021/5/30</a:t>
+              <a:t>2021/6/2</a:t>
             </a:fld>
             <a:endParaRPr kumimoji="1" lang="zh-CN" altLang="en-US"/>
           </a:p>
@@ -3277,7 +3278,7 @@
           <a:p>
             <a:fld id="{1B839DDA-FDEA-D74D-B0E8-579EAEAB0023}" type="datetimeFigureOut">
               <a:rPr kumimoji="1" lang="zh-CN" altLang="en-US" smtClean="0"/>
-              <a:t>2021/5/30</a:t>
+              <a:t>2021/6/2</a:t>
             </a:fld>
             <a:endParaRPr kumimoji="1" lang="zh-CN" altLang="en-US"/>
           </a:p>
@@ -5607,6 +5608,176 @@
     <p:extLst>
       <p:ext uri="{BB962C8B-B14F-4D97-AF65-F5344CB8AC3E}">
         <p14:creationId xmlns:p14="http://schemas.microsoft.com/office/powerpoint/2010/main" val="3495814872"/>
+      </p:ext>
+    </p:extLst>
+  </p:cSld>
+  <p:clrMapOvr>
+    <a:masterClrMapping/>
+  </p:clrMapOvr>
+</p:sld>
+</file>
+
+<file path=ppt/slides/slide18.xml><?xml version="1.0" encoding="utf-8"?>
+<p:sld xmlns:a="http://schemas.openxmlformats.org/drawingml/2006/main" xmlns:r="http://schemas.openxmlformats.org/officeDocument/2006/relationships" xmlns:p="http://schemas.openxmlformats.org/presentationml/2006/main">
+  <p:cSld>
+    <p:spTree>
+      <p:nvGrpSpPr>
+        <p:cNvPr id="1" name=""/>
+        <p:cNvGrpSpPr/>
+        <p:nvPr/>
+      </p:nvGrpSpPr>
+      <p:grpSpPr>
+        <a:xfrm>
+          <a:off x="0" y="0"/>
+          <a:ext cx="0" cy="0"/>
+          <a:chOff x="0" y="0"/>
+          <a:chExt cx="0" cy="0"/>
+        </a:xfrm>
+      </p:grpSpPr>
+      <p:pic>
+        <p:nvPicPr>
+          <p:cNvPr id="2" name="图片 1">
+            <a:extLst>
+              <a:ext uri="{FF2B5EF4-FFF2-40B4-BE49-F238E27FC236}">
+                <a16:creationId xmlns:a16="http://schemas.microsoft.com/office/drawing/2014/main" id="{A8AC2D54-29B4-C14B-B430-F844CFAA4065}"/>
+              </a:ext>
+            </a:extLst>
+          </p:cNvPr>
+          <p:cNvPicPr>
+            <a:picLocks noChangeAspect="1"/>
+          </p:cNvPicPr>
+          <p:nvPr/>
+        </p:nvPicPr>
+        <p:blipFill>
+          <a:blip r:embed="rId2"/>
+          <a:stretch>
+            <a:fillRect/>
+          </a:stretch>
+        </p:blipFill>
+        <p:spPr>
+          <a:xfrm>
+            <a:off x="2173981" y="1193738"/>
+            <a:ext cx="2730500" cy="2730500"/>
+          </a:xfrm>
+          <a:prstGeom prst="rect">
+            <a:avLst/>
+          </a:prstGeom>
+        </p:spPr>
+      </p:pic>
+      <p:pic>
+        <p:nvPicPr>
+          <p:cNvPr id="3" name="图片 2">
+            <a:extLst>
+              <a:ext uri="{FF2B5EF4-FFF2-40B4-BE49-F238E27FC236}">
+                <a16:creationId xmlns:a16="http://schemas.microsoft.com/office/drawing/2014/main" id="{F2A0D782-24AC-0949-934B-4F2EC20A567A}"/>
+              </a:ext>
+            </a:extLst>
+          </p:cNvPr>
+          <p:cNvPicPr>
+            <a:picLocks noChangeAspect="1"/>
+          </p:cNvPicPr>
+          <p:nvPr/>
+        </p:nvPicPr>
+        <p:blipFill>
+          <a:blip r:embed="rId3"/>
+          <a:stretch>
+            <a:fillRect/>
+          </a:stretch>
+        </p:blipFill>
+        <p:spPr>
+          <a:xfrm>
+            <a:off x="6018453" y="663643"/>
+            <a:ext cx="4254500" cy="4927600"/>
+          </a:xfrm>
+          <a:prstGeom prst="rect">
+            <a:avLst/>
+          </a:prstGeom>
+        </p:spPr>
+      </p:pic>
+      <p:sp>
+        <p:nvSpPr>
+          <p:cNvPr id="4" name="文本框 3">
+            <a:extLst>
+              <a:ext uri="{FF2B5EF4-FFF2-40B4-BE49-F238E27FC236}">
+                <a16:creationId xmlns:a16="http://schemas.microsoft.com/office/drawing/2014/main" id="{004E89F3-ECF0-3D4A-AE88-D96803AE06BF}"/>
+              </a:ext>
+            </a:extLst>
+          </p:cNvPr>
+          <p:cNvSpPr txBox="1"/>
+          <p:nvPr/>
+        </p:nvSpPr>
+        <p:spPr>
+          <a:xfrm>
+            <a:off x="2840855" y="4332303"/>
+            <a:ext cx="1713390" cy="369332"/>
+          </a:xfrm>
+          <a:prstGeom prst="rect">
+            <a:avLst/>
+          </a:prstGeom>
+          <a:noFill/>
+        </p:spPr>
+        <p:txBody>
+          <a:bodyPr wrap="square" rtlCol="0">
+            <a:spAutoFit/>
+          </a:bodyPr>
+          <a:lstStyle/>
+          <a:p>
+            <a:r>
+              <a:rPr kumimoji="1" lang="zh-CN" altLang="en-US" dirty="0"/>
+              <a:t>个人微信号</a:t>
+            </a:r>
+          </a:p>
+        </p:txBody>
+      </p:sp>
+      <p:sp>
+        <p:nvSpPr>
+          <p:cNvPr id="5" name="文本框 4">
+            <a:extLst>
+              <a:ext uri="{FF2B5EF4-FFF2-40B4-BE49-F238E27FC236}">
+                <a16:creationId xmlns:a16="http://schemas.microsoft.com/office/drawing/2014/main" id="{21987A43-5C3B-3846-B5DC-DEB8E21BA68A}"/>
+              </a:ext>
+            </a:extLst>
+          </p:cNvPr>
+          <p:cNvSpPr txBox="1"/>
+          <p:nvPr/>
+        </p:nvSpPr>
+        <p:spPr>
+          <a:xfrm>
+            <a:off x="7156882" y="5271027"/>
+            <a:ext cx="2466512" cy="923330"/>
+          </a:xfrm>
+          <a:prstGeom prst="rect">
+            <a:avLst/>
+          </a:prstGeom>
+          <a:noFill/>
+        </p:spPr>
+        <p:txBody>
+          <a:bodyPr wrap="square" rtlCol="0">
+            <a:spAutoFit/>
+          </a:bodyPr>
+          <a:lstStyle/>
+          <a:p>
+            <a:r>
+              <a:rPr kumimoji="1" lang="zh-CN" altLang="en-US" dirty="0"/>
+              <a:t>           公众号</a:t>
+            </a:r>
+            <a:endParaRPr kumimoji="1" lang="en-US" altLang="zh-CN" dirty="0"/>
+          </a:p>
+          <a:p>
+            <a:endParaRPr kumimoji="1" lang="en-US" altLang="zh-CN" dirty="0"/>
+          </a:p>
+          <a:p>
+            <a:r>
+              <a:rPr kumimoji="1" lang="zh-CN" altLang="en-US" dirty="0"/>
+              <a:t>对不起，不聊技术</a:t>
+            </a:r>
+          </a:p>
+        </p:txBody>
+      </p:sp>
+    </p:spTree>
+    <p:extLst>
+      <p:ext uri="{BB962C8B-B14F-4D97-AF65-F5344CB8AC3E}">
+        <p14:creationId xmlns:p14="http://schemas.microsoft.com/office/powerpoint/2010/main" val="2059876913"/>
       </p:ext>
     </p:extLst>
   </p:cSld>
